--- a/docs/MultiTenant App.pptx
+++ b/docs/MultiTenant App.pptx
@@ -9,8 +9,8 @@
     <p:sldId id="257" r:id="rId3"/>
     <p:sldId id="258" r:id="rId4"/>
     <p:sldId id="259" r:id="rId5"/>
-    <p:sldId id="260" r:id="rId6"/>
-    <p:sldId id="261" r:id="rId7"/>
+    <p:sldId id="261" r:id="rId6"/>
+    <p:sldId id="262" r:id="rId7"/>
   </p:sldIdLst>
   <p:sldSz cx="12192000" cy="6858000"/>
   <p:notesSz cx="6858000" cy="9144000"/>
@@ -109,6 +109,11 @@
       </a:defRPr>
     </a:lvl9pPr>
   </p:defaultTextStyle>
+  <p:extLst>
+    <p:ext uri="{EFAFB233-063F-42B5-8137-9DF3F51BA10A}">
+      <p15:sldGuideLst xmlns:p15="http://schemas.microsoft.com/office/powerpoint/2012/main"/>
+    </p:ext>
+  </p:extLst>
 </p:presentation>
 </file>
 
@@ -243,7 +248,7 @@
           <a:p>
             <a:fld id="{AC34FC56-4831-496C-8AE9-E150C117C0CE}" type="datetimeFigureOut">
               <a:rPr lang="en-US" smtClean="0"/>
-              <a:t>8/29/2018</a:t>
+              <a:t>9/13/2018</a:t>
             </a:fld>
             <a:endParaRPr lang="en-US"/>
           </a:p>
@@ -413,7 +418,7 @@
           <a:p>
             <a:fld id="{AC34FC56-4831-496C-8AE9-E150C117C0CE}" type="datetimeFigureOut">
               <a:rPr lang="en-US" smtClean="0"/>
-              <a:t>8/29/2018</a:t>
+              <a:t>9/13/2018</a:t>
             </a:fld>
             <a:endParaRPr lang="en-US"/>
           </a:p>
@@ -593,7 +598,7 @@
           <a:p>
             <a:fld id="{AC34FC56-4831-496C-8AE9-E150C117C0CE}" type="datetimeFigureOut">
               <a:rPr lang="en-US" smtClean="0"/>
-              <a:t>8/29/2018</a:t>
+              <a:t>9/13/2018</a:t>
             </a:fld>
             <a:endParaRPr lang="en-US"/>
           </a:p>
@@ -763,7 +768,7 @@
           <a:p>
             <a:fld id="{AC34FC56-4831-496C-8AE9-E150C117C0CE}" type="datetimeFigureOut">
               <a:rPr lang="en-US" smtClean="0"/>
-              <a:t>8/29/2018</a:t>
+              <a:t>9/13/2018</a:t>
             </a:fld>
             <a:endParaRPr lang="en-US"/>
           </a:p>
@@ -1009,7 +1014,7 @@
           <a:p>
             <a:fld id="{AC34FC56-4831-496C-8AE9-E150C117C0CE}" type="datetimeFigureOut">
               <a:rPr lang="en-US" smtClean="0"/>
-              <a:t>8/29/2018</a:t>
+              <a:t>9/13/2018</a:t>
             </a:fld>
             <a:endParaRPr lang="en-US"/>
           </a:p>
@@ -1241,7 +1246,7 @@
           <a:p>
             <a:fld id="{AC34FC56-4831-496C-8AE9-E150C117C0CE}" type="datetimeFigureOut">
               <a:rPr lang="en-US" smtClean="0"/>
-              <a:t>8/29/2018</a:t>
+              <a:t>9/13/2018</a:t>
             </a:fld>
             <a:endParaRPr lang="en-US"/>
           </a:p>
@@ -1608,7 +1613,7 @@
           <a:p>
             <a:fld id="{AC34FC56-4831-496C-8AE9-E150C117C0CE}" type="datetimeFigureOut">
               <a:rPr lang="en-US" smtClean="0"/>
-              <a:t>8/29/2018</a:t>
+              <a:t>9/13/2018</a:t>
             </a:fld>
             <a:endParaRPr lang="en-US"/>
           </a:p>
@@ -1726,7 +1731,7 @@
           <a:p>
             <a:fld id="{AC34FC56-4831-496C-8AE9-E150C117C0CE}" type="datetimeFigureOut">
               <a:rPr lang="en-US" smtClean="0"/>
-              <a:t>8/29/2018</a:t>
+              <a:t>9/13/2018</a:t>
             </a:fld>
             <a:endParaRPr lang="en-US"/>
           </a:p>
@@ -1821,7 +1826,7 @@
           <a:p>
             <a:fld id="{AC34FC56-4831-496C-8AE9-E150C117C0CE}" type="datetimeFigureOut">
               <a:rPr lang="en-US" smtClean="0"/>
-              <a:t>8/29/2018</a:t>
+              <a:t>9/13/2018</a:t>
             </a:fld>
             <a:endParaRPr lang="en-US"/>
           </a:p>
@@ -2098,7 +2103,7 @@
           <a:p>
             <a:fld id="{AC34FC56-4831-496C-8AE9-E150C117C0CE}" type="datetimeFigureOut">
               <a:rPr lang="en-US" smtClean="0"/>
-              <a:t>8/29/2018</a:t>
+              <a:t>9/13/2018</a:t>
             </a:fld>
             <a:endParaRPr lang="en-US"/>
           </a:p>
@@ -2351,7 +2356,7 @@
           <a:p>
             <a:fld id="{AC34FC56-4831-496C-8AE9-E150C117C0CE}" type="datetimeFigureOut">
               <a:rPr lang="en-US" smtClean="0"/>
-              <a:t>8/29/2018</a:t>
+              <a:t>9/13/2018</a:t>
             </a:fld>
             <a:endParaRPr lang="en-US"/>
           </a:p>
@@ -2564,7 +2569,7 @@
           <a:p>
             <a:fld id="{AC34FC56-4831-496C-8AE9-E150C117C0CE}" type="datetimeFigureOut">
               <a:rPr lang="en-US" smtClean="0"/>
-              <a:t>8/29/2018</a:t>
+              <a:t>9/13/2018</a:t>
             </a:fld>
             <a:endParaRPr lang="en-US"/>
           </a:p>
@@ -3006,6 +3011,13 @@
   <p:clrMapOvr>
     <a:masterClrMapping/>
   </p:clrMapOvr>
+  <p:timing>
+    <p:tnLst>
+      <p:par>
+        <p:cTn id="1" dur="indefinite" restart="never" nodeType="tmRoot"/>
+      </p:par>
+    </p:tnLst>
+  </p:timing>
 </p:sld>
 </file>
 
@@ -3834,6 +3846,13 @@
   <p:clrMapOvr>
     <a:masterClrMapping/>
   </p:clrMapOvr>
+  <p:timing>
+    <p:tnLst>
+      <p:par>
+        <p:cTn id="1" dur="indefinite" restart="never" nodeType="tmRoot"/>
+      </p:par>
+    </p:tnLst>
+  </p:timing>
 </p:sld>
 </file>
 
@@ -4860,6 +4879,13 @@
   <p:clrMapOvr>
     <a:masterClrMapping/>
   </p:clrMapOvr>
+  <p:timing>
+    <p:tnLst>
+      <p:par>
+        <p:cTn id="1" dur="indefinite" restart="never" nodeType="tmRoot"/>
+      </p:par>
+    </p:tnLst>
+  </p:timing>
 </p:sld>
 </file>
 
@@ -4897,11 +4923,7 @@
           <a:p>
             <a:r>
               <a:rPr lang="en-US" b="1" dirty="0" smtClean="0"/>
-              <a:t>Multi-tenant </a:t>
-            </a:r>
-            <a:r>
-              <a:rPr lang="en-US" b="1" dirty="0" smtClean="0"/>
-              <a:t>Patterns</a:t>
+              <a:t>Multi-tenant Patterns</a:t>
             </a:r>
             <a:endParaRPr lang="en-US" dirty="0"/>
           </a:p>
@@ -5033,6 +5055,13 @@
   <p:clrMapOvr>
     <a:masterClrMapping/>
   </p:clrMapOvr>
+  <p:timing>
+    <p:tnLst>
+      <p:par>
+        <p:cTn id="1" dur="indefinite" restart="never" nodeType="tmRoot"/>
+      </p:par>
+    </p:tnLst>
+  </p:timing>
 </p:sld>
 </file>
 
@@ -5053,9 +5082,43 @@
           <a:chExt cx="0" cy="0"/>
         </a:xfrm>
       </p:grpSpPr>
+      <p:sp>
+        <p:nvSpPr>
+          <p:cNvPr id="4" name="TextBox 3"/>
+          <p:cNvSpPr txBox="1"/>
+          <p:nvPr/>
+        </p:nvSpPr>
+        <p:spPr>
+          <a:xfrm>
+            <a:off x="141316" y="96608"/>
+            <a:ext cx="4199611" cy="369332"/>
+          </a:xfrm>
+          <a:prstGeom prst="rect">
+            <a:avLst/>
+          </a:prstGeom>
+          <a:noFill/>
+        </p:spPr>
+        <p:txBody>
+          <a:bodyPr wrap="none" rtlCol="0">
+            <a:spAutoFit/>
+          </a:bodyPr>
+          <a:lstStyle/>
+          <a:p>
+            <a:r>
+              <a:rPr lang="en-US" dirty="0"/>
+              <a:t>Multi-Tenancy with </a:t>
+            </a:r>
+            <a:r>
+              <a:rPr lang="en-US" dirty="0" smtClean="0"/>
+              <a:t>Logical data separation</a:t>
+            </a:r>
+            <a:endParaRPr lang="en-US" dirty="0"/>
+          </a:p>
+        </p:txBody>
+      </p:sp>
       <p:pic>
         <p:nvPicPr>
-          <p:cNvPr id="1026" name="Picture 2" descr="https://cdn-images-1.medium.com/max/800/1*jHkyyfL6msA1aTskfHMuOg.png"/>
+          <p:cNvPr id="2050" name="Picture 2" descr="https://cdn-images-1.medium.com/max/800/1*NTehiHXVkNmpb98cMks3kw.png"/>
           <p:cNvPicPr>
             <a:picLocks noChangeAspect="1" noChangeArrowheads="1"/>
           </p:cNvPicPr>
@@ -5076,7 +5139,7 @@
         </p:blipFill>
         <p:spPr bwMode="auto">
           <a:xfrm>
-            <a:off x="3871364" y="395865"/>
+            <a:off x="3962805" y="546041"/>
             <a:ext cx="4791075" cy="6029326"/>
           </a:xfrm>
           <a:prstGeom prst="rect">
@@ -5094,45 +5157,23 @@
           </a:extLst>
         </p:spPr>
       </p:pic>
-      <p:sp>
-        <p:nvSpPr>
-          <p:cNvPr id="4" name="TextBox 3"/>
-          <p:cNvSpPr txBox="1"/>
-          <p:nvPr/>
-        </p:nvSpPr>
-        <p:spPr>
-          <a:xfrm>
-            <a:off x="141316" y="96608"/>
-            <a:ext cx="4068934" cy="369332"/>
-          </a:xfrm>
-          <a:prstGeom prst="rect">
-            <a:avLst/>
-          </a:prstGeom>
-          <a:noFill/>
-        </p:spPr>
-        <p:txBody>
-          <a:bodyPr wrap="none" rtlCol="0">
-            <a:spAutoFit/>
-          </a:bodyPr>
-          <a:lstStyle/>
-          <a:p>
-            <a:r>
-              <a:rPr lang="en-US" dirty="0"/>
-              <a:t>Multi-Tenancy with DB Connector Service</a:t>
-            </a:r>
-          </a:p>
-        </p:txBody>
-      </p:sp>
     </p:spTree>
     <p:extLst>
       <p:ext uri="{BB962C8B-B14F-4D97-AF65-F5344CB8AC3E}">
-        <p14:creationId xmlns:p14="http://schemas.microsoft.com/office/powerpoint/2010/main" val="2689530459"/>
+        <p14:creationId xmlns:p14="http://schemas.microsoft.com/office/powerpoint/2010/main" val="1590742249"/>
       </p:ext>
     </p:extLst>
   </p:cSld>
   <p:clrMapOvr>
     <a:masterClrMapping/>
   </p:clrMapOvr>
+  <p:timing>
+    <p:tnLst>
+      <p:par>
+        <p:cTn id="1" dur="indefinite" restart="never" nodeType="tmRoot"/>
+      </p:par>
+    </p:tnLst>
+  </p:timing>
 </p:sld>
 </file>
 
@@ -5155,33 +5196,27 @@
       </p:grpSpPr>
       <p:sp>
         <p:nvSpPr>
-          <p:cNvPr id="4" name="TextBox 3"/>
-          <p:cNvSpPr txBox="1"/>
-          <p:nvPr/>
-        </p:nvSpPr>
-        <p:spPr>
-          <a:xfrm>
-            <a:off x="141316" y="96608"/>
-            <a:ext cx="4199611" cy="369332"/>
-          </a:xfrm>
-          <a:prstGeom prst="rect">
-            <a:avLst/>
-          </a:prstGeom>
-          <a:noFill/>
-        </p:spPr>
-        <p:txBody>
-          <a:bodyPr wrap="none" rtlCol="0">
-            <a:spAutoFit/>
-          </a:bodyPr>
-          <a:lstStyle/>
-          <a:p>
-            <a:r>
-              <a:rPr lang="en-US" dirty="0"/>
-              <a:t>Multi-Tenancy with </a:t>
-            </a:r>
+          <p:cNvPr id="2" name="Title 1"/>
+          <p:cNvSpPr>
+            <a:spLocks noGrp="1"/>
+          </p:cNvSpPr>
+          <p:nvPr>
+            <p:ph type="title"/>
+          </p:nvPr>
+        </p:nvSpPr>
+        <p:spPr>
+          <a:xfrm>
+            <a:off x="0" y="-108068"/>
+            <a:ext cx="10515600" cy="1325563"/>
+          </a:xfrm>
+        </p:spPr>
+        <p:txBody>
+          <a:bodyPr/>
+          <a:lstStyle/>
+          <a:p>
             <a:r>
               <a:rPr lang="en-US" dirty="0" smtClean="0"/>
-              <a:t>Logical data separation</a:t>
+              <a:t>Notification CMS/Control panel </a:t>
             </a:r>
             <a:endParaRPr lang="en-US" dirty="0"/>
           </a:p>
@@ -5189,55 +5224,1067 @@
       </p:sp>
       <p:pic>
         <p:nvPicPr>
-          <p:cNvPr id="2050" name="Picture 2" descr="https://cdn-images-1.medium.com/max/800/1*NTehiHXVkNmpb98cMks3kw.png"/>
+          <p:cNvPr id="5" name="Picture 4"/>
           <p:cNvPicPr>
-            <a:picLocks noChangeAspect="1" noChangeArrowheads="1"/>
+            <a:picLocks noChangeAspect="1"/>
           </p:cNvPicPr>
           <p:nvPr/>
         </p:nvPicPr>
         <p:blipFill>
-          <a:blip r:embed="rId2">
-            <a:extLst>
-              <a:ext uri="{28A0092B-C50C-407E-A947-70E740481C1C}">
-                <a14:useLocalDpi xmlns:a14="http://schemas.microsoft.com/office/drawing/2010/main" val="0"/>
-              </a:ext>
-            </a:extLst>
-          </a:blip>
-          <a:srcRect/>
+          <a:blip r:embed="rId2"/>
           <a:stretch>
             <a:fillRect/>
           </a:stretch>
         </p:blipFill>
-        <p:spPr bwMode="auto">
-          <a:xfrm>
-            <a:off x="3962805" y="546041"/>
-            <a:ext cx="4791075" cy="6029326"/>
+        <p:spPr>
+          <a:xfrm>
+            <a:off x="168956" y="3631653"/>
+            <a:ext cx="5819048" cy="3219048"/>
           </a:xfrm>
           <a:prstGeom prst="rect">
             <a:avLst/>
           </a:prstGeom>
+        </p:spPr>
+      </p:pic>
+      <p:pic>
+        <p:nvPicPr>
+          <p:cNvPr id="6" name="Picture 5"/>
+          <p:cNvPicPr>
+            <a:picLocks noChangeAspect="1"/>
+          </p:cNvPicPr>
+          <p:nvPr/>
+        </p:nvPicPr>
+        <p:blipFill>
+          <a:blip r:embed="rId3"/>
+          <a:stretch>
+            <a:fillRect/>
+          </a:stretch>
+        </p:blipFill>
+        <p:spPr>
+          <a:xfrm>
+            <a:off x="149909" y="1448367"/>
+            <a:ext cx="5838095" cy="819048"/>
+          </a:xfrm>
+          <a:prstGeom prst="rect">
+            <a:avLst/>
+          </a:prstGeom>
+        </p:spPr>
+      </p:pic>
+      <p:sp>
+        <p:nvSpPr>
+          <p:cNvPr id="7" name="Rectangle 6"/>
+          <p:cNvSpPr/>
+          <p:nvPr/>
+        </p:nvSpPr>
+        <p:spPr>
+          <a:xfrm>
+            <a:off x="168956" y="1150151"/>
+            <a:ext cx="3177216" cy="369332"/>
+          </a:xfrm>
+          <a:prstGeom prst="rect">
+            <a:avLst/>
+          </a:prstGeom>
+        </p:spPr>
+        <p:txBody>
+          <a:bodyPr wrap="square">
+            <a:spAutoFit/>
+          </a:bodyPr>
+          <a:lstStyle/>
+          <a:p>
+            <a:r>
+              <a:rPr lang="en-US" dirty="0"/>
+              <a:t>Notification </a:t>
+            </a:r>
+            <a:r>
+              <a:rPr lang="en-US" dirty="0" smtClean="0"/>
+              <a:t>States</a:t>
+            </a:r>
+            <a:endParaRPr lang="en-US" dirty="0"/>
+          </a:p>
+        </p:txBody>
+      </p:sp>
+      <p:sp>
+        <p:nvSpPr>
+          <p:cNvPr id="8" name="Rectangle 7"/>
+          <p:cNvSpPr/>
+          <p:nvPr/>
+        </p:nvSpPr>
+        <p:spPr>
+          <a:xfrm>
+            <a:off x="1330038" y="2423786"/>
+            <a:ext cx="856210" cy="207501"/>
+          </a:xfrm>
+          <a:prstGeom prst="rect">
+            <a:avLst/>
+          </a:prstGeom>
+          <a:solidFill>
+            <a:schemeClr val="bg1"/>
+          </a:solidFill>
+          <a:ln w="3175">
+            <a:solidFill>
+              <a:schemeClr val="bg1">
+                <a:lumMod val="65000"/>
+              </a:schemeClr>
+            </a:solidFill>
+          </a:ln>
+        </p:spPr>
+        <p:style>
+          <a:lnRef idx="2">
+            <a:schemeClr val="accent1">
+              <a:shade val="50000"/>
+            </a:schemeClr>
+          </a:lnRef>
+          <a:fillRef idx="1">
+            <a:schemeClr val="accent1"/>
+          </a:fillRef>
+          <a:effectRef idx="0">
+            <a:schemeClr val="accent1"/>
+          </a:effectRef>
+          <a:fontRef idx="minor">
+            <a:schemeClr val="lt1"/>
+          </a:fontRef>
+        </p:style>
+        <p:txBody>
+          <a:bodyPr rtlCol="0" anchor="ctr"/>
+          <a:lstStyle/>
+          <a:p>
+            <a:r>
+              <a:rPr lang="en-US" sz="1000" dirty="0" smtClean="0">
+                <a:ln w="0">
+                  <a:noFill/>
+                </a:ln>
+                <a:solidFill>
+                  <a:schemeClr val="bg2">
+                    <a:lumMod val="10000"/>
+                  </a:schemeClr>
+                </a:solidFill>
+              </a:rPr>
+              <a:t>red</a:t>
+            </a:r>
+            <a:endParaRPr lang="en-US" sz="1000" dirty="0">
+              <a:ln w="0">
+                <a:noFill/>
+              </a:ln>
+              <a:solidFill>
+                <a:schemeClr val="bg2">
+                  <a:lumMod val="10000"/>
+                </a:schemeClr>
+              </a:solidFill>
+            </a:endParaRPr>
+          </a:p>
+        </p:txBody>
+      </p:sp>
+      <p:sp>
+        <p:nvSpPr>
+          <p:cNvPr id="9" name="TextBox 8"/>
+          <p:cNvSpPr txBox="1"/>
+          <p:nvPr/>
+        </p:nvSpPr>
+        <p:spPr>
+          <a:xfrm>
+            <a:off x="349134" y="2177505"/>
+            <a:ext cx="980903" cy="1402563"/>
+          </a:xfrm>
+          <a:prstGeom prst="rect">
+            <a:avLst/>
+          </a:prstGeom>
           <a:noFill/>
-          <a:extLst>
-            <a:ext uri="{909E8E84-426E-40DD-AFC4-6F175D3DCCD1}">
-              <a14:hiddenFill xmlns:a14="http://schemas.microsoft.com/office/drawing/2010/main">
+        </p:spPr>
+        <p:txBody>
+          <a:bodyPr wrap="square" rtlCol="0">
+            <a:spAutoFit/>
+          </a:bodyPr>
+          <a:lstStyle/>
+          <a:p>
+            <a:pPr>
+              <a:lnSpc>
+                <a:spcPct val="250000"/>
+              </a:lnSpc>
+            </a:pPr>
+            <a:r>
+              <a:rPr lang="en-US" sz="1200" dirty="0" smtClean="0"/>
+              <a:t>Background:</a:t>
+            </a:r>
+          </a:p>
+          <a:p>
+            <a:pPr>
+              <a:lnSpc>
+                <a:spcPct val="250000"/>
+              </a:lnSpc>
+            </a:pPr>
+            <a:r>
+              <a:rPr lang="en-US" sz="1200" dirty="0" smtClean="0"/>
+              <a:t>Border:</a:t>
+            </a:r>
+          </a:p>
+          <a:p>
+            <a:pPr>
+              <a:lnSpc>
+                <a:spcPct val="250000"/>
+              </a:lnSpc>
+            </a:pPr>
+            <a:r>
+              <a:rPr lang="en-US" sz="1200" dirty="0" smtClean="0"/>
+              <a:t>Font:</a:t>
+            </a:r>
+          </a:p>
+        </p:txBody>
+      </p:sp>
+      <p:sp>
+        <p:nvSpPr>
+          <p:cNvPr id="10" name="Rectangle 9"/>
+          <p:cNvSpPr/>
+          <p:nvPr/>
+        </p:nvSpPr>
+        <p:spPr>
+          <a:xfrm>
+            <a:off x="2374705" y="2423785"/>
+            <a:ext cx="856210" cy="207501"/>
+          </a:xfrm>
+          <a:prstGeom prst="rect">
+            <a:avLst/>
+          </a:prstGeom>
+          <a:solidFill>
+            <a:schemeClr val="bg1"/>
+          </a:solidFill>
+          <a:ln w="3175">
+            <a:solidFill>
+              <a:schemeClr val="bg1">
+                <a:lumMod val="65000"/>
+              </a:schemeClr>
+            </a:solidFill>
+          </a:ln>
+        </p:spPr>
+        <p:style>
+          <a:lnRef idx="2">
+            <a:schemeClr val="accent1">
+              <a:shade val="50000"/>
+            </a:schemeClr>
+          </a:lnRef>
+          <a:fillRef idx="1">
+            <a:schemeClr val="accent1"/>
+          </a:fillRef>
+          <a:effectRef idx="0">
+            <a:schemeClr val="accent1"/>
+          </a:effectRef>
+          <a:fontRef idx="minor">
+            <a:schemeClr val="lt1"/>
+          </a:fontRef>
+        </p:style>
+        <p:txBody>
+          <a:bodyPr rtlCol="0" anchor="ctr"/>
+          <a:lstStyle/>
+          <a:p>
+            <a:r>
+              <a:rPr lang="en-US" sz="1000" dirty="0" smtClean="0">
+                <a:ln w="0">
+                  <a:noFill/>
+                </a:ln>
                 <a:solidFill>
-                  <a:srgbClr val="FFFFFF"/>
+                  <a:schemeClr val="bg2">
+                    <a:lumMod val="10000"/>
+                  </a:schemeClr>
                 </a:solidFill>
-              </a14:hiddenFill>
-            </a:ext>
-          </a:extLst>
-        </p:spPr>
-      </p:pic>
+              </a:rPr>
+              <a:t>Abc.png</a:t>
+            </a:r>
+            <a:endParaRPr lang="en-US" sz="1000" dirty="0">
+              <a:ln w="0">
+                <a:noFill/>
+              </a:ln>
+              <a:solidFill>
+                <a:schemeClr val="bg2">
+                  <a:lumMod val="10000"/>
+                </a:schemeClr>
+              </a:solidFill>
+            </a:endParaRPr>
+          </a:p>
+        </p:txBody>
+      </p:sp>
+      <p:sp>
+        <p:nvSpPr>
+          <p:cNvPr id="11" name="Rectangle 10"/>
+          <p:cNvSpPr/>
+          <p:nvPr/>
+        </p:nvSpPr>
+        <p:spPr>
+          <a:xfrm>
+            <a:off x="3419373" y="2423785"/>
+            <a:ext cx="856210" cy="207501"/>
+          </a:xfrm>
+          <a:prstGeom prst="rect">
+            <a:avLst/>
+          </a:prstGeom>
+          <a:solidFill>
+            <a:schemeClr val="bg1"/>
+          </a:solidFill>
+          <a:ln w="3175">
+            <a:solidFill>
+              <a:schemeClr val="bg1">
+                <a:lumMod val="65000"/>
+              </a:schemeClr>
+            </a:solidFill>
+          </a:ln>
+        </p:spPr>
+        <p:style>
+          <a:lnRef idx="2">
+            <a:schemeClr val="accent1">
+              <a:shade val="50000"/>
+            </a:schemeClr>
+          </a:lnRef>
+          <a:fillRef idx="1">
+            <a:schemeClr val="accent1"/>
+          </a:fillRef>
+          <a:effectRef idx="0">
+            <a:schemeClr val="accent1"/>
+          </a:effectRef>
+          <a:fontRef idx="minor">
+            <a:schemeClr val="lt1"/>
+          </a:fontRef>
+        </p:style>
+        <p:txBody>
+          <a:bodyPr rtlCol="0" anchor="ctr"/>
+          <a:lstStyle/>
+          <a:p>
+            <a:r>
+              <a:rPr lang="en-US" sz="1000" dirty="0" smtClean="0">
+                <a:ln w="0">
+                  <a:noFill/>
+                </a:ln>
+                <a:solidFill>
+                  <a:schemeClr val="bg2">
+                    <a:lumMod val="10000"/>
+                  </a:schemeClr>
+                </a:solidFill>
+              </a:rPr>
+              <a:t>yes</a:t>
+            </a:r>
+            <a:endParaRPr lang="en-US" sz="1000" dirty="0">
+              <a:ln w="0">
+                <a:noFill/>
+              </a:ln>
+              <a:solidFill>
+                <a:schemeClr val="bg2">
+                  <a:lumMod val="10000"/>
+                </a:schemeClr>
+              </a:solidFill>
+            </a:endParaRPr>
+          </a:p>
+        </p:txBody>
+      </p:sp>
+      <p:sp>
+        <p:nvSpPr>
+          <p:cNvPr id="12" name="Rectangle 11"/>
+          <p:cNvSpPr/>
+          <p:nvPr/>
+        </p:nvSpPr>
+        <p:spPr>
+          <a:xfrm>
+            <a:off x="1330038" y="2919635"/>
+            <a:ext cx="856210" cy="207501"/>
+          </a:xfrm>
+          <a:prstGeom prst="rect">
+            <a:avLst/>
+          </a:prstGeom>
+          <a:solidFill>
+            <a:schemeClr val="bg1"/>
+          </a:solidFill>
+          <a:ln w="3175">
+            <a:solidFill>
+              <a:schemeClr val="bg1">
+                <a:lumMod val="65000"/>
+              </a:schemeClr>
+            </a:solidFill>
+          </a:ln>
+        </p:spPr>
+        <p:style>
+          <a:lnRef idx="2">
+            <a:schemeClr val="accent1">
+              <a:shade val="50000"/>
+            </a:schemeClr>
+          </a:lnRef>
+          <a:fillRef idx="1">
+            <a:schemeClr val="accent1"/>
+          </a:fillRef>
+          <a:effectRef idx="0">
+            <a:schemeClr val="accent1"/>
+          </a:effectRef>
+          <a:fontRef idx="minor">
+            <a:schemeClr val="lt1"/>
+          </a:fontRef>
+        </p:style>
+        <p:txBody>
+          <a:bodyPr rtlCol="0" anchor="ctr"/>
+          <a:lstStyle/>
+          <a:p>
+            <a:r>
+              <a:rPr lang="en-US" sz="1000" dirty="0" smtClean="0">
+                <a:ln w="0">
+                  <a:noFill/>
+                </a:ln>
+                <a:solidFill>
+                  <a:schemeClr val="bg2">
+                    <a:lumMod val="10000"/>
+                  </a:schemeClr>
+                </a:solidFill>
+              </a:rPr>
+              <a:t>Light blue</a:t>
+            </a:r>
+            <a:endParaRPr lang="en-US" sz="1000" dirty="0">
+              <a:ln w="0">
+                <a:noFill/>
+              </a:ln>
+              <a:solidFill>
+                <a:schemeClr val="bg2">
+                  <a:lumMod val="10000"/>
+                </a:schemeClr>
+              </a:solidFill>
+            </a:endParaRPr>
+          </a:p>
+        </p:txBody>
+      </p:sp>
+      <p:sp>
+        <p:nvSpPr>
+          <p:cNvPr id="13" name="Rectangle 12"/>
+          <p:cNvSpPr/>
+          <p:nvPr/>
+        </p:nvSpPr>
+        <p:spPr>
+          <a:xfrm>
+            <a:off x="2374705" y="2918968"/>
+            <a:ext cx="856210" cy="207501"/>
+          </a:xfrm>
+          <a:prstGeom prst="rect">
+            <a:avLst/>
+          </a:prstGeom>
+          <a:solidFill>
+            <a:schemeClr val="bg1"/>
+          </a:solidFill>
+          <a:ln w="3175">
+            <a:solidFill>
+              <a:schemeClr val="bg1">
+                <a:lumMod val="65000"/>
+              </a:schemeClr>
+            </a:solidFill>
+          </a:ln>
+        </p:spPr>
+        <p:style>
+          <a:lnRef idx="2">
+            <a:schemeClr val="accent1">
+              <a:shade val="50000"/>
+            </a:schemeClr>
+          </a:lnRef>
+          <a:fillRef idx="1">
+            <a:schemeClr val="accent1"/>
+          </a:fillRef>
+          <a:effectRef idx="0">
+            <a:schemeClr val="accent1"/>
+          </a:effectRef>
+          <a:fontRef idx="minor">
+            <a:schemeClr val="lt1"/>
+          </a:fontRef>
+        </p:style>
+        <p:txBody>
+          <a:bodyPr rtlCol="0" anchor="ctr"/>
+          <a:lstStyle/>
+          <a:p>
+            <a:r>
+              <a:rPr lang="en-US" sz="1000" dirty="0" smtClean="0">
+                <a:ln w="0">
+                  <a:noFill/>
+                </a:ln>
+                <a:solidFill>
+                  <a:schemeClr val="bg2">
+                    <a:lumMod val="10000"/>
+                  </a:schemeClr>
+                </a:solidFill>
+              </a:rPr>
+              <a:t>1px</a:t>
+            </a:r>
+            <a:endParaRPr lang="en-US" sz="1000" dirty="0">
+              <a:ln w="0">
+                <a:noFill/>
+              </a:ln>
+              <a:solidFill>
+                <a:schemeClr val="bg2">
+                  <a:lumMod val="10000"/>
+                </a:schemeClr>
+              </a:solidFill>
+            </a:endParaRPr>
+          </a:p>
+        </p:txBody>
+      </p:sp>
+      <p:sp>
+        <p:nvSpPr>
+          <p:cNvPr id="14" name="Rectangle 13"/>
+          <p:cNvSpPr/>
+          <p:nvPr/>
+        </p:nvSpPr>
+        <p:spPr>
+          <a:xfrm>
+            <a:off x="3431264" y="2918967"/>
+            <a:ext cx="856210" cy="207501"/>
+          </a:xfrm>
+          <a:prstGeom prst="rect">
+            <a:avLst/>
+          </a:prstGeom>
+          <a:solidFill>
+            <a:schemeClr val="bg1"/>
+          </a:solidFill>
+          <a:ln w="3175">
+            <a:solidFill>
+              <a:schemeClr val="bg1">
+                <a:lumMod val="65000"/>
+              </a:schemeClr>
+            </a:solidFill>
+          </a:ln>
+        </p:spPr>
+        <p:style>
+          <a:lnRef idx="2">
+            <a:schemeClr val="accent1">
+              <a:shade val="50000"/>
+            </a:schemeClr>
+          </a:lnRef>
+          <a:fillRef idx="1">
+            <a:schemeClr val="accent1"/>
+          </a:fillRef>
+          <a:effectRef idx="0">
+            <a:schemeClr val="accent1"/>
+          </a:effectRef>
+          <a:fontRef idx="minor">
+            <a:schemeClr val="lt1"/>
+          </a:fontRef>
+        </p:style>
+        <p:txBody>
+          <a:bodyPr rtlCol="0" anchor="ctr"/>
+          <a:lstStyle/>
+          <a:p>
+            <a:r>
+              <a:rPr lang="en-US" sz="1000" dirty="0" smtClean="0">
+                <a:ln w="0">
+                  <a:noFill/>
+                </a:ln>
+                <a:solidFill>
+                  <a:schemeClr val="bg2">
+                    <a:lumMod val="10000"/>
+                  </a:schemeClr>
+                </a:solidFill>
+              </a:rPr>
+              <a:t>0px</a:t>
+            </a:r>
+            <a:endParaRPr lang="en-US" sz="1000" dirty="0">
+              <a:ln w="0">
+                <a:noFill/>
+              </a:ln>
+              <a:solidFill>
+                <a:schemeClr val="bg2">
+                  <a:lumMod val="10000"/>
+                </a:schemeClr>
+              </a:solidFill>
+            </a:endParaRPr>
+          </a:p>
+        </p:txBody>
+      </p:sp>
+      <p:sp>
+        <p:nvSpPr>
+          <p:cNvPr id="16" name="Rectangle 15"/>
+          <p:cNvSpPr/>
+          <p:nvPr/>
+        </p:nvSpPr>
+        <p:spPr>
+          <a:xfrm>
+            <a:off x="1332807" y="3338049"/>
+            <a:ext cx="856210" cy="207501"/>
+          </a:xfrm>
+          <a:prstGeom prst="rect">
+            <a:avLst/>
+          </a:prstGeom>
+          <a:solidFill>
+            <a:schemeClr val="bg1"/>
+          </a:solidFill>
+          <a:ln w="3175">
+            <a:solidFill>
+              <a:schemeClr val="bg1">
+                <a:lumMod val="65000"/>
+              </a:schemeClr>
+            </a:solidFill>
+          </a:ln>
+        </p:spPr>
+        <p:style>
+          <a:lnRef idx="2">
+            <a:schemeClr val="accent1">
+              <a:shade val="50000"/>
+            </a:schemeClr>
+          </a:lnRef>
+          <a:fillRef idx="1">
+            <a:schemeClr val="accent1"/>
+          </a:fillRef>
+          <a:effectRef idx="0">
+            <a:schemeClr val="accent1"/>
+          </a:effectRef>
+          <a:fontRef idx="minor">
+            <a:schemeClr val="lt1"/>
+          </a:fontRef>
+        </p:style>
+        <p:txBody>
+          <a:bodyPr rtlCol="0" anchor="ctr"/>
+          <a:lstStyle/>
+          <a:p>
+            <a:r>
+              <a:rPr lang="en-US" sz="1000" dirty="0" smtClean="0">
+                <a:ln w="0">
+                  <a:noFill/>
+                </a:ln>
+                <a:solidFill>
+                  <a:schemeClr val="bg2">
+                    <a:lumMod val="10000"/>
+                  </a:schemeClr>
+                </a:solidFill>
+              </a:rPr>
+              <a:t>white</a:t>
+            </a:r>
+            <a:endParaRPr lang="en-US" sz="1000" dirty="0">
+              <a:ln w="0">
+                <a:noFill/>
+              </a:ln>
+              <a:solidFill>
+                <a:schemeClr val="bg2">
+                  <a:lumMod val="10000"/>
+                </a:schemeClr>
+              </a:solidFill>
+            </a:endParaRPr>
+          </a:p>
+        </p:txBody>
+      </p:sp>
+      <p:sp>
+        <p:nvSpPr>
+          <p:cNvPr id="17" name="Rectangle 16"/>
+          <p:cNvSpPr/>
+          <p:nvPr/>
+        </p:nvSpPr>
+        <p:spPr>
+          <a:xfrm>
+            <a:off x="2377474" y="3337382"/>
+            <a:ext cx="856210" cy="207501"/>
+          </a:xfrm>
+          <a:prstGeom prst="rect">
+            <a:avLst/>
+          </a:prstGeom>
+          <a:solidFill>
+            <a:schemeClr val="bg1"/>
+          </a:solidFill>
+          <a:ln w="3175">
+            <a:solidFill>
+              <a:schemeClr val="bg1">
+                <a:lumMod val="65000"/>
+              </a:schemeClr>
+            </a:solidFill>
+          </a:ln>
+        </p:spPr>
+        <p:style>
+          <a:lnRef idx="2">
+            <a:schemeClr val="accent1">
+              <a:shade val="50000"/>
+            </a:schemeClr>
+          </a:lnRef>
+          <a:fillRef idx="1">
+            <a:schemeClr val="accent1"/>
+          </a:fillRef>
+          <a:effectRef idx="0">
+            <a:schemeClr val="accent1"/>
+          </a:effectRef>
+          <a:fontRef idx="minor">
+            <a:schemeClr val="lt1"/>
+          </a:fontRef>
+        </p:style>
+        <p:txBody>
+          <a:bodyPr rtlCol="0" anchor="ctr"/>
+          <a:lstStyle/>
+          <a:p>
+            <a:r>
+              <a:rPr lang="en-US" sz="1000" dirty="0" smtClean="0">
+                <a:ln w="0">
+                  <a:noFill/>
+                </a:ln>
+                <a:solidFill>
+                  <a:schemeClr val="bg2">
+                    <a:lumMod val="10000"/>
+                  </a:schemeClr>
+                </a:solidFill>
+              </a:rPr>
+              <a:t>12px</a:t>
+            </a:r>
+            <a:endParaRPr lang="en-US" sz="1000" dirty="0">
+              <a:ln w="0">
+                <a:noFill/>
+              </a:ln>
+              <a:solidFill>
+                <a:schemeClr val="bg2">
+                  <a:lumMod val="10000"/>
+                </a:schemeClr>
+              </a:solidFill>
+            </a:endParaRPr>
+          </a:p>
+        </p:txBody>
+      </p:sp>
+      <p:sp>
+        <p:nvSpPr>
+          <p:cNvPr id="18" name="Rectangle 17"/>
+          <p:cNvSpPr/>
+          <p:nvPr/>
+        </p:nvSpPr>
+        <p:spPr>
+          <a:xfrm>
+            <a:off x="3434033" y="3337381"/>
+            <a:ext cx="856210" cy="207501"/>
+          </a:xfrm>
+          <a:prstGeom prst="rect">
+            <a:avLst/>
+          </a:prstGeom>
+          <a:solidFill>
+            <a:schemeClr val="bg1"/>
+          </a:solidFill>
+          <a:ln w="3175">
+            <a:solidFill>
+              <a:schemeClr val="bg1">
+                <a:lumMod val="65000"/>
+              </a:schemeClr>
+            </a:solidFill>
+          </a:ln>
+        </p:spPr>
+        <p:style>
+          <a:lnRef idx="2">
+            <a:schemeClr val="accent1">
+              <a:shade val="50000"/>
+            </a:schemeClr>
+          </a:lnRef>
+          <a:fillRef idx="1">
+            <a:schemeClr val="accent1"/>
+          </a:fillRef>
+          <a:effectRef idx="0">
+            <a:schemeClr val="accent1"/>
+          </a:effectRef>
+          <a:fontRef idx="minor">
+            <a:schemeClr val="lt1"/>
+          </a:fontRef>
+        </p:style>
+        <p:txBody>
+          <a:bodyPr rtlCol="0" anchor="ctr"/>
+          <a:lstStyle/>
+          <a:p>
+            <a:r>
+              <a:rPr lang="en-US" sz="1000" dirty="0" smtClean="0">
+                <a:ln w="0">
+                  <a:noFill/>
+                </a:ln>
+                <a:solidFill>
+                  <a:schemeClr val="bg2">
+                    <a:lumMod val="10000"/>
+                  </a:schemeClr>
+                </a:solidFill>
+              </a:rPr>
+              <a:t>Bold</a:t>
+            </a:r>
+            <a:endParaRPr lang="en-US" sz="1000" dirty="0">
+              <a:ln w="0">
+                <a:noFill/>
+              </a:ln>
+              <a:solidFill>
+                <a:schemeClr val="bg2">
+                  <a:lumMod val="10000"/>
+                </a:schemeClr>
+              </a:solidFill>
+            </a:endParaRPr>
+          </a:p>
+        </p:txBody>
+      </p:sp>
+      <p:sp>
+        <p:nvSpPr>
+          <p:cNvPr id="19" name="TextBox 18"/>
+          <p:cNvSpPr txBox="1"/>
+          <p:nvPr/>
+        </p:nvSpPr>
+        <p:spPr>
+          <a:xfrm>
+            <a:off x="1236994" y="2233214"/>
+            <a:ext cx="461986" cy="168172"/>
+          </a:xfrm>
+          <a:prstGeom prst="rect">
+            <a:avLst/>
+          </a:prstGeom>
+          <a:noFill/>
+        </p:spPr>
+        <p:txBody>
+          <a:bodyPr wrap="none" rtlCol="0">
+            <a:spAutoFit/>
+          </a:bodyPr>
+          <a:lstStyle/>
+          <a:p>
+            <a:r>
+              <a:rPr lang="en-US" sz="1000" dirty="0" smtClean="0"/>
+              <a:t>Color</a:t>
+            </a:r>
+            <a:endParaRPr lang="en-US" sz="1000" dirty="0"/>
+          </a:p>
+        </p:txBody>
+      </p:sp>
+      <p:sp>
+        <p:nvSpPr>
+          <p:cNvPr id="20" name="TextBox 19"/>
+          <p:cNvSpPr txBox="1"/>
+          <p:nvPr/>
+        </p:nvSpPr>
+        <p:spPr>
+          <a:xfrm>
+            <a:off x="2298288" y="2219659"/>
+            <a:ext cx="505267" cy="184989"/>
+          </a:xfrm>
+          <a:prstGeom prst="rect">
+            <a:avLst/>
+          </a:prstGeom>
+          <a:noFill/>
+        </p:spPr>
+        <p:txBody>
+          <a:bodyPr wrap="none" rtlCol="0">
+            <a:spAutoFit/>
+          </a:bodyPr>
+          <a:lstStyle/>
+          <a:p>
+            <a:r>
+              <a:rPr lang="en-US" sz="1000" dirty="0" smtClean="0"/>
+              <a:t>Image</a:t>
+            </a:r>
+            <a:endParaRPr lang="en-US" sz="1000" dirty="0"/>
+          </a:p>
+        </p:txBody>
+      </p:sp>
+      <p:sp>
+        <p:nvSpPr>
+          <p:cNvPr id="21" name="TextBox 20"/>
+          <p:cNvSpPr txBox="1"/>
+          <p:nvPr/>
+        </p:nvSpPr>
+        <p:spPr>
+          <a:xfrm>
+            <a:off x="3321446" y="2227971"/>
+            <a:ext cx="503052" cy="184989"/>
+          </a:xfrm>
+          <a:prstGeom prst="rect">
+            <a:avLst/>
+          </a:prstGeom>
+          <a:noFill/>
+        </p:spPr>
+        <p:txBody>
+          <a:bodyPr wrap="none" rtlCol="0">
+            <a:spAutoFit/>
+          </a:bodyPr>
+          <a:lstStyle/>
+          <a:p>
+            <a:r>
+              <a:rPr lang="en-US" sz="1000" dirty="0" smtClean="0"/>
+              <a:t>Repeat</a:t>
+            </a:r>
+            <a:endParaRPr lang="en-US" sz="1000" dirty="0"/>
+          </a:p>
+        </p:txBody>
+      </p:sp>
+      <p:sp>
+        <p:nvSpPr>
+          <p:cNvPr id="22" name="TextBox 21"/>
+          <p:cNvSpPr txBox="1"/>
+          <p:nvPr/>
+        </p:nvSpPr>
+        <p:spPr>
+          <a:xfrm>
+            <a:off x="1231449" y="2726434"/>
+            <a:ext cx="461986" cy="168172"/>
+          </a:xfrm>
+          <a:prstGeom prst="rect">
+            <a:avLst/>
+          </a:prstGeom>
+          <a:noFill/>
+        </p:spPr>
+        <p:txBody>
+          <a:bodyPr wrap="none" rtlCol="0">
+            <a:spAutoFit/>
+          </a:bodyPr>
+          <a:lstStyle/>
+          <a:p>
+            <a:r>
+              <a:rPr lang="en-US" sz="1000" dirty="0" smtClean="0"/>
+              <a:t>Color</a:t>
+            </a:r>
+            <a:endParaRPr lang="en-US" sz="1000" dirty="0"/>
+          </a:p>
+        </p:txBody>
+      </p:sp>
+      <p:sp>
+        <p:nvSpPr>
+          <p:cNvPr id="23" name="TextBox 22"/>
+          <p:cNvSpPr txBox="1"/>
+          <p:nvPr/>
+        </p:nvSpPr>
+        <p:spPr>
+          <a:xfrm>
+            <a:off x="2292743" y="2712879"/>
+            <a:ext cx="505267" cy="246221"/>
+          </a:xfrm>
+          <a:prstGeom prst="rect">
+            <a:avLst/>
+          </a:prstGeom>
+          <a:noFill/>
+        </p:spPr>
+        <p:txBody>
+          <a:bodyPr wrap="none" rtlCol="0">
+            <a:spAutoFit/>
+          </a:bodyPr>
+          <a:lstStyle/>
+          <a:p>
+            <a:r>
+              <a:rPr lang="en-US" sz="1000" dirty="0" smtClean="0"/>
+              <a:t>Width</a:t>
+            </a:r>
+            <a:endParaRPr lang="en-US" sz="1000" dirty="0"/>
+          </a:p>
+        </p:txBody>
+      </p:sp>
+      <p:sp>
+        <p:nvSpPr>
+          <p:cNvPr id="24" name="TextBox 23"/>
+          <p:cNvSpPr txBox="1"/>
+          <p:nvPr/>
+        </p:nvSpPr>
+        <p:spPr>
+          <a:xfrm>
+            <a:off x="3332527" y="2721191"/>
+            <a:ext cx="527709" cy="246221"/>
+          </a:xfrm>
+          <a:prstGeom prst="rect">
+            <a:avLst/>
+          </a:prstGeom>
+          <a:noFill/>
+        </p:spPr>
+        <p:txBody>
+          <a:bodyPr wrap="none" rtlCol="0">
+            <a:spAutoFit/>
+          </a:bodyPr>
+          <a:lstStyle/>
+          <a:p>
+            <a:r>
+              <a:rPr lang="en-US" sz="1000" dirty="0" smtClean="0"/>
+              <a:t>Radius</a:t>
+            </a:r>
+            <a:endParaRPr lang="en-US" sz="1000" dirty="0"/>
+          </a:p>
+        </p:txBody>
+      </p:sp>
+      <p:sp>
+        <p:nvSpPr>
+          <p:cNvPr id="25" name="TextBox 24"/>
+          <p:cNvSpPr txBox="1"/>
+          <p:nvPr/>
+        </p:nvSpPr>
+        <p:spPr>
+          <a:xfrm>
+            <a:off x="1225905" y="3161464"/>
+            <a:ext cx="461986" cy="168172"/>
+          </a:xfrm>
+          <a:prstGeom prst="rect">
+            <a:avLst/>
+          </a:prstGeom>
+          <a:noFill/>
+        </p:spPr>
+        <p:txBody>
+          <a:bodyPr wrap="none" rtlCol="0">
+            <a:spAutoFit/>
+          </a:bodyPr>
+          <a:lstStyle/>
+          <a:p>
+            <a:r>
+              <a:rPr lang="en-US" sz="1000" dirty="0" smtClean="0"/>
+              <a:t>Color</a:t>
+            </a:r>
+            <a:endParaRPr lang="en-US" sz="1000" dirty="0"/>
+          </a:p>
+        </p:txBody>
+      </p:sp>
+      <p:sp>
+        <p:nvSpPr>
+          <p:cNvPr id="26" name="TextBox 25"/>
+          <p:cNvSpPr txBox="1"/>
+          <p:nvPr/>
+        </p:nvSpPr>
+        <p:spPr>
+          <a:xfrm>
+            <a:off x="2287199" y="3147909"/>
+            <a:ext cx="388248" cy="246221"/>
+          </a:xfrm>
+          <a:prstGeom prst="rect">
+            <a:avLst/>
+          </a:prstGeom>
+          <a:noFill/>
+        </p:spPr>
+        <p:txBody>
+          <a:bodyPr wrap="none" rtlCol="0">
+            <a:spAutoFit/>
+          </a:bodyPr>
+          <a:lstStyle/>
+          <a:p>
+            <a:r>
+              <a:rPr lang="en-US" sz="1000" dirty="0" smtClean="0"/>
+              <a:t>Size</a:t>
+            </a:r>
+            <a:endParaRPr lang="en-US" sz="1000" dirty="0"/>
+          </a:p>
+        </p:txBody>
+      </p:sp>
+      <p:sp>
+        <p:nvSpPr>
+          <p:cNvPr id="27" name="TextBox 26"/>
+          <p:cNvSpPr txBox="1"/>
+          <p:nvPr/>
+        </p:nvSpPr>
+        <p:spPr>
+          <a:xfrm>
+            <a:off x="3326983" y="3156221"/>
+            <a:ext cx="437940" cy="246221"/>
+          </a:xfrm>
+          <a:prstGeom prst="rect">
+            <a:avLst/>
+          </a:prstGeom>
+          <a:noFill/>
+        </p:spPr>
+        <p:txBody>
+          <a:bodyPr wrap="none" rtlCol="0">
+            <a:spAutoFit/>
+          </a:bodyPr>
+          <a:lstStyle/>
+          <a:p>
+            <a:r>
+              <a:rPr lang="en-US" sz="1000" dirty="0" smtClean="0"/>
+              <a:t>Style</a:t>
+            </a:r>
+            <a:endParaRPr lang="en-US" sz="1000" dirty="0"/>
+          </a:p>
+        </p:txBody>
+      </p:sp>
     </p:spTree>
     <p:extLst>
       <p:ext uri="{BB962C8B-B14F-4D97-AF65-F5344CB8AC3E}">
-        <p14:creationId xmlns:p14="http://schemas.microsoft.com/office/powerpoint/2010/main" val="1590742249"/>
+        <p14:creationId xmlns:p14="http://schemas.microsoft.com/office/powerpoint/2010/main" val="2229269739"/>
       </p:ext>
     </p:extLst>
   </p:cSld>
   <p:clrMapOvr>
     <a:masterClrMapping/>
   </p:clrMapOvr>
+  <p:timing>
+    <p:tnLst>
+      <p:par>
+        <p:cTn id="1" dur="indefinite" restart="never" nodeType="tmRoot"/>
+      </p:par>
+    </p:tnLst>
+  </p:timing>
 </p:sld>
 </file>
 

--- a/docs/MultiTenant App.pptx
+++ b/docs/MultiTenant App.pptx
@@ -8,9 +8,10 @@
     <p:sldId id="256" r:id="rId2"/>
     <p:sldId id="257" r:id="rId3"/>
     <p:sldId id="258" r:id="rId4"/>
-    <p:sldId id="259" r:id="rId5"/>
-    <p:sldId id="261" r:id="rId6"/>
-    <p:sldId id="262" r:id="rId7"/>
+    <p:sldId id="263" r:id="rId5"/>
+    <p:sldId id="259" r:id="rId6"/>
+    <p:sldId id="261" r:id="rId7"/>
+    <p:sldId id="262" r:id="rId8"/>
   </p:sldIdLst>
   <p:sldSz cx="12192000" cy="6858000"/>
   <p:notesSz cx="6858000" cy="9144000"/>
@@ -248,7 +249,7 @@
           <a:p>
             <a:fld id="{AC34FC56-4831-496C-8AE9-E150C117C0CE}" type="datetimeFigureOut">
               <a:rPr lang="en-US" smtClean="0"/>
-              <a:t>9/13/2018</a:t>
+              <a:t>9/14/2018</a:t>
             </a:fld>
             <a:endParaRPr lang="en-US"/>
           </a:p>
@@ -418,7 +419,7 @@
           <a:p>
             <a:fld id="{AC34FC56-4831-496C-8AE9-E150C117C0CE}" type="datetimeFigureOut">
               <a:rPr lang="en-US" smtClean="0"/>
-              <a:t>9/13/2018</a:t>
+              <a:t>9/14/2018</a:t>
             </a:fld>
             <a:endParaRPr lang="en-US"/>
           </a:p>
@@ -598,7 +599,7 @@
           <a:p>
             <a:fld id="{AC34FC56-4831-496C-8AE9-E150C117C0CE}" type="datetimeFigureOut">
               <a:rPr lang="en-US" smtClean="0"/>
-              <a:t>9/13/2018</a:t>
+              <a:t>9/14/2018</a:t>
             </a:fld>
             <a:endParaRPr lang="en-US"/>
           </a:p>
@@ -768,7 +769,7 @@
           <a:p>
             <a:fld id="{AC34FC56-4831-496C-8AE9-E150C117C0CE}" type="datetimeFigureOut">
               <a:rPr lang="en-US" smtClean="0"/>
-              <a:t>9/13/2018</a:t>
+              <a:t>9/14/2018</a:t>
             </a:fld>
             <a:endParaRPr lang="en-US"/>
           </a:p>
@@ -1014,7 +1015,7 @@
           <a:p>
             <a:fld id="{AC34FC56-4831-496C-8AE9-E150C117C0CE}" type="datetimeFigureOut">
               <a:rPr lang="en-US" smtClean="0"/>
-              <a:t>9/13/2018</a:t>
+              <a:t>9/14/2018</a:t>
             </a:fld>
             <a:endParaRPr lang="en-US"/>
           </a:p>
@@ -1246,7 +1247,7 @@
           <a:p>
             <a:fld id="{AC34FC56-4831-496C-8AE9-E150C117C0CE}" type="datetimeFigureOut">
               <a:rPr lang="en-US" smtClean="0"/>
-              <a:t>9/13/2018</a:t>
+              <a:t>9/14/2018</a:t>
             </a:fld>
             <a:endParaRPr lang="en-US"/>
           </a:p>
@@ -1613,7 +1614,7 @@
           <a:p>
             <a:fld id="{AC34FC56-4831-496C-8AE9-E150C117C0CE}" type="datetimeFigureOut">
               <a:rPr lang="en-US" smtClean="0"/>
-              <a:t>9/13/2018</a:t>
+              <a:t>9/14/2018</a:t>
             </a:fld>
             <a:endParaRPr lang="en-US"/>
           </a:p>
@@ -1731,7 +1732,7 @@
           <a:p>
             <a:fld id="{AC34FC56-4831-496C-8AE9-E150C117C0CE}" type="datetimeFigureOut">
               <a:rPr lang="en-US" smtClean="0"/>
-              <a:t>9/13/2018</a:t>
+              <a:t>9/14/2018</a:t>
             </a:fld>
             <a:endParaRPr lang="en-US"/>
           </a:p>
@@ -1826,7 +1827,7 @@
           <a:p>
             <a:fld id="{AC34FC56-4831-496C-8AE9-E150C117C0CE}" type="datetimeFigureOut">
               <a:rPr lang="en-US" smtClean="0"/>
-              <a:t>9/13/2018</a:t>
+              <a:t>9/14/2018</a:t>
             </a:fld>
             <a:endParaRPr lang="en-US"/>
           </a:p>
@@ -2103,7 +2104,7 @@
           <a:p>
             <a:fld id="{AC34FC56-4831-496C-8AE9-E150C117C0CE}" type="datetimeFigureOut">
               <a:rPr lang="en-US" smtClean="0"/>
-              <a:t>9/13/2018</a:t>
+              <a:t>9/14/2018</a:t>
             </a:fld>
             <a:endParaRPr lang="en-US"/>
           </a:p>
@@ -2356,7 +2357,7 @@
           <a:p>
             <a:fld id="{AC34FC56-4831-496C-8AE9-E150C117C0CE}" type="datetimeFigureOut">
               <a:rPr lang="en-US" smtClean="0"/>
-              <a:t>9/13/2018</a:t>
+              <a:t>9/14/2018</a:t>
             </a:fld>
             <a:endParaRPr lang="en-US"/>
           </a:p>
@@ -2569,7 +2570,7 @@
           <a:p>
             <a:fld id="{AC34FC56-4831-496C-8AE9-E150C117C0CE}" type="datetimeFigureOut">
               <a:rPr lang="en-US" smtClean="0"/>
-              <a:t>9/13/2018</a:t>
+              <a:t>9/14/2018</a:t>
             </a:fld>
             <a:endParaRPr lang="en-US"/>
           </a:p>
@@ -2986,18 +2987,20 @@
         </p:nvSpPr>
         <p:spPr/>
         <p:txBody>
-          <a:bodyPr/>
-          <a:lstStyle/>
-          <a:p>
-            <a:r>
-              <a:rPr lang="en-US" b="1" dirty="0" smtClean="0"/>
+          <a:bodyPr>
+            <a:normAutofit/>
+          </a:bodyPr>
+          <a:lstStyle/>
+          <a:p>
+            <a:r>
+              <a:rPr lang="en-US" sz="5400" b="1" dirty="0" smtClean="0"/>
               <a:t>Multi-tenant</a:t>
             </a:r>
             <a:r>
-              <a:rPr lang="en-US" dirty="0" smtClean="0"/>
+              <a:rPr lang="en-US" sz="5400" dirty="0" smtClean="0"/>
               <a:t> App Design</a:t>
             </a:r>
-            <a:endParaRPr lang="en-US" dirty="0"/>
+            <a:endParaRPr lang="en-US" sz="5400" dirty="0"/>
           </a:p>
         </p:txBody>
       </p:sp>
@@ -3046,8 +3049,8 @@
         </p:nvSpPr>
         <p:spPr>
           <a:xfrm>
-            <a:off x="414654" y="374083"/>
-            <a:ext cx="1667450" cy="369332"/>
+            <a:off x="321853" y="352538"/>
+            <a:ext cx="2041623" cy="473976"/>
           </a:xfrm>
           <a:prstGeom prst="rect">
             <a:avLst/>
@@ -3061,10 +3064,10 @@
           <a:lstStyle/>
           <a:p>
             <a:r>
-              <a:rPr lang="en-US" dirty="0" smtClean="0"/>
+              <a:rPr lang="en-US" sz="2200" b="1" dirty="0" smtClean="0"/>
               <a:t>With UI LAYER</a:t>
             </a:r>
-            <a:endParaRPr lang="en-US" dirty="0"/>
+            <a:endParaRPr lang="en-US" sz="2200" b="1" dirty="0"/>
           </a:p>
         </p:txBody>
       </p:sp>
@@ -3076,8 +3079,8 @@
         </p:nvSpPr>
         <p:spPr>
           <a:xfrm>
-            <a:off x="431011" y="1022476"/>
-            <a:ext cx="2953512" cy="1188720"/>
+            <a:off x="283336" y="963040"/>
+            <a:ext cx="3248863" cy="1307592"/>
           </a:xfrm>
           <a:prstGeom prst="rect">
             <a:avLst/>
@@ -3118,8 +3121,8 @@
         </p:nvSpPr>
         <p:spPr>
           <a:xfrm>
-            <a:off x="431010" y="3552316"/>
-            <a:ext cx="2953512" cy="1188720"/>
+            <a:off x="283335" y="3492880"/>
+            <a:ext cx="3248863" cy="1307592"/>
           </a:xfrm>
           <a:prstGeom prst="rect">
             <a:avLst/>
@@ -3162,8 +3165,8 @@
         </p:nvSpPr>
         <p:spPr>
           <a:xfrm>
-            <a:off x="4967268" y="2103130"/>
-            <a:ext cx="2459736" cy="1097280"/>
+            <a:off x="4844281" y="2048266"/>
+            <a:ext cx="2705710" cy="1207008"/>
           </a:xfrm>
           <a:prstGeom prst="rect">
             <a:avLst/>
@@ -3206,8 +3209,8 @@
         </p:nvSpPr>
         <p:spPr>
           <a:xfrm>
-            <a:off x="4967268" y="3602193"/>
-            <a:ext cx="2459736" cy="1097280"/>
+            <a:off x="4844281" y="3547329"/>
+            <a:ext cx="2705710" cy="1207008"/>
           </a:xfrm>
           <a:prstGeom prst="rect">
             <a:avLst/>
@@ -3250,8 +3253,8 @@
         </p:nvSpPr>
         <p:spPr>
           <a:xfrm>
-            <a:off x="4967268" y="5101256"/>
-            <a:ext cx="2459736" cy="1097280"/>
+            <a:off x="4844281" y="5046392"/>
+            <a:ext cx="2705710" cy="1207008"/>
           </a:xfrm>
           <a:prstGeom prst="rect">
             <a:avLst/>
@@ -3294,8 +3297,8 @@
         </p:nvSpPr>
         <p:spPr>
           <a:xfrm>
-            <a:off x="4739082" y="1022475"/>
-            <a:ext cx="2907793" cy="5311834"/>
+            <a:off x="4593692" y="756884"/>
+            <a:ext cx="3198572" cy="5843017"/>
           </a:xfrm>
           <a:prstGeom prst="rect">
             <a:avLst/>
@@ -3335,8 +3338,8 @@
         </p:nvSpPr>
         <p:spPr>
           <a:xfrm>
-            <a:off x="4803546" y="1174373"/>
-            <a:ext cx="2840259" cy="338554"/>
+            <a:off x="4661533" y="1157446"/>
+            <a:ext cx="3124285" cy="372409"/>
           </a:xfrm>
           <a:prstGeom prst="rect">
             <a:avLst/>
@@ -3365,8 +3368,8 @@
         </p:nvSpPr>
         <p:spPr>
           <a:xfrm>
-            <a:off x="8723649" y="1022475"/>
-            <a:ext cx="2907793" cy="5311834"/>
+            <a:off x="8578259" y="756884"/>
+            <a:ext cx="3198572" cy="5843017"/>
           </a:xfrm>
           <a:prstGeom prst="rect">
             <a:avLst/>
@@ -3406,8 +3409,8 @@
         </p:nvSpPr>
         <p:spPr>
           <a:xfrm>
-            <a:off x="8959706" y="1162991"/>
-            <a:ext cx="2561796" cy="646331"/>
+            <a:off x="8831616" y="1130674"/>
+            <a:ext cx="2817976" cy="710964"/>
           </a:xfrm>
           <a:prstGeom prst="rect">
             <a:avLst/>
@@ -3443,8 +3446,8 @@
         </p:nvSpPr>
         <p:spPr>
           <a:xfrm>
-            <a:off x="8947677" y="2103130"/>
-            <a:ext cx="2459736" cy="4095406"/>
+            <a:off x="8824690" y="1898360"/>
+            <a:ext cx="2705710" cy="4504947"/>
           </a:xfrm>
           <a:prstGeom prst="rect">
             <a:avLst/>
@@ -3487,8 +3490,8 @@
         </p:nvCxnSpPr>
         <p:spPr>
           <a:xfrm flipV="1">
-            <a:off x="8947677" y="2443952"/>
-            <a:ext cx="2459736" cy="16626"/>
+            <a:off x="8824690" y="2443121"/>
+            <a:ext cx="2705710" cy="18289"/>
           </a:xfrm>
           <a:prstGeom prst="line">
             <a:avLst/>
@@ -3526,8 +3529,8 @@
         </p:nvSpPr>
         <p:spPr>
           <a:xfrm>
-            <a:off x="8922427" y="2153008"/>
-            <a:ext cx="2497050" cy="276999"/>
+            <a:off x="8797575" y="2139158"/>
+            <a:ext cx="2746755" cy="304699"/>
           </a:xfrm>
           <a:prstGeom prst="rect">
             <a:avLst/>
@@ -3559,8 +3562,8 @@
         </p:nvCxnSpPr>
         <p:spPr>
           <a:xfrm flipH="1">
-            <a:off x="1907766" y="2211196"/>
-            <a:ext cx="1" cy="1341120"/>
+            <a:off x="1907767" y="2270632"/>
+            <a:ext cx="1" cy="1222248"/>
           </a:xfrm>
           <a:prstGeom prst="straightConnector1">
             <a:avLst/>
@@ -3595,8 +3598,8 @@
         </p:nvCxnSpPr>
         <p:spPr>
           <a:xfrm flipV="1">
-            <a:off x="3384522" y="2651770"/>
-            <a:ext cx="1582746" cy="1494906"/>
+            <a:off x="3532198" y="2651770"/>
+            <a:ext cx="1312083" cy="1494906"/>
           </a:xfrm>
           <a:prstGeom prst="straightConnector1">
             <a:avLst/>
@@ -3637,8 +3640,8 @@
         </p:nvCxnSpPr>
         <p:spPr>
           <a:xfrm>
-            <a:off x="3384522" y="4146676"/>
-            <a:ext cx="1582746" cy="4157"/>
+            <a:off x="3532198" y="4146676"/>
+            <a:ext cx="1312083" cy="4157"/>
           </a:xfrm>
           <a:prstGeom prst="straightConnector1">
             <a:avLst/>
@@ -3679,8 +3682,8 @@
         </p:nvCxnSpPr>
         <p:spPr>
           <a:xfrm>
-            <a:off x="3384522" y="4146676"/>
-            <a:ext cx="1582746" cy="1503220"/>
+            <a:off x="3532198" y="4146676"/>
+            <a:ext cx="1312083" cy="1503220"/>
           </a:xfrm>
           <a:prstGeom prst="straightConnector1">
             <a:avLst/>
@@ -3721,8 +3724,8 @@
         </p:nvCxnSpPr>
         <p:spPr>
           <a:xfrm>
-            <a:off x="7427004" y="2651770"/>
-            <a:ext cx="1520673" cy="1499063"/>
+            <a:off x="7549991" y="2651770"/>
+            <a:ext cx="1274699" cy="1499064"/>
           </a:xfrm>
           <a:prstGeom prst="straightConnector1">
             <a:avLst/>
@@ -3763,8 +3766,8 @@
         </p:nvCxnSpPr>
         <p:spPr>
           <a:xfrm>
-            <a:off x="7427004" y="4150833"/>
-            <a:ext cx="1520673" cy="0"/>
+            <a:off x="7549991" y="4150833"/>
+            <a:ext cx="1274699" cy="1"/>
           </a:xfrm>
           <a:prstGeom prst="straightConnector1">
             <a:avLst/>
@@ -3805,8 +3808,8 @@
         </p:nvCxnSpPr>
         <p:spPr>
           <a:xfrm flipH="1">
-            <a:off x="7427004" y="4150833"/>
-            <a:ext cx="1520673" cy="1499063"/>
+            <a:off x="7549991" y="4150834"/>
+            <a:ext cx="1274699" cy="1499062"/>
           </a:xfrm>
           <a:prstGeom prst="straightConnector1">
             <a:avLst/>
@@ -3882,7 +3885,7 @@
         <p:spPr>
           <a:xfrm>
             <a:off x="91440" y="324197"/>
-            <a:ext cx="1854097" cy="369332"/>
+            <a:ext cx="2279214" cy="430887"/>
           </a:xfrm>
           <a:prstGeom prst="rect">
             <a:avLst/>
@@ -3896,10 +3899,10 @@
           <a:lstStyle/>
           <a:p>
             <a:r>
-              <a:rPr lang="en-US" dirty="0" smtClean="0"/>
+              <a:rPr lang="en-US" sz="2200" b="1" dirty="0" smtClean="0"/>
               <a:t>With UI-DB LAYER</a:t>
             </a:r>
-            <a:endParaRPr lang="en-US" dirty="0"/>
+            <a:endParaRPr lang="en-US" sz="2200" b="1" dirty="0"/>
           </a:p>
         </p:txBody>
       </p:sp>
@@ -4908,22 +4911,79 @@
       </p:grpSpPr>
       <p:sp>
         <p:nvSpPr>
-          <p:cNvPr id="2" name="Title 1"/>
-          <p:cNvSpPr>
-            <a:spLocks noGrp="1"/>
-          </p:cNvSpPr>
-          <p:nvPr>
-            <p:ph type="title"/>
-          </p:nvPr>
-        </p:nvSpPr>
-        <p:spPr/>
-        <p:txBody>
-          <a:bodyPr/>
-          <a:lstStyle/>
-          <a:p>
-            <a:r>
-              <a:rPr lang="en-US" b="1" dirty="0" smtClean="0"/>
-              <a:t>Multi-tenant Patterns</a:t>
+          <p:cNvPr id="5" name="TextBox 4"/>
+          <p:cNvSpPr txBox="1"/>
+          <p:nvPr/>
+        </p:nvSpPr>
+        <p:spPr>
+          <a:xfrm>
+            <a:off x="91440" y="324197"/>
+            <a:ext cx="3114379" cy="430887"/>
+          </a:xfrm>
+          <a:prstGeom prst="rect">
+            <a:avLst/>
+          </a:prstGeom>
+          <a:noFill/>
+        </p:spPr>
+        <p:txBody>
+          <a:bodyPr wrap="none" rtlCol="0">
+            <a:spAutoFit/>
+          </a:bodyPr>
+          <a:lstStyle/>
+          <a:p>
+            <a:r>
+              <a:rPr lang="en-US" sz="2200" b="1" dirty="0" smtClean="0"/>
+              <a:t>With </a:t>
+            </a:r>
+            <a:r>
+              <a:rPr lang="en-US" sz="2200" b="1" dirty="0" smtClean="0"/>
+              <a:t>UI-DB-Media </a:t>
+            </a:r>
+            <a:r>
+              <a:rPr lang="en-US" sz="2200" b="1" dirty="0" smtClean="0"/>
+              <a:t>LAYER</a:t>
+            </a:r>
+            <a:endParaRPr lang="en-US" sz="2200" b="1" dirty="0"/>
+          </a:p>
+        </p:txBody>
+      </p:sp>
+      <p:sp>
+        <p:nvSpPr>
+          <p:cNvPr id="7" name="Rectangle 6"/>
+          <p:cNvSpPr/>
+          <p:nvPr/>
+        </p:nvSpPr>
+        <p:spPr>
+          <a:xfrm>
+            <a:off x="166255" y="1641006"/>
+            <a:ext cx="2685011" cy="982414"/>
+          </a:xfrm>
+          <a:prstGeom prst="rect">
+            <a:avLst/>
+          </a:prstGeom>
+        </p:spPr>
+        <p:style>
+          <a:lnRef idx="1">
+            <a:schemeClr val="accent1"/>
+          </a:lnRef>
+          <a:fillRef idx="2">
+            <a:schemeClr val="accent1"/>
+          </a:fillRef>
+          <a:effectRef idx="1">
+            <a:schemeClr val="accent1"/>
+          </a:effectRef>
+          <a:fontRef idx="minor">
+            <a:schemeClr val="dk1"/>
+          </a:fontRef>
+        </p:style>
+        <p:txBody>
+          <a:bodyPr rtlCol="0" anchor="ctr"/>
+          <a:lstStyle/>
+          <a:p>
+            <a:pPr algn="ctr"/>
+            <a:r>
+              <a:rPr lang="en-US" dirty="0" smtClean="0"/>
+              <a:t>Core UI Components repository (FE REACT APP) </a:t>
             </a:r>
             <a:endParaRPr lang="en-US" dirty="0"/>
           </a:p>
@@ -4931,124 +4991,1158 @@
       </p:sp>
       <p:sp>
         <p:nvSpPr>
-          <p:cNvPr id="3" name="Content Placeholder 2"/>
-          <p:cNvSpPr>
-            <a:spLocks noGrp="1"/>
-          </p:cNvSpPr>
-          <p:nvPr>
-            <p:ph idx="1"/>
-          </p:nvPr>
-        </p:nvSpPr>
-        <p:spPr/>
-        <p:txBody>
-          <a:bodyPr>
-            <a:normAutofit fontScale="55000" lnSpcReduction="20000"/>
+          <p:cNvPr id="8" name="Rectangle 7"/>
+          <p:cNvSpPr/>
+          <p:nvPr/>
+        </p:nvSpPr>
+        <p:spPr>
+          <a:xfrm>
+            <a:off x="166254" y="4170846"/>
+            <a:ext cx="2685011" cy="982414"/>
+          </a:xfrm>
+          <a:prstGeom prst="rect">
+            <a:avLst/>
+          </a:prstGeom>
+        </p:spPr>
+        <p:style>
+          <a:lnRef idx="2">
+            <a:schemeClr val="accent6">
+              <a:shade val="50000"/>
+            </a:schemeClr>
+          </a:lnRef>
+          <a:fillRef idx="1">
+            <a:schemeClr val="accent6"/>
+          </a:fillRef>
+          <a:effectRef idx="0">
+            <a:schemeClr val="accent6"/>
+          </a:effectRef>
+          <a:fontRef idx="minor">
+            <a:schemeClr val="lt1"/>
+          </a:fontRef>
+        </p:style>
+        <p:txBody>
+          <a:bodyPr rtlCol="0" anchor="ctr"/>
+          <a:lstStyle/>
+          <a:p>
+            <a:pPr algn="ctr"/>
+            <a:r>
+              <a:rPr lang="en-US" dirty="0" smtClean="0"/>
+              <a:t>MAIN APP with Multitenant Configuration enabled (FE RECAT APP)</a:t>
+            </a:r>
+            <a:endParaRPr lang="en-US" dirty="0"/>
+          </a:p>
+        </p:txBody>
+      </p:sp>
+      <p:sp>
+        <p:nvSpPr>
+          <p:cNvPr id="9" name="Rectangle 8"/>
+          <p:cNvSpPr/>
+          <p:nvPr/>
+        </p:nvSpPr>
+        <p:spPr>
+          <a:xfrm>
+            <a:off x="4680067" y="2713726"/>
+            <a:ext cx="2236124" cy="906843"/>
+          </a:xfrm>
+          <a:prstGeom prst="rect">
+            <a:avLst/>
+          </a:prstGeom>
+        </p:spPr>
+        <p:style>
+          <a:lnRef idx="3">
+            <a:schemeClr val="lt1"/>
+          </a:lnRef>
+          <a:fillRef idx="1">
+            <a:schemeClr val="accent1"/>
+          </a:fillRef>
+          <a:effectRef idx="1">
+            <a:schemeClr val="accent1"/>
+          </a:effectRef>
+          <a:fontRef idx="minor">
+            <a:schemeClr val="lt1"/>
+          </a:fontRef>
+        </p:style>
+        <p:txBody>
+          <a:bodyPr rtlCol="0" anchor="ctr"/>
+          <a:lstStyle/>
+          <a:p>
+            <a:pPr algn="ctr"/>
+            <a:r>
+              <a:rPr lang="en-US" dirty="0" smtClean="0"/>
+              <a:t>Style Configuration API</a:t>
+            </a:r>
+            <a:endParaRPr lang="en-US" dirty="0"/>
+          </a:p>
+        </p:txBody>
+      </p:sp>
+      <p:sp>
+        <p:nvSpPr>
+          <p:cNvPr id="10" name="Rectangle 9"/>
+          <p:cNvSpPr/>
+          <p:nvPr/>
+        </p:nvSpPr>
+        <p:spPr>
+          <a:xfrm>
+            <a:off x="4680067" y="4212789"/>
+            <a:ext cx="2236124" cy="906843"/>
+          </a:xfrm>
+          <a:prstGeom prst="rect">
+            <a:avLst/>
+          </a:prstGeom>
+        </p:spPr>
+        <p:style>
+          <a:lnRef idx="2">
+            <a:schemeClr val="accent1">
+              <a:shade val="50000"/>
+            </a:schemeClr>
+          </a:lnRef>
+          <a:fillRef idx="1">
+            <a:schemeClr val="accent1"/>
+          </a:fillRef>
+          <a:effectRef idx="0">
+            <a:schemeClr val="accent1"/>
+          </a:effectRef>
+          <a:fontRef idx="minor">
+            <a:schemeClr val="lt1"/>
+          </a:fontRef>
+        </p:style>
+        <p:txBody>
+          <a:bodyPr rtlCol="0" anchor="ctr"/>
+          <a:lstStyle/>
+          <a:p>
+            <a:pPr algn="ctr"/>
+            <a:r>
+              <a:rPr lang="en-US" dirty="0" smtClean="0"/>
+              <a:t>UI Element Configuration API</a:t>
+            </a:r>
+            <a:endParaRPr lang="en-US" dirty="0"/>
+          </a:p>
+        </p:txBody>
+      </p:sp>
+      <p:sp>
+        <p:nvSpPr>
+          <p:cNvPr id="11" name="Rectangle 10"/>
+          <p:cNvSpPr/>
+          <p:nvPr/>
+        </p:nvSpPr>
+        <p:spPr>
+          <a:xfrm>
+            <a:off x="4680067" y="5711852"/>
+            <a:ext cx="2236124" cy="906843"/>
+          </a:xfrm>
+          <a:prstGeom prst="rect">
+            <a:avLst/>
+          </a:prstGeom>
+        </p:spPr>
+        <p:style>
+          <a:lnRef idx="2">
+            <a:schemeClr val="accent1">
+              <a:shade val="50000"/>
+            </a:schemeClr>
+          </a:lnRef>
+          <a:fillRef idx="1">
+            <a:schemeClr val="accent1"/>
+          </a:fillRef>
+          <a:effectRef idx="0">
+            <a:schemeClr val="accent1"/>
+          </a:effectRef>
+          <a:fontRef idx="minor">
+            <a:schemeClr val="lt1"/>
+          </a:fontRef>
+        </p:style>
+        <p:txBody>
+          <a:bodyPr rtlCol="0" anchor="ctr"/>
+          <a:lstStyle/>
+          <a:p>
+            <a:pPr algn="ctr"/>
+            <a:r>
+              <a:rPr lang="en-US" dirty="0" smtClean="0"/>
+              <a:t>Verbiage Configuration API</a:t>
+            </a:r>
+            <a:endParaRPr lang="en-US" dirty="0"/>
+          </a:p>
+        </p:txBody>
+      </p:sp>
+      <p:sp>
+        <p:nvSpPr>
+          <p:cNvPr id="12" name="Rectangle 11"/>
+          <p:cNvSpPr/>
+          <p:nvPr/>
+        </p:nvSpPr>
+        <p:spPr>
+          <a:xfrm>
+            <a:off x="4472247" y="1998797"/>
+            <a:ext cx="2643448" cy="4717887"/>
+          </a:xfrm>
+          <a:prstGeom prst="rect">
+            <a:avLst/>
+          </a:prstGeom>
+          <a:noFill/>
+        </p:spPr>
+        <p:style>
+          <a:lnRef idx="2">
+            <a:schemeClr val="accent1">
+              <a:shade val="50000"/>
+            </a:schemeClr>
+          </a:lnRef>
+          <a:fillRef idx="1">
+            <a:schemeClr val="accent1"/>
+          </a:fillRef>
+          <a:effectRef idx="0">
+            <a:schemeClr val="accent1"/>
+          </a:effectRef>
+          <a:fontRef idx="minor">
+            <a:schemeClr val="lt1"/>
+          </a:fontRef>
+        </p:style>
+        <p:txBody>
+          <a:bodyPr rtlCol="0" anchor="ctr"/>
+          <a:lstStyle/>
+          <a:p>
+            <a:pPr algn="ctr"/>
+            <a:endParaRPr lang="en-US"/>
+          </a:p>
+        </p:txBody>
+      </p:sp>
+      <p:sp>
+        <p:nvSpPr>
+          <p:cNvPr id="13" name="TextBox 12"/>
+          <p:cNvSpPr txBox="1"/>
+          <p:nvPr/>
+        </p:nvSpPr>
+        <p:spPr>
+          <a:xfrm>
+            <a:off x="4533641" y="1694190"/>
+            <a:ext cx="2582054" cy="279796"/>
+          </a:xfrm>
+          <a:prstGeom prst="rect">
+            <a:avLst/>
+          </a:prstGeom>
+          <a:noFill/>
+        </p:spPr>
+        <p:txBody>
+          <a:bodyPr wrap="none" rtlCol="0">
+            <a:spAutoFit/>
           </a:bodyPr>
           <a:lstStyle/>
           <a:p>
             <a:r>
+              <a:rPr lang="en-US" sz="1600" dirty="0" smtClean="0"/>
+              <a:t>Configuration API Repository</a:t>
+            </a:r>
+            <a:endParaRPr lang="en-US" sz="1600" dirty="0"/>
+          </a:p>
+        </p:txBody>
+      </p:sp>
+      <p:sp>
+        <p:nvSpPr>
+          <p:cNvPr id="14" name="Rectangle 13"/>
+          <p:cNvSpPr/>
+          <p:nvPr/>
+        </p:nvSpPr>
+        <p:spPr>
+          <a:xfrm>
+            <a:off x="9733607" y="1998797"/>
+            <a:ext cx="2184668" cy="4717887"/>
+          </a:xfrm>
+          <a:prstGeom prst="rect">
+            <a:avLst/>
+          </a:prstGeom>
+          <a:noFill/>
+        </p:spPr>
+        <p:style>
+          <a:lnRef idx="2">
+            <a:schemeClr val="accent1">
+              <a:shade val="50000"/>
+            </a:schemeClr>
+          </a:lnRef>
+          <a:fillRef idx="1">
+            <a:schemeClr val="accent1"/>
+          </a:fillRef>
+          <a:effectRef idx="0">
+            <a:schemeClr val="accent1"/>
+          </a:effectRef>
+          <a:fontRef idx="minor">
+            <a:schemeClr val="lt1"/>
+          </a:fontRef>
+        </p:style>
+        <p:txBody>
+          <a:bodyPr rtlCol="0" anchor="ctr"/>
+          <a:lstStyle/>
+          <a:p>
+            <a:pPr algn="ctr"/>
+            <a:endParaRPr lang="en-US"/>
+          </a:p>
+        </p:txBody>
+      </p:sp>
+      <p:sp>
+        <p:nvSpPr>
+          <p:cNvPr id="15" name="TextBox 14"/>
+          <p:cNvSpPr txBox="1"/>
+          <p:nvPr/>
+        </p:nvSpPr>
+        <p:spPr>
+          <a:xfrm>
+            <a:off x="9782740" y="1684576"/>
+            <a:ext cx="2328905" cy="534158"/>
+          </a:xfrm>
+          <a:prstGeom prst="rect">
+            <a:avLst/>
+          </a:prstGeom>
+          <a:noFill/>
+        </p:spPr>
+        <p:txBody>
+          <a:bodyPr wrap="square" rtlCol="0">
+            <a:spAutoFit/>
+          </a:bodyPr>
+          <a:lstStyle/>
+          <a:p>
+            <a:r>
               <a:rPr lang="en-US" dirty="0" smtClean="0"/>
-              <a:t>Multi-tenancy </a:t>
-            </a:r>
-            <a:r>
-              <a:rPr lang="en-US" dirty="0"/>
-              <a:t>implementations aren’t a binary concept, but rather a continuum of solutions depending on requirements. The continuum looks something like:</a:t>
-            </a:r>
-          </a:p>
-          <a:p>
-            <a:r>
-              <a:rPr lang="en-US" dirty="0"/>
-              <a:t>An application backend per-tenant (webserver, database)</a:t>
-            </a:r>
-          </a:p>
-          <a:p>
-            <a:r>
-              <a:rPr lang="en-US" dirty="0"/>
-              <a:t>A single webserver served by databases per-tenant</a:t>
-            </a:r>
-          </a:p>
-          <a:p>
-            <a:r>
-              <a:rPr lang="en-US" dirty="0"/>
-              <a:t>A single webserver with a single database, served by database specific separation mechanisms (e.g. </a:t>
-            </a:r>
-            <a:r>
-              <a:rPr lang="en-US" dirty="0" err="1"/>
-              <a:t>Postgres</a:t>
-            </a:r>
-            <a:r>
-              <a:rPr lang="en-US" dirty="0"/>
-              <a:t> schemas)</a:t>
-            </a:r>
-          </a:p>
-          <a:p>
-            <a:r>
-              <a:rPr lang="en-US" dirty="0"/>
-              <a:t>A single webserver with a single database, with tenant data separated into their own tables</a:t>
-            </a:r>
-          </a:p>
-          <a:p>
-            <a:r>
-              <a:rPr lang="en-US" dirty="0"/>
-              <a:t>A single webserver with a single database, with shared tables mixing all tenant </a:t>
-            </a:r>
-            <a:r>
-              <a:rPr lang="en-US" dirty="0" smtClean="0"/>
-              <a:t>data</a:t>
+              <a:t>UI editor </a:t>
             </a:r>
             <a:br>
               <a:rPr lang="en-US" dirty="0" smtClean="0"/>
             </a:br>
+            <a:r>
+              <a:rPr lang="en-US" dirty="0" smtClean="0"/>
+              <a:t>for all configuration</a:t>
+            </a:r>
             <a:endParaRPr lang="en-US" dirty="0"/>
           </a:p>
-          <a:p>
-            <a:pPr marL="0" indent="0">
-              <a:buNone/>
-            </a:pPr>
-            <a:r>
-              <a:rPr lang="en-US" dirty="0"/>
-              <a:t>Each of these solutions has trade-offs in terms of:</a:t>
-            </a:r>
-          </a:p>
-          <a:p>
-            <a:r>
-              <a:rPr lang="en-US" dirty="0"/>
-              <a:t>Data isolation and security</a:t>
-            </a:r>
-          </a:p>
-          <a:p>
-            <a:r>
-              <a:rPr lang="en-US" dirty="0"/>
-              <a:t>Infrastructure costs and scalability</a:t>
-            </a:r>
-          </a:p>
-          <a:p>
-            <a:r>
-              <a:rPr lang="en-US" dirty="0"/>
-              <a:t>Development complexity</a:t>
-            </a:r>
-          </a:p>
-          <a:p>
-            <a:r>
-              <a:rPr lang="en-US" dirty="0"/>
-              <a:t>Difficulty of onboarding new tenants</a:t>
-            </a:r>
-          </a:p>
-          <a:p>
-            <a:r>
-              <a:rPr lang="en-US" dirty="0"/>
-              <a:t>Difficulty of modifying data structures for existing tenants</a:t>
-            </a:r>
-          </a:p>
-          <a:p>
+        </p:txBody>
+      </p:sp>
+      <p:sp>
+        <p:nvSpPr>
+          <p:cNvPr id="16" name="Rectangle 15"/>
+          <p:cNvSpPr/>
+          <p:nvPr/>
+        </p:nvSpPr>
+        <p:spPr>
+          <a:xfrm>
+            <a:off x="9901923" y="2973894"/>
+            <a:ext cx="1848036" cy="3384633"/>
+          </a:xfrm>
+          <a:prstGeom prst="rect">
+            <a:avLst/>
+          </a:prstGeom>
+        </p:spPr>
+        <p:style>
+          <a:lnRef idx="2">
+            <a:schemeClr val="accent1">
+              <a:shade val="50000"/>
+            </a:schemeClr>
+          </a:lnRef>
+          <a:fillRef idx="1">
+            <a:schemeClr val="accent1"/>
+          </a:fillRef>
+          <a:effectRef idx="0">
+            <a:schemeClr val="accent1"/>
+          </a:effectRef>
+          <a:fontRef idx="minor">
+            <a:schemeClr val="lt1"/>
+          </a:fontRef>
+        </p:style>
+        <p:txBody>
+          <a:bodyPr rtlCol="0" anchor="ctr"/>
+          <a:lstStyle/>
+          <a:p>
+            <a:pPr algn="ctr"/>
+            <a:r>
+              <a:rPr lang="en-US" dirty="0" smtClean="0"/>
+              <a:t>FE RECAT APP</a:t>
+            </a:r>
             <a:endParaRPr lang="en-US" dirty="0"/>
           </a:p>
         </p:txBody>
       </p:sp>
+      <p:cxnSp>
+        <p:nvCxnSpPr>
+          <p:cNvPr id="18" name="Straight Connector 17"/>
+          <p:cNvCxnSpPr/>
+          <p:nvPr/>
+        </p:nvCxnSpPr>
+        <p:spPr>
+          <a:xfrm flipV="1">
+            <a:off x="9901923" y="2960772"/>
+            <a:ext cx="1848036" cy="13741"/>
+          </a:xfrm>
+          <a:prstGeom prst="line">
+            <a:avLst/>
+          </a:prstGeom>
+          <a:ln w="9525" cap="flat" cmpd="sng" algn="ctr">
+            <a:solidFill>
+              <a:schemeClr val="dk1"/>
+            </a:solidFill>
+            <a:prstDash val="dash"/>
+            <a:round/>
+            <a:headEnd type="none" w="med" len="med"/>
+            <a:tailEnd type="none" w="med" len="med"/>
+          </a:ln>
+        </p:spPr>
+        <p:style>
+          <a:lnRef idx="0">
+            <a:scrgbClr r="0" g="0" b="0"/>
+          </a:lnRef>
+          <a:fillRef idx="0">
+            <a:scrgbClr r="0" g="0" b="0"/>
+          </a:fillRef>
+          <a:effectRef idx="0">
+            <a:scrgbClr r="0" g="0" b="0"/>
+          </a:effectRef>
+          <a:fontRef idx="minor">
+            <a:schemeClr val="tx1"/>
+          </a:fontRef>
+        </p:style>
+      </p:cxnSp>
+      <p:sp>
+        <p:nvSpPr>
+          <p:cNvPr id="19" name="TextBox 18"/>
+          <p:cNvSpPr txBox="1"/>
+          <p:nvPr/>
+        </p:nvSpPr>
+        <p:spPr>
+          <a:xfrm>
+            <a:off x="9881313" y="2689751"/>
+            <a:ext cx="1917513" cy="203488"/>
+          </a:xfrm>
+          <a:prstGeom prst="rect">
+            <a:avLst/>
+          </a:prstGeom>
+          <a:noFill/>
+        </p:spPr>
+        <p:txBody>
+          <a:bodyPr wrap="none" rtlCol="0">
+            <a:spAutoFit/>
+          </a:bodyPr>
+          <a:lstStyle/>
+          <a:p>
+            <a:r>
+              <a:rPr lang="en-US" sz="1000" b="1" dirty="0" smtClean="0"/>
+              <a:t>STYLE | UI ELEMENT | VERBIAGE</a:t>
+            </a:r>
+            <a:endParaRPr lang="en-US" sz="1000" b="1" dirty="0"/>
+          </a:p>
+        </p:txBody>
+      </p:sp>
+      <p:cxnSp>
+        <p:nvCxnSpPr>
+          <p:cNvPr id="21" name="Straight Arrow Connector 20"/>
+          <p:cNvCxnSpPr>
+            <a:stCxn id="7" idx="2"/>
+            <a:endCxn id="8" idx="0"/>
+          </p:cNvCxnSpPr>
+          <p:nvPr/>
+        </p:nvCxnSpPr>
+        <p:spPr>
+          <a:xfrm flipH="1">
+            <a:off x="1508760" y="2842951"/>
+            <a:ext cx="1" cy="1108364"/>
+          </a:xfrm>
+          <a:prstGeom prst="straightConnector1">
+            <a:avLst/>
+          </a:prstGeom>
+          <a:ln>
+            <a:tailEnd type="triangle"/>
+          </a:ln>
+        </p:spPr>
+        <p:style>
+          <a:lnRef idx="1">
+            <a:schemeClr val="accent1"/>
+          </a:lnRef>
+          <a:fillRef idx="0">
+            <a:schemeClr val="accent1"/>
+          </a:fillRef>
+          <a:effectRef idx="0">
+            <a:schemeClr val="accent1"/>
+          </a:effectRef>
+          <a:fontRef idx="minor">
+            <a:schemeClr val="tx1"/>
+          </a:fontRef>
+        </p:style>
+      </p:cxnSp>
+      <p:cxnSp>
+        <p:nvCxnSpPr>
+          <p:cNvPr id="23" name="Straight Arrow Connector 22"/>
+          <p:cNvCxnSpPr>
+            <a:stCxn id="8" idx="3"/>
+            <a:endCxn id="9" idx="1"/>
+          </p:cNvCxnSpPr>
+          <p:nvPr/>
+        </p:nvCxnSpPr>
+        <p:spPr>
+          <a:xfrm flipV="1">
+            <a:off x="2851265" y="3296870"/>
+            <a:ext cx="1828802" cy="1235460"/>
+          </a:xfrm>
+          <a:prstGeom prst="straightConnector1">
+            <a:avLst/>
+          </a:prstGeom>
+          <a:ln w="9525" cap="flat" cmpd="sng" algn="ctr">
+            <a:solidFill>
+              <a:schemeClr val="accent5"/>
+            </a:solidFill>
+            <a:prstDash val="solid"/>
+            <a:round/>
+            <a:headEnd type="arrow" w="med" len="med"/>
+            <a:tailEnd type="arrow" w="med" len="med"/>
+          </a:ln>
+        </p:spPr>
+        <p:style>
+          <a:lnRef idx="0">
+            <a:scrgbClr r="0" g="0" b="0"/>
+          </a:lnRef>
+          <a:fillRef idx="0">
+            <a:scrgbClr r="0" g="0" b="0"/>
+          </a:fillRef>
+          <a:effectRef idx="0">
+            <a:scrgbClr r="0" g="0" b="0"/>
+          </a:effectRef>
+          <a:fontRef idx="minor">
+            <a:schemeClr val="tx1"/>
+          </a:fontRef>
+        </p:style>
+      </p:cxnSp>
+      <p:cxnSp>
+        <p:nvCxnSpPr>
+          <p:cNvPr id="25" name="Straight Arrow Connector 24"/>
+          <p:cNvCxnSpPr>
+            <a:stCxn id="8" idx="3"/>
+            <a:endCxn id="10" idx="1"/>
+          </p:cNvCxnSpPr>
+          <p:nvPr/>
+        </p:nvCxnSpPr>
+        <p:spPr>
+          <a:xfrm>
+            <a:off x="2851265" y="4662414"/>
+            <a:ext cx="1828802" cy="3435"/>
+          </a:xfrm>
+          <a:prstGeom prst="straightConnector1">
+            <a:avLst/>
+          </a:prstGeom>
+          <a:ln w="9525" cap="flat" cmpd="sng" algn="ctr">
+            <a:solidFill>
+              <a:schemeClr val="accent5"/>
+            </a:solidFill>
+            <a:prstDash val="solid"/>
+            <a:round/>
+            <a:headEnd type="arrow" w="med" len="med"/>
+            <a:tailEnd type="arrow" w="med" len="med"/>
+          </a:ln>
+        </p:spPr>
+        <p:style>
+          <a:lnRef idx="0">
+            <a:scrgbClr r="0" g="0" b="0"/>
+          </a:lnRef>
+          <a:fillRef idx="0">
+            <a:scrgbClr r="0" g="0" b="0"/>
+          </a:fillRef>
+          <a:effectRef idx="0">
+            <a:scrgbClr r="0" g="0" b="0"/>
+          </a:effectRef>
+          <a:fontRef idx="minor">
+            <a:schemeClr val="tx1"/>
+          </a:fontRef>
+        </p:style>
+      </p:cxnSp>
+      <p:cxnSp>
+        <p:nvCxnSpPr>
+          <p:cNvPr id="27" name="Straight Arrow Connector 26"/>
+          <p:cNvCxnSpPr>
+            <a:stCxn id="8" idx="3"/>
+            <a:endCxn id="11" idx="1"/>
+          </p:cNvCxnSpPr>
+          <p:nvPr/>
+        </p:nvCxnSpPr>
+        <p:spPr>
+          <a:xfrm>
+            <a:off x="2851265" y="4792498"/>
+            <a:ext cx="1828802" cy="1242331"/>
+          </a:xfrm>
+          <a:prstGeom prst="straightConnector1">
+            <a:avLst/>
+          </a:prstGeom>
+          <a:ln w="9525" cap="flat" cmpd="sng" algn="ctr">
+            <a:solidFill>
+              <a:schemeClr val="accent5"/>
+            </a:solidFill>
+            <a:prstDash val="solid"/>
+            <a:round/>
+            <a:headEnd type="arrow" w="med" len="med"/>
+            <a:tailEnd type="arrow" w="med" len="med"/>
+          </a:ln>
+        </p:spPr>
+        <p:style>
+          <a:lnRef idx="0">
+            <a:scrgbClr r="0" g="0" b="0"/>
+          </a:lnRef>
+          <a:fillRef idx="0">
+            <a:scrgbClr r="0" g="0" b="0"/>
+          </a:fillRef>
+          <a:effectRef idx="0">
+            <a:scrgbClr r="0" g="0" b="0"/>
+          </a:effectRef>
+          <a:fontRef idx="minor">
+            <a:schemeClr val="tx1"/>
+          </a:fontRef>
+        </p:style>
+      </p:cxnSp>
+      <p:cxnSp>
+        <p:nvCxnSpPr>
+          <p:cNvPr id="29" name="Straight Arrow Connector 28"/>
+          <p:cNvCxnSpPr>
+            <a:stCxn id="9" idx="3"/>
+            <a:endCxn id="16" idx="1"/>
+          </p:cNvCxnSpPr>
+          <p:nvPr/>
+        </p:nvCxnSpPr>
+        <p:spPr>
+          <a:xfrm>
+            <a:off x="6916191" y="3297231"/>
+            <a:ext cx="2985732" cy="1238895"/>
+          </a:xfrm>
+          <a:prstGeom prst="straightConnector1">
+            <a:avLst/>
+          </a:prstGeom>
+          <a:ln w="9525" cap="flat" cmpd="sng" algn="ctr">
+            <a:solidFill>
+              <a:schemeClr val="accent5"/>
+            </a:solidFill>
+            <a:prstDash val="solid"/>
+            <a:round/>
+            <a:headEnd type="arrow" w="med" len="med"/>
+            <a:tailEnd type="arrow" w="med" len="med"/>
+          </a:ln>
+        </p:spPr>
+        <p:style>
+          <a:lnRef idx="0">
+            <a:scrgbClr r="0" g="0" b="0"/>
+          </a:lnRef>
+          <a:fillRef idx="0">
+            <a:scrgbClr r="0" g="0" b="0"/>
+          </a:fillRef>
+          <a:effectRef idx="0">
+            <a:scrgbClr r="0" g="0" b="0"/>
+          </a:effectRef>
+          <a:fontRef idx="minor">
+            <a:schemeClr val="tx1"/>
+          </a:fontRef>
+        </p:style>
+      </p:cxnSp>
+      <p:cxnSp>
+        <p:nvCxnSpPr>
+          <p:cNvPr id="31" name="Straight Arrow Connector 30"/>
+          <p:cNvCxnSpPr>
+            <a:stCxn id="10" idx="3"/>
+            <a:endCxn id="16" idx="1"/>
+          </p:cNvCxnSpPr>
+          <p:nvPr/>
+        </p:nvCxnSpPr>
+        <p:spPr>
+          <a:xfrm>
+            <a:off x="6916191" y="4666210"/>
+            <a:ext cx="2985732" cy="0"/>
+          </a:xfrm>
+          <a:prstGeom prst="straightConnector1">
+            <a:avLst/>
+          </a:prstGeom>
+          <a:ln w="9525" cap="flat" cmpd="sng" algn="ctr">
+            <a:solidFill>
+              <a:schemeClr val="accent5"/>
+            </a:solidFill>
+            <a:prstDash val="solid"/>
+            <a:round/>
+            <a:headEnd type="arrow" w="med" len="med"/>
+            <a:tailEnd type="arrow" w="med" len="med"/>
+          </a:ln>
+        </p:spPr>
+        <p:style>
+          <a:lnRef idx="0">
+            <a:scrgbClr r="0" g="0" b="0"/>
+          </a:lnRef>
+          <a:fillRef idx="0">
+            <a:scrgbClr r="0" g="0" b="0"/>
+          </a:fillRef>
+          <a:effectRef idx="0">
+            <a:scrgbClr r="0" g="0" b="0"/>
+          </a:effectRef>
+          <a:fontRef idx="minor">
+            <a:schemeClr val="tx1"/>
+          </a:fontRef>
+        </p:style>
+      </p:cxnSp>
+      <p:cxnSp>
+        <p:nvCxnSpPr>
+          <p:cNvPr id="33" name="Straight Arrow Connector 32"/>
+          <p:cNvCxnSpPr>
+            <a:stCxn id="16" idx="1"/>
+            <a:endCxn id="11" idx="3"/>
+          </p:cNvCxnSpPr>
+          <p:nvPr/>
+        </p:nvCxnSpPr>
+        <p:spPr>
+          <a:xfrm flipH="1">
+            <a:off x="6916191" y="4796294"/>
+            <a:ext cx="2985732" cy="1238895"/>
+          </a:xfrm>
+          <a:prstGeom prst="straightConnector1">
+            <a:avLst/>
+          </a:prstGeom>
+          <a:ln w="9525" cap="flat" cmpd="sng" algn="ctr">
+            <a:solidFill>
+              <a:schemeClr val="accent5"/>
+            </a:solidFill>
+            <a:prstDash val="solid"/>
+            <a:round/>
+            <a:headEnd type="arrow" w="med" len="med"/>
+            <a:tailEnd type="arrow" w="med" len="med"/>
+          </a:ln>
+        </p:spPr>
+        <p:style>
+          <a:lnRef idx="0">
+            <a:scrgbClr r="0" g="0" b="0"/>
+          </a:lnRef>
+          <a:fillRef idx="0">
+            <a:scrgbClr r="0" g="0" b="0"/>
+          </a:fillRef>
+          <a:effectRef idx="0">
+            <a:scrgbClr r="0" g="0" b="0"/>
+          </a:effectRef>
+          <a:fontRef idx="minor">
+            <a:schemeClr val="tx1"/>
+          </a:fontRef>
+        </p:style>
+      </p:cxnSp>
+      <p:sp>
+        <p:nvSpPr>
+          <p:cNvPr id="6" name="Rounded Rectangle 5"/>
+          <p:cNvSpPr/>
+          <p:nvPr/>
+        </p:nvSpPr>
+        <p:spPr>
+          <a:xfrm>
+            <a:off x="7769204" y="1998797"/>
+            <a:ext cx="1438102" cy="4389945"/>
+          </a:xfrm>
+          <a:prstGeom prst="roundRect">
+            <a:avLst/>
+          </a:prstGeom>
+          <a:solidFill>
+            <a:schemeClr val="accent6">
+              <a:alpha val="50000"/>
+            </a:schemeClr>
+          </a:solidFill>
+          <a:ln>
+            <a:noFill/>
+          </a:ln>
+        </p:spPr>
+        <p:style>
+          <a:lnRef idx="0">
+            <a:scrgbClr r="0" g="0" b="0"/>
+          </a:lnRef>
+          <a:fillRef idx="0">
+            <a:scrgbClr r="0" g="0" b="0"/>
+          </a:fillRef>
+          <a:effectRef idx="0">
+            <a:scrgbClr r="0" g="0" b="0"/>
+          </a:effectRef>
+          <a:fontRef idx="minor">
+            <a:schemeClr val="lt1"/>
+          </a:fontRef>
+        </p:style>
+        <p:txBody>
+          <a:bodyPr rtlCol="0" anchor="ctr"/>
+          <a:lstStyle/>
+          <a:p>
+            <a:pPr algn="ctr"/>
+            <a:r>
+              <a:rPr lang="en-US" dirty="0" smtClean="0">
+                <a:ln w="0"/>
+                <a:solidFill>
+                  <a:schemeClr val="tx1"/>
+                </a:solidFill>
+                <a:effectLst>
+                  <a:outerShdw blurRad="38100" dist="19050" dir="2700000" algn="tl" rotWithShape="0">
+                    <a:schemeClr val="dk1">
+                      <a:alpha val="40000"/>
+                    </a:schemeClr>
+                  </a:outerShdw>
+                </a:effectLst>
+              </a:rPr>
+              <a:t>DB Collection for each Tenant</a:t>
+            </a:r>
+            <a:endParaRPr lang="en-US" dirty="0">
+              <a:ln w="0"/>
+              <a:solidFill>
+                <a:schemeClr val="tx1"/>
+              </a:solidFill>
+              <a:effectLst>
+                <a:outerShdw blurRad="38100" dist="19050" dir="2700000" algn="tl" rotWithShape="0">
+                  <a:schemeClr val="dk1">
+                    <a:alpha val="40000"/>
+                  </a:schemeClr>
+                </a:outerShdw>
+              </a:effectLst>
+            </a:endParaRPr>
+          </a:p>
+        </p:txBody>
+      </p:sp>
+      <p:cxnSp>
+        <p:nvCxnSpPr>
+          <p:cNvPr id="20" name="Straight Arrow Connector 19"/>
+          <p:cNvCxnSpPr>
+            <a:stCxn id="9" idx="3"/>
+            <a:endCxn id="6" idx="1"/>
+          </p:cNvCxnSpPr>
+          <p:nvPr/>
+        </p:nvCxnSpPr>
+        <p:spPr>
+          <a:xfrm>
+            <a:off x="6916191" y="3256234"/>
+            <a:ext cx="853013" cy="848448"/>
+          </a:xfrm>
+          <a:prstGeom prst="straightConnector1">
+            <a:avLst/>
+          </a:prstGeom>
+          <a:ln w="9525" cap="flat" cmpd="sng" algn="ctr">
+            <a:solidFill>
+              <a:schemeClr val="accent5"/>
+            </a:solidFill>
+            <a:prstDash val="dash"/>
+            <a:round/>
+            <a:headEnd type="none" w="med" len="med"/>
+            <a:tailEnd type="none" w="med" len="med"/>
+          </a:ln>
+        </p:spPr>
+        <p:style>
+          <a:lnRef idx="0">
+            <a:scrgbClr r="0" g="0" b="0"/>
+          </a:lnRef>
+          <a:fillRef idx="0">
+            <a:scrgbClr r="0" g="0" b="0"/>
+          </a:fillRef>
+          <a:effectRef idx="0">
+            <a:scrgbClr r="0" g="0" b="0"/>
+          </a:effectRef>
+          <a:fontRef idx="minor">
+            <a:schemeClr val="tx1"/>
+          </a:fontRef>
+        </p:style>
+      </p:cxnSp>
+      <p:cxnSp>
+        <p:nvCxnSpPr>
+          <p:cNvPr id="24" name="Straight Arrow Connector 23"/>
+          <p:cNvCxnSpPr>
+            <a:stCxn id="10" idx="3"/>
+            <a:endCxn id="6" idx="1"/>
+          </p:cNvCxnSpPr>
+          <p:nvPr/>
+        </p:nvCxnSpPr>
+        <p:spPr>
+          <a:xfrm flipV="1">
+            <a:off x="6916191" y="4234766"/>
+            <a:ext cx="853013" cy="390447"/>
+          </a:xfrm>
+          <a:prstGeom prst="straightConnector1">
+            <a:avLst/>
+          </a:prstGeom>
+          <a:ln w="9525" cap="flat" cmpd="sng" algn="ctr">
+            <a:solidFill>
+              <a:schemeClr val="accent5"/>
+            </a:solidFill>
+            <a:prstDash val="dash"/>
+            <a:round/>
+            <a:headEnd type="none" w="med" len="med"/>
+            <a:tailEnd type="none" w="med" len="med"/>
+          </a:ln>
+        </p:spPr>
+        <p:style>
+          <a:lnRef idx="0">
+            <a:scrgbClr r="0" g="0" b="0"/>
+          </a:lnRef>
+          <a:fillRef idx="0">
+            <a:scrgbClr r="0" g="0" b="0"/>
+          </a:fillRef>
+          <a:effectRef idx="0">
+            <a:scrgbClr r="0" g="0" b="0"/>
+          </a:effectRef>
+          <a:fontRef idx="minor">
+            <a:schemeClr val="tx1"/>
+          </a:fontRef>
+        </p:style>
+      </p:cxnSp>
+      <p:cxnSp>
+        <p:nvCxnSpPr>
+          <p:cNvPr id="28" name="Straight Arrow Connector 27"/>
+          <p:cNvCxnSpPr>
+            <a:stCxn id="11" idx="3"/>
+            <a:endCxn id="6" idx="1"/>
+          </p:cNvCxnSpPr>
+          <p:nvPr/>
+        </p:nvCxnSpPr>
+        <p:spPr>
+          <a:xfrm flipV="1">
+            <a:off x="6916191" y="4364850"/>
+            <a:ext cx="853013" cy="1629342"/>
+          </a:xfrm>
+          <a:prstGeom prst="straightConnector1">
+            <a:avLst/>
+          </a:prstGeom>
+          <a:ln w="9525" cap="flat" cmpd="sng" algn="ctr">
+            <a:solidFill>
+              <a:schemeClr val="accent5"/>
+            </a:solidFill>
+            <a:prstDash val="dash"/>
+            <a:round/>
+            <a:headEnd type="none" w="med" len="med"/>
+            <a:tailEnd type="none" w="med" len="med"/>
+          </a:ln>
+        </p:spPr>
+        <p:style>
+          <a:lnRef idx="0">
+            <a:scrgbClr r="0" g="0" b="0"/>
+          </a:lnRef>
+          <a:fillRef idx="0">
+            <a:scrgbClr r="0" g="0" b="0"/>
+          </a:fillRef>
+          <a:effectRef idx="0">
+            <a:scrgbClr r="0" g="0" b="0"/>
+          </a:effectRef>
+          <a:fontRef idx="minor">
+            <a:schemeClr val="tx1"/>
+          </a:fontRef>
+        </p:style>
+      </p:cxnSp>
+      <p:pic>
+        <p:nvPicPr>
+          <p:cNvPr id="1026" name="Picture 2" descr="Image result for cloud to image"/>
+          <p:cNvPicPr>
+            <a:picLocks noChangeAspect="1" noChangeArrowheads="1"/>
+          </p:cNvPicPr>
+          <p:nvPr/>
+        </p:nvPicPr>
+        <p:blipFill>
+          <a:blip r:embed="rId2">
+            <a:extLst>
+              <a:ext uri="{28A0092B-C50C-407E-A947-70E740481C1C}">
+                <a14:useLocalDpi xmlns:a14="http://schemas.microsoft.com/office/drawing/2010/main" val="0"/>
+              </a:ext>
+            </a:extLst>
+          </a:blip>
+          <a:srcRect/>
+          <a:stretch>
+            <a:fillRect/>
+          </a:stretch>
+        </p:blipFill>
+        <p:spPr bwMode="auto">
+          <a:xfrm>
+            <a:off x="7153976" y="51992"/>
+            <a:ext cx="2053330" cy="1509430"/>
+          </a:xfrm>
+          <a:prstGeom prst="rect">
+            <a:avLst/>
+          </a:prstGeom>
+          <a:noFill/>
+          <a:extLst>
+            <a:ext uri="{909E8E84-426E-40DD-AFC4-6F175D3DCCD1}">
+              <a14:hiddenFill xmlns:a14="http://schemas.microsoft.com/office/drawing/2010/main">
+                <a:solidFill>
+                  <a:srgbClr val="FFFFFF"/>
+                </a:solidFill>
+              </a14:hiddenFill>
+            </a:ext>
+          </a:extLst>
+        </p:spPr>
+      </p:pic>
+      <p:sp>
+        <p:nvSpPr>
+          <p:cNvPr id="2" name="TextBox 1"/>
+          <p:cNvSpPr txBox="1"/>
+          <p:nvPr/>
+        </p:nvSpPr>
+        <p:spPr>
+          <a:xfrm>
+            <a:off x="7931259" y="947652"/>
+            <a:ext cx="933269" cy="261610"/>
+          </a:xfrm>
+          <a:prstGeom prst="rect">
+            <a:avLst/>
+          </a:prstGeom>
+          <a:noFill/>
+        </p:spPr>
+        <p:txBody>
+          <a:bodyPr wrap="none" rtlCol="0">
+            <a:spAutoFit/>
+          </a:bodyPr>
+          <a:lstStyle/>
+          <a:p>
+            <a:r>
+              <a:rPr lang="en-US" sz="1100" dirty="0" smtClean="0">
+                <a:solidFill>
+                  <a:schemeClr val="bg1"/>
+                </a:solidFill>
+              </a:rPr>
+              <a:t>All static files</a:t>
+            </a:r>
+          </a:p>
+        </p:txBody>
+      </p:sp>
+      <p:sp>
+        <p:nvSpPr>
+          <p:cNvPr id="3" name="TextBox 2"/>
+          <p:cNvSpPr txBox="1"/>
+          <p:nvPr/>
+        </p:nvSpPr>
+        <p:spPr>
+          <a:xfrm>
+            <a:off x="7931259" y="673899"/>
+            <a:ext cx="795411" cy="369332"/>
+          </a:xfrm>
+          <a:prstGeom prst="rect">
+            <a:avLst/>
+          </a:prstGeom>
+          <a:noFill/>
+        </p:spPr>
+        <p:txBody>
+          <a:bodyPr wrap="none" rtlCol="0">
+            <a:spAutoFit/>
+          </a:bodyPr>
+          <a:lstStyle/>
+          <a:p>
+            <a:r>
+              <a:rPr lang="en-US" b="1" dirty="0" smtClean="0">
+                <a:solidFill>
+                  <a:schemeClr val="accent1">
+                    <a:lumMod val="60000"/>
+                    <a:lumOff val="40000"/>
+                  </a:schemeClr>
+                </a:solidFill>
+              </a:rPr>
+              <a:t>Media</a:t>
+            </a:r>
+            <a:endParaRPr lang="en-US" b="1" dirty="0">
+              <a:solidFill>
+                <a:schemeClr val="accent1">
+                  <a:lumMod val="60000"/>
+                  <a:lumOff val="40000"/>
+                </a:schemeClr>
+              </a:solidFill>
+            </a:endParaRPr>
+          </a:p>
+        </p:txBody>
+      </p:sp>
+      <p:cxnSp>
+        <p:nvCxnSpPr>
+          <p:cNvPr id="17" name="Straight Arrow Connector 16"/>
+          <p:cNvCxnSpPr>
+            <a:stCxn id="9" idx="3"/>
+          </p:cNvCxnSpPr>
+          <p:nvPr/>
+        </p:nvCxnSpPr>
+        <p:spPr>
+          <a:xfrm flipV="1">
+            <a:off x="6916191" y="1338351"/>
+            <a:ext cx="914398" cy="1828797"/>
+          </a:xfrm>
+          <a:prstGeom prst="straightConnector1">
+            <a:avLst/>
+          </a:prstGeom>
+          <a:ln>
+            <a:headEnd type="triangle"/>
+            <a:tailEnd type="triangle"/>
+          </a:ln>
+        </p:spPr>
+        <p:style>
+          <a:lnRef idx="1">
+            <a:schemeClr val="accent1"/>
+          </a:lnRef>
+          <a:fillRef idx="0">
+            <a:schemeClr val="accent1"/>
+          </a:fillRef>
+          <a:effectRef idx="0">
+            <a:schemeClr val="accent1"/>
+          </a:effectRef>
+          <a:fontRef idx="minor">
+            <a:schemeClr val="tx1"/>
+          </a:fontRef>
+        </p:style>
+      </p:cxnSp>
+      <p:cxnSp>
+        <p:nvCxnSpPr>
+          <p:cNvPr id="26" name="Straight Arrow Connector 25"/>
+          <p:cNvCxnSpPr>
+            <a:stCxn id="10" idx="3"/>
+          </p:cNvCxnSpPr>
+          <p:nvPr/>
+        </p:nvCxnSpPr>
+        <p:spPr>
+          <a:xfrm flipV="1">
+            <a:off x="6916191" y="1338349"/>
+            <a:ext cx="1180405" cy="3327862"/>
+          </a:xfrm>
+          <a:prstGeom prst="straightConnector1">
+            <a:avLst/>
+          </a:prstGeom>
+          <a:ln>
+            <a:headEnd type="triangle"/>
+            <a:tailEnd type="triangle"/>
+          </a:ln>
+        </p:spPr>
+        <p:style>
+          <a:lnRef idx="1">
+            <a:schemeClr val="accent1"/>
+          </a:lnRef>
+          <a:fillRef idx="0">
+            <a:schemeClr val="accent1"/>
+          </a:fillRef>
+          <a:effectRef idx="0">
+            <a:schemeClr val="accent1"/>
+          </a:effectRef>
+          <a:fontRef idx="minor">
+            <a:schemeClr val="tx1"/>
+          </a:fontRef>
+        </p:style>
+      </p:cxnSp>
+      <p:cxnSp>
+        <p:nvCxnSpPr>
+          <p:cNvPr id="32" name="Straight Arrow Connector 31"/>
+          <p:cNvCxnSpPr>
+            <a:stCxn id="11" idx="3"/>
+          </p:cNvCxnSpPr>
+          <p:nvPr/>
+        </p:nvCxnSpPr>
+        <p:spPr>
+          <a:xfrm flipV="1">
+            <a:off x="6916191" y="1338349"/>
+            <a:ext cx="1438100" cy="4826925"/>
+          </a:xfrm>
+          <a:prstGeom prst="straightConnector1">
+            <a:avLst/>
+          </a:prstGeom>
+          <a:ln>
+            <a:headEnd type="triangle"/>
+            <a:tailEnd type="triangle"/>
+          </a:ln>
+        </p:spPr>
+        <p:style>
+          <a:lnRef idx="1">
+            <a:schemeClr val="accent1"/>
+          </a:lnRef>
+          <a:fillRef idx="0">
+            <a:schemeClr val="accent1"/>
+          </a:fillRef>
+          <a:effectRef idx="0">
+            <a:schemeClr val="accent1"/>
+          </a:effectRef>
+          <a:fontRef idx="minor">
+            <a:schemeClr val="tx1"/>
+          </a:fontRef>
+        </p:style>
+      </p:cxnSp>
     </p:spTree>
     <p:extLst>
       <p:ext uri="{BB962C8B-B14F-4D97-AF65-F5344CB8AC3E}">
-        <p14:creationId xmlns:p14="http://schemas.microsoft.com/office/powerpoint/2010/main" val="813755282"/>
+        <p14:creationId xmlns:p14="http://schemas.microsoft.com/office/powerpoint/2010/main" val="799131706"/>
       </p:ext>
     </p:extLst>
   </p:cSld>
@@ -5084,83 +6178,149 @@
       </p:grpSpPr>
       <p:sp>
         <p:nvSpPr>
-          <p:cNvPr id="4" name="TextBox 3"/>
-          <p:cNvSpPr txBox="1"/>
-          <p:nvPr/>
-        </p:nvSpPr>
-        <p:spPr>
-          <a:xfrm>
-            <a:off x="141316" y="96608"/>
-            <a:ext cx="4199611" cy="369332"/>
-          </a:xfrm>
-          <a:prstGeom prst="rect">
-            <a:avLst/>
-          </a:prstGeom>
-          <a:noFill/>
-        </p:spPr>
-        <p:txBody>
-          <a:bodyPr wrap="none" rtlCol="0">
-            <a:spAutoFit/>
+          <p:cNvPr id="2" name="Title 1"/>
+          <p:cNvSpPr>
+            <a:spLocks noGrp="1"/>
+          </p:cNvSpPr>
+          <p:nvPr>
+            <p:ph type="title"/>
+          </p:nvPr>
+        </p:nvSpPr>
+        <p:spPr/>
+        <p:txBody>
+          <a:bodyPr>
+            <a:normAutofit/>
           </a:bodyPr>
           <a:lstStyle/>
           <a:p>
             <a:r>
+              <a:rPr lang="en-US" sz="2200" b="1" dirty="0" smtClean="0"/>
+              <a:t>Multi-tenant Patterns</a:t>
+            </a:r>
+            <a:endParaRPr lang="en-US" sz="2200" dirty="0"/>
+          </a:p>
+        </p:txBody>
+      </p:sp>
+      <p:sp>
+        <p:nvSpPr>
+          <p:cNvPr id="3" name="Content Placeholder 2"/>
+          <p:cNvSpPr>
+            <a:spLocks noGrp="1"/>
+          </p:cNvSpPr>
+          <p:nvPr>
+            <p:ph idx="1"/>
+          </p:nvPr>
+        </p:nvSpPr>
+        <p:spPr/>
+        <p:txBody>
+          <a:bodyPr>
+            <a:normAutofit fontScale="55000" lnSpcReduction="20000"/>
+          </a:bodyPr>
+          <a:lstStyle/>
+          <a:p>
+            <a:r>
+              <a:rPr lang="en-US" dirty="0" smtClean="0"/>
+              <a:t>Multi-tenancy </a:t>
+            </a:r>
+            <a:r>
               <a:rPr lang="en-US" dirty="0"/>
-              <a:t>Multi-Tenancy with </a:t>
+              <a:t>implementations aren’t a binary concept, but rather a continuum of solutions depending on requirements. The continuum looks something like:</a:t>
+            </a:r>
+          </a:p>
+          <a:p>
+            <a:r>
+              <a:rPr lang="en-US" dirty="0"/>
+              <a:t>An application backend per-tenant (webserver, database)</a:t>
+            </a:r>
+          </a:p>
+          <a:p>
+            <a:r>
+              <a:rPr lang="en-US" dirty="0"/>
+              <a:t>A single webserver served by databases per-tenant</a:t>
+            </a:r>
+          </a:p>
+          <a:p>
+            <a:r>
+              <a:rPr lang="en-US" dirty="0"/>
+              <a:t>A single webserver with a single database, served by database specific separation mechanisms (e.g. </a:t>
+            </a:r>
+            <a:r>
+              <a:rPr lang="en-US" dirty="0" err="1"/>
+              <a:t>Postgres</a:t>
+            </a:r>
+            <a:r>
+              <a:rPr lang="en-US" dirty="0"/>
+              <a:t> schemas)</a:t>
+            </a:r>
+          </a:p>
+          <a:p>
+            <a:r>
+              <a:rPr lang="en-US" dirty="0"/>
+              <a:t>A single webserver with a single database, with tenant data separated into their own tables</a:t>
+            </a:r>
+          </a:p>
+          <a:p>
+            <a:r>
+              <a:rPr lang="en-US" dirty="0"/>
+              <a:t>A single webserver with a single database, with shared tables mixing all tenant </a:t>
             </a:r>
             <a:r>
               <a:rPr lang="en-US" dirty="0" smtClean="0"/>
-              <a:t>Logical data separation</a:t>
-            </a:r>
+              <a:t>data</a:t>
+            </a:r>
+            <a:br>
+              <a:rPr lang="en-US" dirty="0" smtClean="0"/>
+            </a:br>
             <a:endParaRPr lang="en-US" dirty="0"/>
           </a:p>
-        </p:txBody>
-      </p:sp>
-      <p:pic>
-        <p:nvPicPr>
-          <p:cNvPr id="2050" name="Picture 2" descr="https://cdn-images-1.medium.com/max/800/1*NTehiHXVkNmpb98cMks3kw.png"/>
-          <p:cNvPicPr>
-            <a:picLocks noChangeAspect="1" noChangeArrowheads="1"/>
-          </p:cNvPicPr>
-          <p:nvPr/>
-        </p:nvPicPr>
-        <p:blipFill>
-          <a:blip r:embed="rId2">
-            <a:extLst>
-              <a:ext uri="{28A0092B-C50C-407E-A947-70E740481C1C}">
-                <a14:useLocalDpi xmlns:a14="http://schemas.microsoft.com/office/drawing/2010/main" val="0"/>
-              </a:ext>
-            </a:extLst>
-          </a:blip>
-          <a:srcRect/>
-          <a:stretch>
-            <a:fillRect/>
-          </a:stretch>
-        </p:blipFill>
-        <p:spPr bwMode="auto">
-          <a:xfrm>
-            <a:off x="3962805" y="546041"/>
-            <a:ext cx="4791075" cy="6029326"/>
-          </a:xfrm>
-          <a:prstGeom prst="rect">
-            <a:avLst/>
-          </a:prstGeom>
-          <a:noFill/>
-          <a:extLst>
-            <a:ext uri="{909E8E84-426E-40DD-AFC4-6F175D3DCCD1}">
-              <a14:hiddenFill xmlns:a14="http://schemas.microsoft.com/office/drawing/2010/main">
-                <a:solidFill>
-                  <a:srgbClr val="FFFFFF"/>
-                </a:solidFill>
-              </a14:hiddenFill>
-            </a:ext>
-          </a:extLst>
-        </p:spPr>
-      </p:pic>
+          <a:p>
+            <a:pPr marL="0" indent="0">
+              <a:buNone/>
+            </a:pPr>
+            <a:r>
+              <a:rPr lang="en-US" dirty="0"/>
+              <a:t>Each of these solutions has trade-offs in terms of:</a:t>
+            </a:r>
+          </a:p>
+          <a:p>
+            <a:r>
+              <a:rPr lang="en-US" dirty="0"/>
+              <a:t>Data isolation and security</a:t>
+            </a:r>
+          </a:p>
+          <a:p>
+            <a:r>
+              <a:rPr lang="en-US" dirty="0"/>
+              <a:t>Infrastructure costs and scalability</a:t>
+            </a:r>
+          </a:p>
+          <a:p>
+            <a:r>
+              <a:rPr lang="en-US" dirty="0"/>
+              <a:t>Development complexity</a:t>
+            </a:r>
+          </a:p>
+          <a:p>
+            <a:r>
+              <a:rPr lang="en-US" dirty="0"/>
+              <a:t>Difficulty of onboarding new tenants</a:t>
+            </a:r>
+          </a:p>
+          <a:p>
+            <a:r>
+              <a:rPr lang="en-US" dirty="0"/>
+              <a:t>Difficulty of modifying data structures for existing tenants</a:t>
+            </a:r>
+          </a:p>
+          <a:p>
+            <a:endParaRPr lang="en-US" dirty="0"/>
+          </a:p>
+        </p:txBody>
+      </p:sp>
     </p:spTree>
     <p:extLst>
       <p:ext uri="{BB962C8B-B14F-4D97-AF65-F5344CB8AC3E}">
-        <p14:creationId xmlns:p14="http://schemas.microsoft.com/office/powerpoint/2010/main" val="1590742249"/>
+        <p14:creationId xmlns:p14="http://schemas.microsoft.com/office/powerpoint/2010/main" val="813755282"/>
       </p:ext>
     </p:extLst>
   </p:cSld>
@@ -5196,6 +6356,118 @@
       </p:grpSpPr>
       <p:sp>
         <p:nvSpPr>
+          <p:cNvPr id="4" name="TextBox 3"/>
+          <p:cNvSpPr txBox="1"/>
+          <p:nvPr/>
+        </p:nvSpPr>
+        <p:spPr>
+          <a:xfrm>
+            <a:off x="141316" y="96608"/>
+            <a:ext cx="5205079" cy="430887"/>
+          </a:xfrm>
+          <a:prstGeom prst="rect">
+            <a:avLst/>
+          </a:prstGeom>
+          <a:noFill/>
+        </p:spPr>
+        <p:txBody>
+          <a:bodyPr wrap="none" rtlCol="0">
+            <a:spAutoFit/>
+          </a:bodyPr>
+          <a:lstStyle/>
+          <a:p>
+            <a:r>
+              <a:rPr lang="en-US" sz="2200" b="1" dirty="0"/>
+              <a:t>Multi-Tenancy with </a:t>
+            </a:r>
+            <a:r>
+              <a:rPr lang="en-US" sz="2200" b="1" dirty="0" smtClean="0"/>
+              <a:t>Logical data separation</a:t>
+            </a:r>
+            <a:endParaRPr lang="en-US" sz="2200" b="1" dirty="0"/>
+          </a:p>
+        </p:txBody>
+      </p:sp>
+      <p:pic>
+        <p:nvPicPr>
+          <p:cNvPr id="2050" name="Picture 2" descr="https://cdn-images-1.medium.com/max/800/1*NTehiHXVkNmpb98cMks3kw.png"/>
+          <p:cNvPicPr>
+            <a:picLocks noChangeAspect="1" noChangeArrowheads="1"/>
+          </p:cNvPicPr>
+          <p:nvPr/>
+        </p:nvPicPr>
+        <p:blipFill>
+          <a:blip r:embed="rId2">
+            <a:extLst>
+              <a:ext uri="{28A0092B-C50C-407E-A947-70E740481C1C}">
+                <a14:useLocalDpi xmlns:a14="http://schemas.microsoft.com/office/drawing/2010/main" val="0"/>
+              </a:ext>
+            </a:extLst>
+          </a:blip>
+          <a:srcRect/>
+          <a:stretch>
+            <a:fillRect/>
+          </a:stretch>
+        </p:blipFill>
+        <p:spPr bwMode="auto">
+          <a:xfrm>
+            <a:off x="3962805" y="546041"/>
+            <a:ext cx="4791075" cy="6029326"/>
+          </a:xfrm>
+          <a:prstGeom prst="rect">
+            <a:avLst/>
+          </a:prstGeom>
+          <a:noFill/>
+          <a:extLst>
+            <a:ext uri="{909E8E84-426E-40DD-AFC4-6F175D3DCCD1}">
+              <a14:hiddenFill xmlns:a14="http://schemas.microsoft.com/office/drawing/2010/main">
+                <a:solidFill>
+                  <a:srgbClr val="FFFFFF"/>
+                </a:solidFill>
+              </a14:hiddenFill>
+            </a:ext>
+          </a:extLst>
+        </p:spPr>
+      </p:pic>
+    </p:spTree>
+    <p:extLst>
+      <p:ext uri="{BB962C8B-B14F-4D97-AF65-F5344CB8AC3E}">
+        <p14:creationId xmlns:p14="http://schemas.microsoft.com/office/powerpoint/2010/main" val="1590742249"/>
+      </p:ext>
+    </p:extLst>
+  </p:cSld>
+  <p:clrMapOvr>
+    <a:masterClrMapping/>
+  </p:clrMapOvr>
+  <p:timing>
+    <p:tnLst>
+      <p:par>
+        <p:cTn id="1" dur="indefinite" restart="never" nodeType="tmRoot"/>
+      </p:par>
+    </p:tnLst>
+  </p:timing>
+</p:sld>
+</file>
+
+<file path=ppt/slides/slide7.xml><?xml version="1.0" encoding="utf-8"?>
+<p:sld xmlns:a="http://schemas.openxmlformats.org/drawingml/2006/main" xmlns:r="http://schemas.openxmlformats.org/officeDocument/2006/relationships" xmlns:p="http://schemas.openxmlformats.org/presentationml/2006/main">
+  <p:cSld>
+    <p:spTree>
+      <p:nvGrpSpPr>
+        <p:cNvPr id="1" name=""/>
+        <p:cNvGrpSpPr/>
+        <p:nvPr/>
+      </p:nvGrpSpPr>
+      <p:grpSpPr>
+        <a:xfrm>
+          <a:off x="0" y="0"/>
+          <a:ext cx="0" cy="0"/>
+          <a:chOff x="0" y="0"/>
+          <a:chExt cx="0" cy="0"/>
+        </a:xfrm>
+      </p:grpSpPr>
+      <p:sp>
+        <p:nvSpPr>
           <p:cNvPr id="2" name="Title 1"/>
           <p:cNvSpPr>
             <a:spLocks noGrp="1"/>
@@ -5206,19 +6478,21 @@
         </p:nvSpPr>
         <p:spPr>
           <a:xfrm>
-            <a:off x="0" y="-108068"/>
+            <a:off x="0" y="-199511"/>
             <a:ext cx="10515600" cy="1325563"/>
           </a:xfrm>
         </p:spPr>
         <p:txBody>
-          <a:bodyPr/>
-          <a:lstStyle/>
-          <a:p>
-            <a:r>
-              <a:rPr lang="en-US" dirty="0" smtClean="0"/>
+          <a:bodyPr>
+            <a:normAutofit/>
+          </a:bodyPr>
+          <a:lstStyle/>
+          <a:p>
+            <a:r>
+              <a:rPr lang="en-US" sz="2200" b="1" dirty="0" smtClean="0"/>
               <a:t>Notification CMS/Control panel </a:t>
             </a:r>
-            <a:endParaRPr lang="en-US" dirty="0"/>
+            <a:endParaRPr lang="en-US" sz="2200" b="1" dirty="0"/>
           </a:p>
         </p:txBody>
       </p:sp>
@@ -5238,7 +6512,7 @@
         </p:blipFill>
         <p:spPr>
           <a:xfrm>
-            <a:off x="168956" y="3631653"/>
+            <a:off x="168956" y="3415516"/>
             <a:ext cx="5819048" cy="3219048"/>
           </a:xfrm>
           <a:prstGeom prst="rect">
@@ -5262,7 +6536,7 @@
         </p:blipFill>
         <p:spPr>
           <a:xfrm>
-            <a:off x="149909" y="1448367"/>
+            <a:off x="149909" y="1232230"/>
             <a:ext cx="5838095" cy="819048"/>
           </a:xfrm>
           <a:prstGeom prst="rect">
@@ -5278,7 +6552,7 @@
         </p:nvSpPr>
         <p:spPr>
           <a:xfrm>
-            <a:off x="168956" y="1150151"/>
+            <a:off x="168956" y="934014"/>
             <a:ext cx="3177216" cy="369332"/>
           </a:xfrm>
           <a:prstGeom prst="rect">
@@ -5311,7 +6585,7 @@
         </p:nvSpPr>
         <p:spPr>
           <a:xfrm>
-            <a:off x="1330038" y="2423786"/>
+            <a:off x="1330038" y="2207649"/>
             <a:ext cx="856210" cy="207501"/>
           </a:xfrm>
           <a:prstGeom prst="rect">
@@ -5382,7 +6656,7 @@
         </p:nvSpPr>
         <p:spPr>
           <a:xfrm>
-            <a:off x="349134" y="2177505"/>
+            <a:off x="349134" y="1961368"/>
             <a:ext cx="980903" cy="1402563"/>
           </a:xfrm>
           <a:prstGeom prst="rect">
@@ -5438,7 +6712,7 @@
         </p:nvSpPr>
         <p:spPr>
           <a:xfrm>
-            <a:off x="2374705" y="2423785"/>
+            <a:off x="2374705" y="2207648"/>
             <a:ext cx="856210" cy="207501"/>
           </a:xfrm>
           <a:prstGeom prst="rect">
@@ -5509,7 +6783,7 @@
         </p:nvSpPr>
         <p:spPr>
           <a:xfrm>
-            <a:off x="3419373" y="2423785"/>
+            <a:off x="3419373" y="2207648"/>
             <a:ext cx="856210" cy="207501"/>
           </a:xfrm>
           <a:prstGeom prst="rect">
@@ -5580,7 +6854,7 @@
         </p:nvSpPr>
         <p:spPr>
           <a:xfrm>
-            <a:off x="1330038" y="2919635"/>
+            <a:off x="1330038" y="2703498"/>
             <a:ext cx="856210" cy="207501"/>
           </a:xfrm>
           <a:prstGeom prst="rect">
@@ -5651,7 +6925,7 @@
         </p:nvSpPr>
         <p:spPr>
           <a:xfrm>
-            <a:off x="2374705" y="2918968"/>
+            <a:off x="2374705" y="2702831"/>
             <a:ext cx="856210" cy="207501"/>
           </a:xfrm>
           <a:prstGeom prst="rect">
@@ -5722,7 +6996,7 @@
         </p:nvSpPr>
         <p:spPr>
           <a:xfrm>
-            <a:off x="3431264" y="2918967"/>
+            <a:off x="3431264" y="2702830"/>
             <a:ext cx="856210" cy="207501"/>
           </a:xfrm>
           <a:prstGeom prst="rect">
@@ -5793,7 +7067,7 @@
         </p:nvSpPr>
         <p:spPr>
           <a:xfrm>
-            <a:off x="1332807" y="3338049"/>
+            <a:off x="1332807" y="3121912"/>
             <a:ext cx="856210" cy="207501"/>
           </a:xfrm>
           <a:prstGeom prst="rect">
@@ -5864,7 +7138,7 @@
         </p:nvSpPr>
         <p:spPr>
           <a:xfrm>
-            <a:off x="2377474" y="3337382"/>
+            <a:off x="2377474" y="3121245"/>
             <a:ext cx="856210" cy="207501"/>
           </a:xfrm>
           <a:prstGeom prst="rect">
@@ -5935,7 +7209,7 @@
         </p:nvSpPr>
         <p:spPr>
           <a:xfrm>
-            <a:off x="3434033" y="3337381"/>
+            <a:off x="3434033" y="3121244"/>
             <a:ext cx="856210" cy="207501"/>
           </a:xfrm>
           <a:prstGeom prst="rect">
@@ -6006,7 +7280,7 @@
         </p:nvSpPr>
         <p:spPr>
           <a:xfrm>
-            <a:off x="1236994" y="2233214"/>
+            <a:off x="1236994" y="2017077"/>
             <a:ext cx="461986" cy="168172"/>
           </a:xfrm>
           <a:prstGeom prst="rect">
@@ -6036,7 +7310,7 @@
         </p:nvSpPr>
         <p:spPr>
           <a:xfrm>
-            <a:off x="2298288" y="2219659"/>
+            <a:off x="2298288" y="2003522"/>
             <a:ext cx="505267" cy="184989"/>
           </a:xfrm>
           <a:prstGeom prst="rect">
@@ -6066,7 +7340,7 @@
         </p:nvSpPr>
         <p:spPr>
           <a:xfrm>
-            <a:off x="3321446" y="2227971"/>
+            <a:off x="3321446" y="2011834"/>
             <a:ext cx="503052" cy="184989"/>
           </a:xfrm>
           <a:prstGeom prst="rect">
@@ -6096,7 +7370,7 @@
         </p:nvSpPr>
         <p:spPr>
           <a:xfrm>
-            <a:off x="1231449" y="2726434"/>
+            <a:off x="1231449" y="2510297"/>
             <a:ext cx="461986" cy="168172"/>
           </a:xfrm>
           <a:prstGeom prst="rect">
@@ -6126,7 +7400,7 @@
         </p:nvSpPr>
         <p:spPr>
           <a:xfrm>
-            <a:off x="2292743" y="2712879"/>
+            <a:off x="2292743" y="2496742"/>
             <a:ext cx="505267" cy="246221"/>
           </a:xfrm>
           <a:prstGeom prst="rect">
@@ -6156,7 +7430,7 @@
         </p:nvSpPr>
         <p:spPr>
           <a:xfrm>
-            <a:off x="3332527" y="2721191"/>
+            <a:off x="3332527" y="2505054"/>
             <a:ext cx="527709" cy="246221"/>
           </a:xfrm>
           <a:prstGeom prst="rect">
@@ -6186,7 +7460,7 @@
         </p:nvSpPr>
         <p:spPr>
           <a:xfrm>
-            <a:off x="1225905" y="3161464"/>
+            <a:off x="1225905" y="2945327"/>
             <a:ext cx="461986" cy="168172"/>
           </a:xfrm>
           <a:prstGeom prst="rect">
@@ -6216,7 +7490,7 @@
         </p:nvSpPr>
         <p:spPr>
           <a:xfrm>
-            <a:off x="2287199" y="3147909"/>
+            <a:off x="2287199" y="2931772"/>
             <a:ext cx="388248" cy="246221"/>
           </a:xfrm>
           <a:prstGeom prst="rect">
@@ -6246,7 +7520,7 @@
         </p:nvSpPr>
         <p:spPr>
           <a:xfrm>
-            <a:off x="3326983" y="3156221"/>
+            <a:off x="3326983" y="2940084"/>
             <a:ext cx="437940" cy="246221"/>
           </a:xfrm>
           <a:prstGeom prst="rect">

--- a/docs/MultiTenant App.pptx
+++ b/docs/MultiTenant App.pptx
@@ -11,7 +11,9 @@
     <p:sldId id="263" r:id="rId5"/>
     <p:sldId id="259" r:id="rId6"/>
     <p:sldId id="261" r:id="rId7"/>
-    <p:sldId id="262" r:id="rId8"/>
+    <p:sldId id="264" r:id="rId8"/>
+    <p:sldId id="262" r:id="rId9"/>
+    <p:sldId id="265" r:id="rId10"/>
   </p:sldIdLst>
   <p:sldSz cx="12192000" cy="6858000"/>
   <p:notesSz cx="6858000" cy="9144000"/>
@@ -249,7 +251,7 @@
           <a:p>
             <a:fld id="{AC34FC56-4831-496C-8AE9-E150C117C0CE}" type="datetimeFigureOut">
               <a:rPr lang="en-US" smtClean="0"/>
-              <a:t>9/14/2018</a:t>
+              <a:t>9/19/2018</a:t>
             </a:fld>
             <a:endParaRPr lang="en-US"/>
           </a:p>
@@ -419,7 +421,7 @@
           <a:p>
             <a:fld id="{AC34FC56-4831-496C-8AE9-E150C117C0CE}" type="datetimeFigureOut">
               <a:rPr lang="en-US" smtClean="0"/>
-              <a:t>9/14/2018</a:t>
+              <a:t>9/19/2018</a:t>
             </a:fld>
             <a:endParaRPr lang="en-US"/>
           </a:p>
@@ -599,7 +601,7 @@
           <a:p>
             <a:fld id="{AC34FC56-4831-496C-8AE9-E150C117C0CE}" type="datetimeFigureOut">
               <a:rPr lang="en-US" smtClean="0"/>
-              <a:t>9/14/2018</a:t>
+              <a:t>9/19/2018</a:t>
             </a:fld>
             <a:endParaRPr lang="en-US"/>
           </a:p>
@@ -769,7 +771,7 @@
           <a:p>
             <a:fld id="{AC34FC56-4831-496C-8AE9-E150C117C0CE}" type="datetimeFigureOut">
               <a:rPr lang="en-US" smtClean="0"/>
-              <a:t>9/14/2018</a:t>
+              <a:t>9/19/2018</a:t>
             </a:fld>
             <a:endParaRPr lang="en-US"/>
           </a:p>
@@ -1015,7 +1017,7 @@
           <a:p>
             <a:fld id="{AC34FC56-4831-496C-8AE9-E150C117C0CE}" type="datetimeFigureOut">
               <a:rPr lang="en-US" smtClean="0"/>
-              <a:t>9/14/2018</a:t>
+              <a:t>9/19/2018</a:t>
             </a:fld>
             <a:endParaRPr lang="en-US"/>
           </a:p>
@@ -1247,7 +1249,7 @@
           <a:p>
             <a:fld id="{AC34FC56-4831-496C-8AE9-E150C117C0CE}" type="datetimeFigureOut">
               <a:rPr lang="en-US" smtClean="0"/>
-              <a:t>9/14/2018</a:t>
+              <a:t>9/19/2018</a:t>
             </a:fld>
             <a:endParaRPr lang="en-US"/>
           </a:p>
@@ -1614,7 +1616,7 @@
           <a:p>
             <a:fld id="{AC34FC56-4831-496C-8AE9-E150C117C0CE}" type="datetimeFigureOut">
               <a:rPr lang="en-US" smtClean="0"/>
-              <a:t>9/14/2018</a:t>
+              <a:t>9/19/2018</a:t>
             </a:fld>
             <a:endParaRPr lang="en-US"/>
           </a:p>
@@ -1732,7 +1734,7 @@
           <a:p>
             <a:fld id="{AC34FC56-4831-496C-8AE9-E150C117C0CE}" type="datetimeFigureOut">
               <a:rPr lang="en-US" smtClean="0"/>
-              <a:t>9/14/2018</a:t>
+              <a:t>9/19/2018</a:t>
             </a:fld>
             <a:endParaRPr lang="en-US"/>
           </a:p>
@@ -1827,7 +1829,7 @@
           <a:p>
             <a:fld id="{AC34FC56-4831-496C-8AE9-E150C117C0CE}" type="datetimeFigureOut">
               <a:rPr lang="en-US" smtClean="0"/>
-              <a:t>9/14/2018</a:t>
+              <a:t>9/19/2018</a:t>
             </a:fld>
             <a:endParaRPr lang="en-US"/>
           </a:p>
@@ -2104,7 +2106,7 @@
           <a:p>
             <a:fld id="{AC34FC56-4831-496C-8AE9-E150C117C0CE}" type="datetimeFigureOut">
               <a:rPr lang="en-US" smtClean="0"/>
-              <a:t>9/14/2018</a:t>
+              <a:t>9/19/2018</a:t>
             </a:fld>
             <a:endParaRPr lang="en-US"/>
           </a:p>
@@ -2357,7 +2359,7 @@
           <a:p>
             <a:fld id="{AC34FC56-4831-496C-8AE9-E150C117C0CE}" type="datetimeFigureOut">
               <a:rPr lang="en-US" smtClean="0"/>
-              <a:t>9/14/2018</a:t>
+              <a:t>9/19/2018</a:t>
             </a:fld>
             <a:endParaRPr lang="en-US"/>
           </a:p>
@@ -2570,7 +2572,7 @@
           <a:p>
             <a:fld id="{AC34FC56-4831-496C-8AE9-E150C117C0CE}" type="datetimeFigureOut">
               <a:rPr lang="en-US" smtClean="0"/>
-              <a:t>9/14/2018</a:t>
+              <a:t>9/19/2018</a:t>
             </a:fld>
             <a:endParaRPr lang="en-US"/>
           </a:p>
@@ -4933,15 +4935,7 @@
           <a:p>
             <a:r>
               <a:rPr lang="en-US" sz="2200" b="1" dirty="0" smtClean="0"/>
-              <a:t>With </a:t>
-            </a:r>
-            <a:r>
-              <a:rPr lang="en-US" sz="2200" b="1" dirty="0" smtClean="0"/>
-              <a:t>UI-DB-Media </a:t>
-            </a:r>
-            <a:r>
-              <a:rPr lang="en-US" sz="2200" b="1" dirty="0" smtClean="0"/>
-              <a:t>LAYER</a:t>
+              <a:t>With UI-DB-Media LAYER</a:t>
             </a:r>
             <a:endParaRPr lang="en-US" sz="2200" b="1" dirty="0"/>
           </a:p>
@@ -6468,6 +6462,932 @@
       </p:grpSpPr>
       <p:sp>
         <p:nvSpPr>
+          <p:cNvPr id="4" name="Title 1"/>
+          <p:cNvSpPr>
+            <a:spLocks noGrp="1"/>
+          </p:cNvSpPr>
+          <p:nvPr>
+            <p:ph type="title"/>
+          </p:nvPr>
+        </p:nvSpPr>
+        <p:spPr>
+          <a:xfrm>
+            <a:off x="203200" y="0"/>
+            <a:ext cx="10312400" cy="968307"/>
+          </a:xfrm>
+        </p:spPr>
+        <p:txBody>
+          <a:bodyPr>
+            <a:normAutofit/>
+          </a:bodyPr>
+          <a:lstStyle/>
+          <a:p>
+            <a:r>
+              <a:rPr lang="en-US" sz="2200" b="1" dirty="0" smtClean="0"/>
+              <a:t>UI Component approach for Multi-tenant</a:t>
+            </a:r>
+            <a:endParaRPr lang="en-US" sz="2200" dirty="0"/>
+          </a:p>
+        </p:txBody>
+      </p:sp>
+      <p:sp>
+        <p:nvSpPr>
+          <p:cNvPr id="5" name="TextBox 4"/>
+          <p:cNvSpPr txBox="1"/>
+          <p:nvPr/>
+        </p:nvSpPr>
+        <p:spPr>
+          <a:xfrm>
+            <a:off x="203200" y="906232"/>
+            <a:ext cx="11536834" cy="1169551"/>
+          </a:xfrm>
+          <a:prstGeom prst="rect">
+            <a:avLst/>
+          </a:prstGeom>
+          <a:noFill/>
+        </p:spPr>
+        <p:txBody>
+          <a:bodyPr wrap="square" rtlCol="0">
+            <a:spAutoFit/>
+          </a:bodyPr>
+          <a:lstStyle/>
+          <a:p>
+            <a:r>
+              <a:rPr lang="en-US" sz="1400" dirty="0" smtClean="0"/>
+              <a:t>To build a React/any lib component we need style, UI and data, usually we define everting within component folder but in order to create dynamic component with customization we need to define all component dependencies outside of app so end user (client) can easily change/configure them based on their need.</a:t>
+            </a:r>
+            <a:br>
+              <a:rPr lang="en-US" sz="1400" dirty="0" smtClean="0"/>
+            </a:br>
+            <a:endParaRPr lang="en-US" sz="1400" dirty="0"/>
+          </a:p>
+          <a:p>
+            <a:r>
+              <a:rPr lang="en-US" sz="1400" dirty="0"/>
+              <a:t>Will configure UI components will be for specific parent component or type of component (if available),</a:t>
+            </a:r>
+          </a:p>
+        </p:txBody>
+      </p:sp>
+      <p:sp>
+        <p:nvSpPr>
+          <p:cNvPr id="6" name="Rectangle 5"/>
+          <p:cNvSpPr/>
+          <p:nvPr/>
+        </p:nvSpPr>
+        <p:spPr>
+          <a:xfrm>
+            <a:off x="3632298" y="3394356"/>
+            <a:ext cx="2726267" cy="2379134"/>
+          </a:xfrm>
+          <a:prstGeom prst="rect">
+            <a:avLst/>
+          </a:prstGeom>
+          <a:ln>
+            <a:noFill/>
+          </a:ln>
+          <a:effectLst>
+            <a:outerShdw blurRad="107950" dist="12700" dir="5400000" algn="ctr">
+              <a:srgbClr val="000000"/>
+            </a:outerShdw>
+          </a:effectLst>
+          <a:scene3d>
+            <a:camera prst="orthographicFront">
+              <a:rot lat="0" lon="0" rev="0"/>
+            </a:camera>
+            <a:lightRig rig="soft" dir="t">
+              <a:rot lat="0" lon="0" rev="0"/>
+            </a:lightRig>
+          </a:scene3d>
+          <a:sp3d contourW="44450" prstMaterial="matte">
+            <a:bevelT w="63500" h="63500" prst="artDeco"/>
+            <a:contourClr>
+              <a:srgbClr val="FFFFFF"/>
+            </a:contourClr>
+          </a:sp3d>
+        </p:spPr>
+        <p:style>
+          <a:lnRef idx="2">
+            <a:schemeClr val="accent1">
+              <a:shade val="50000"/>
+            </a:schemeClr>
+          </a:lnRef>
+          <a:fillRef idx="1">
+            <a:schemeClr val="accent1"/>
+          </a:fillRef>
+          <a:effectRef idx="0">
+            <a:schemeClr val="accent1"/>
+          </a:effectRef>
+          <a:fontRef idx="minor">
+            <a:schemeClr val="lt1"/>
+          </a:fontRef>
+        </p:style>
+        <p:txBody>
+          <a:bodyPr rtlCol="0" anchor="ctr"/>
+          <a:lstStyle/>
+          <a:p>
+            <a:pPr algn="ctr"/>
+            <a:r>
+              <a:rPr lang="en-US" dirty="0" smtClean="0"/>
+              <a:t>React UI Component.</a:t>
+            </a:r>
+          </a:p>
+          <a:p>
+            <a:pPr algn="ctr"/>
+            <a:r>
+              <a:rPr lang="en-US" dirty="0" smtClean="0"/>
+              <a:t>Display some data here!</a:t>
+            </a:r>
+            <a:endParaRPr lang="en-US" dirty="0"/>
+          </a:p>
+        </p:txBody>
+      </p:sp>
+      <p:sp>
+        <p:nvSpPr>
+          <p:cNvPr id="7" name="TextBox 6"/>
+          <p:cNvSpPr txBox="1"/>
+          <p:nvPr/>
+        </p:nvSpPr>
+        <p:spPr>
+          <a:xfrm>
+            <a:off x="203200" y="2379639"/>
+            <a:ext cx="2548005" cy="307777"/>
+          </a:xfrm>
+          <a:prstGeom prst="rect">
+            <a:avLst/>
+          </a:prstGeom>
+          <a:noFill/>
+        </p:spPr>
+        <p:txBody>
+          <a:bodyPr wrap="none" rtlCol="0">
+            <a:spAutoFit/>
+          </a:bodyPr>
+          <a:lstStyle/>
+          <a:p>
+            <a:r>
+              <a:rPr lang="en-US" sz="1400" b="1" dirty="0" smtClean="0"/>
+              <a:t>Local Component dependencies</a:t>
+            </a:r>
+            <a:endParaRPr lang="en-US" sz="1400" b="1" dirty="0"/>
+          </a:p>
+        </p:txBody>
+      </p:sp>
+      <p:sp>
+        <p:nvSpPr>
+          <p:cNvPr id="8" name="TextBox 7"/>
+          <p:cNvSpPr txBox="1"/>
+          <p:nvPr/>
+        </p:nvSpPr>
+        <p:spPr>
+          <a:xfrm>
+            <a:off x="3556000" y="2379639"/>
+            <a:ext cx="2878865" cy="523220"/>
+          </a:xfrm>
+          <a:prstGeom prst="rect">
+            <a:avLst/>
+          </a:prstGeom>
+          <a:noFill/>
+        </p:spPr>
+        <p:txBody>
+          <a:bodyPr wrap="none" rtlCol="0">
+            <a:spAutoFit/>
+          </a:bodyPr>
+          <a:lstStyle/>
+          <a:p>
+            <a:r>
+              <a:rPr lang="en-US" sz="1400" b="1" dirty="0" smtClean="0"/>
+              <a:t>UI Component to display some data </a:t>
+            </a:r>
+            <a:br>
+              <a:rPr lang="en-US" sz="1400" b="1" dirty="0" smtClean="0"/>
+            </a:br>
+            <a:r>
+              <a:rPr lang="en-US" sz="1400" b="1" dirty="0" smtClean="0"/>
+              <a:t>in square (200X200) box</a:t>
+            </a:r>
+            <a:endParaRPr lang="en-US" sz="1400" b="1" dirty="0"/>
+          </a:p>
+        </p:txBody>
+      </p:sp>
+      <p:cxnSp>
+        <p:nvCxnSpPr>
+          <p:cNvPr id="10" name="Straight Connector 9"/>
+          <p:cNvCxnSpPr/>
+          <p:nvPr/>
+        </p:nvCxnSpPr>
+        <p:spPr>
+          <a:xfrm>
+            <a:off x="0" y="2236224"/>
+            <a:ext cx="12192000" cy="47198"/>
+          </a:xfrm>
+          <a:prstGeom prst="line">
+            <a:avLst/>
+          </a:prstGeom>
+        </p:spPr>
+        <p:style>
+          <a:lnRef idx="1">
+            <a:schemeClr val="accent1"/>
+          </a:lnRef>
+          <a:fillRef idx="0">
+            <a:schemeClr val="accent1"/>
+          </a:fillRef>
+          <a:effectRef idx="0">
+            <a:schemeClr val="accent1"/>
+          </a:effectRef>
+          <a:fontRef idx="minor">
+            <a:schemeClr val="tx1"/>
+          </a:fontRef>
+        </p:style>
+      </p:cxnSp>
+      <p:cxnSp>
+        <p:nvCxnSpPr>
+          <p:cNvPr id="15" name="Straight Connector 14"/>
+          <p:cNvCxnSpPr/>
+          <p:nvPr/>
+        </p:nvCxnSpPr>
+        <p:spPr>
+          <a:xfrm>
+            <a:off x="0" y="2928279"/>
+            <a:ext cx="12192000" cy="47198"/>
+          </a:xfrm>
+          <a:prstGeom prst="line">
+            <a:avLst/>
+          </a:prstGeom>
+        </p:spPr>
+        <p:style>
+          <a:lnRef idx="1">
+            <a:schemeClr val="accent1"/>
+          </a:lnRef>
+          <a:fillRef idx="0">
+            <a:schemeClr val="accent1"/>
+          </a:fillRef>
+          <a:effectRef idx="0">
+            <a:schemeClr val="accent1"/>
+          </a:effectRef>
+          <a:fontRef idx="minor">
+            <a:schemeClr val="tx1"/>
+          </a:fontRef>
+        </p:style>
+      </p:cxnSp>
+      <p:sp>
+        <p:nvSpPr>
+          <p:cNvPr id="16" name="TextBox 15"/>
+          <p:cNvSpPr txBox="1"/>
+          <p:nvPr/>
+        </p:nvSpPr>
+        <p:spPr>
+          <a:xfrm>
+            <a:off x="8094134" y="2379639"/>
+            <a:ext cx="3886385" cy="523220"/>
+          </a:xfrm>
+          <a:prstGeom prst="rect">
+            <a:avLst/>
+          </a:prstGeom>
+          <a:noFill/>
+        </p:spPr>
+        <p:txBody>
+          <a:bodyPr wrap="none" rtlCol="0">
+            <a:spAutoFit/>
+          </a:bodyPr>
+          <a:lstStyle/>
+          <a:p>
+            <a:r>
+              <a:rPr lang="en-US" sz="1400" b="1" dirty="0" smtClean="0"/>
+              <a:t>UI Component configuration for style, UI and data</a:t>
+            </a:r>
+          </a:p>
+          <a:p>
+            <a:r>
+              <a:rPr lang="en-US" sz="1400" b="1" dirty="0" smtClean="0"/>
+              <a:t>In JSON format from API</a:t>
+            </a:r>
+            <a:endParaRPr lang="en-US" sz="1400" b="1" dirty="0"/>
+          </a:p>
+        </p:txBody>
+      </p:sp>
+      <p:sp>
+        <p:nvSpPr>
+          <p:cNvPr id="18" name="TextBox 17"/>
+          <p:cNvSpPr txBox="1"/>
+          <p:nvPr/>
+        </p:nvSpPr>
+        <p:spPr>
+          <a:xfrm>
+            <a:off x="203200" y="3976476"/>
+            <a:ext cx="1658916" cy="923330"/>
+          </a:xfrm>
+          <a:prstGeom prst="rect">
+            <a:avLst/>
+          </a:prstGeom>
+          <a:noFill/>
+        </p:spPr>
+        <p:txBody>
+          <a:bodyPr wrap="none" rtlCol="0">
+            <a:spAutoFit/>
+          </a:bodyPr>
+          <a:lstStyle/>
+          <a:p>
+            <a:pPr marL="342900" indent="-342900">
+              <a:buFont typeface="Arial" panose="020B0604020202020204" pitchFamily="34" charset="0"/>
+              <a:buChar char="•"/>
+            </a:pPr>
+            <a:r>
+              <a:rPr lang="en-US" dirty="0" smtClean="0"/>
+              <a:t>Style</a:t>
+            </a:r>
+          </a:p>
+          <a:p>
+            <a:pPr marL="342900" indent="-342900">
+              <a:buFont typeface="Arial" panose="020B0604020202020204" pitchFamily="34" charset="0"/>
+              <a:buChar char="•"/>
+            </a:pPr>
+            <a:r>
+              <a:rPr lang="en-US" dirty="0" smtClean="0"/>
+              <a:t>UI elements</a:t>
+            </a:r>
+          </a:p>
+          <a:p>
+            <a:pPr marL="342900" indent="-342900">
+              <a:buFont typeface="Arial" panose="020B0604020202020204" pitchFamily="34" charset="0"/>
+              <a:buChar char="•"/>
+            </a:pPr>
+            <a:r>
+              <a:rPr lang="en-US" dirty="0" smtClean="0"/>
+              <a:t>Data</a:t>
+            </a:r>
+            <a:endParaRPr lang="en-US" dirty="0"/>
+          </a:p>
+        </p:txBody>
+      </p:sp>
+      <p:sp>
+        <p:nvSpPr>
+          <p:cNvPr id="19" name="TextBox 18"/>
+          <p:cNvSpPr txBox="1"/>
+          <p:nvPr/>
+        </p:nvSpPr>
+        <p:spPr>
+          <a:xfrm>
+            <a:off x="8094134" y="3752033"/>
+            <a:ext cx="3079497" cy="923330"/>
+          </a:xfrm>
+          <a:prstGeom prst="rect">
+            <a:avLst/>
+          </a:prstGeom>
+          <a:noFill/>
+        </p:spPr>
+        <p:txBody>
+          <a:bodyPr wrap="none" rtlCol="0">
+            <a:spAutoFit/>
+          </a:bodyPr>
+          <a:lstStyle/>
+          <a:p>
+            <a:pPr marL="285750" indent="-285750">
+              <a:buFont typeface="Arial" panose="020B0604020202020204" pitchFamily="34" charset="0"/>
+              <a:buChar char="•"/>
+            </a:pPr>
+            <a:r>
+              <a:rPr lang="en-US" dirty="0" smtClean="0"/>
+              <a:t>Style Configuration</a:t>
+            </a:r>
+          </a:p>
+          <a:p>
+            <a:pPr marL="285750" indent="-285750">
+              <a:buFont typeface="Arial" panose="020B0604020202020204" pitchFamily="34" charset="0"/>
+              <a:buChar char="•"/>
+            </a:pPr>
+            <a:r>
+              <a:rPr lang="en-US" dirty="0" smtClean="0"/>
+              <a:t>UI Elements &amp; feature flags </a:t>
+            </a:r>
+          </a:p>
+          <a:p>
+            <a:pPr marL="285750" indent="-285750">
+              <a:buFont typeface="Arial" panose="020B0604020202020204" pitchFamily="34" charset="0"/>
+              <a:buChar char="•"/>
+            </a:pPr>
+            <a:r>
+              <a:rPr lang="en-US" dirty="0" smtClean="0"/>
+              <a:t>Data or data source </a:t>
+            </a:r>
+            <a:endParaRPr lang="en-US" dirty="0"/>
+          </a:p>
+        </p:txBody>
+      </p:sp>
+      <p:sp>
+        <p:nvSpPr>
+          <p:cNvPr id="24" name="Rectangle 23"/>
+          <p:cNvSpPr/>
+          <p:nvPr/>
+        </p:nvSpPr>
+        <p:spPr>
+          <a:xfrm>
+            <a:off x="7996843" y="3394356"/>
+            <a:ext cx="3275215" cy="2379134"/>
+          </a:xfrm>
+          <a:prstGeom prst="rect">
+            <a:avLst/>
+          </a:prstGeom>
+          <a:noFill/>
+        </p:spPr>
+        <p:style>
+          <a:lnRef idx="2">
+            <a:schemeClr val="accent1">
+              <a:shade val="50000"/>
+            </a:schemeClr>
+          </a:lnRef>
+          <a:fillRef idx="1">
+            <a:schemeClr val="accent1"/>
+          </a:fillRef>
+          <a:effectRef idx="0">
+            <a:schemeClr val="accent1"/>
+          </a:effectRef>
+          <a:fontRef idx="minor">
+            <a:schemeClr val="lt1"/>
+          </a:fontRef>
+        </p:style>
+        <p:txBody>
+          <a:bodyPr rtlCol="0" anchor="ctr"/>
+          <a:lstStyle/>
+          <a:p>
+            <a:pPr algn="ctr"/>
+            <a:endParaRPr lang="en-US"/>
+          </a:p>
+        </p:txBody>
+      </p:sp>
+      <p:cxnSp>
+        <p:nvCxnSpPr>
+          <p:cNvPr id="29" name="Straight Arrow Connector 28"/>
+          <p:cNvCxnSpPr/>
+          <p:nvPr/>
+        </p:nvCxnSpPr>
+        <p:spPr>
+          <a:xfrm flipH="1">
+            <a:off x="9526385" y="2975477"/>
+            <a:ext cx="8313" cy="418879"/>
+          </a:xfrm>
+          <a:prstGeom prst="straightConnector1">
+            <a:avLst/>
+          </a:prstGeom>
+          <a:ln>
+            <a:tailEnd type="triangle"/>
+          </a:ln>
+        </p:spPr>
+        <p:style>
+          <a:lnRef idx="1">
+            <a:schemeClr val="accent1"/>
+          </a:lnRef>
+          <a:fillRef idx="0">
+            <a:schemeClr val="accent1"/>
+          </a:fillRef>
+          <a:effectRef idx="0">
+            <a:schemeClr val="accent1"/>
+          </a:effectRef>
+          <a:fontRef idx="minor">
+            <a:schemeClr val="tx1"/>
+          </a:fontRef>
+        </p:style>
+      </p:cxnSp>
+      <p:cxnSp>
+        <p:nvCxnSpPr>
+          <p:cNvPr id="30" name="Straight Arrow Connector 29"/>
+          <p:cNvCxnSpPr/>
+          <p:nvPr/>
+        </p:nvCxnSpPr>
+        <p:spPr>
+          <a:xfrm flipH="1">
+            <a:off x="1133301" y="2931050"/>
+            <a:ext cx="8313" cy="418879"/>
+          </a:xfrm>
+          <a:prstGeom prst="straightConnector1">
+            <a:avLst/>
+          </a:prstGeom>
+          <a:ln>
+            <a:tailEnd type="triangle"/>
+          </a:ln>
+        </p:spPr>
+        <p:style>
+          <a:lnRef idx="1">
+            <a:schemeClr val="accent3"/>
+          </a:lnRef>
+          <a:fillRef idx="0">
+            <a:schemeClr val="accent3"/>
+          </a:fillRef>
+          <a:effectRef idx="0">
+            <a:schemeClr val="accent3"/>
+          </a:effectRef>
+          <a:fontRef idx="minor">
+            <a:schemeClr val="tx1"/>
+          </a:fontRef>
+        </p:style>
+      </p:cxnSp>
+      <p:sp>
+        <p:nvSpPr>
+          <p:cNvPr id="31" name="Rectangle 30"/>
+          <p:cNvSpPr/>
+          <p:nvPr/>
+        </p:nvSpPr>
+        <p:spPr>
+          <a:xfrm>
+            <a:off x="180107" y="3394356"/>
+            <a:ext cx="1680873" cy="2379134"/>
+          </a:xfrm>
+          <a:prstGeom prst="rect">
+            <a:avLst/>
+          </a:prstGeom>
+          <a:noFill/>
+          <a:ln>
+            <a:solidFill>
+              <a:schemeClr val="tx1">
+                <a:lumMod val="50000"/>
+                <a:lumOff val="50000"/>
+              </a:schemeClr>
+            </a:solidFill>
+          </a:ln>
+        </p:spPr>
+        <p:style>
+          <a:lnRef idx="2">
+            <a:schemeClr val="accent1">
+              <a:shade val="50000"/>
+            </a:schemeClr>
+          </a:lnRef>
+          <a:fillRef idx="1">
+            <a:schemeClr val="accent1"/>
+          </a:fillRef>
+          <a:effectRef idx="0">
+            <a:schemeClr val="accent1"/>
+          </a:effectRef>
+          <a:fontRef idx="minor">
+            <a:schemeClr val="lt1"/>
+          </a:fontRef>
+        </p:style>
+        <p:txBody>
+          <a:bodyPr rtlCol="0" anchor="ctr"/>
+          <a:lstStyle/>
+          <a:p>
+            <a:pPr algn="ctr"/>
+            <a:endParaRPr lang="en-US"/>
+          </a:p>
+        </p:txBody>
+      </p:sp>
+      <p:cxnSp>
+        <p:nvCxnSpPr>
+          <p:cNvPr id="33" name="Straight Connector 32"/>
+          <p:cNvCxnSpPr/>
+          <p:nvPr/>
+        </p:nvCxnSpPr>
+        <p:spPr>
+          <a:xfrm flipH="1">
+            <a:off x="3141133" y="2356040"/>
+            <a:ext cx="8313" cy="523220"/>
+          </a:xfrm>
+          <a:prstGeom prst="line">
+            <a:avLst/>
+          </a:prstGeom>
+        </p:spPr>
+        <p:style>
+          <a:lnRef idx="1">
+            <a:schemeClr val="accent1"/>
+          </a:lnRef>
+          <a:fillRef idx="0">
+            <a:schemeClr val="accent1"/>
+          </a:fillRef>
+          <a:effectRef idx="0">
+            <a:schemeClr val="accent1"/>
+          </a:effectRef>
+          <a:fontRef idx="minor">
+            <a:schemeClr val="tx1"/>
+          </a:fontRef>
+        </p:style>
+      </p:cxnSp>
+      <p:cxnSp>
+        <p:nvCxnSpPr>
+          <p:cNvPr id="34" name="Straight Connector 33"/>
+          <p:cNvCxnSpPr/>
+          <p:nvPr/>
+        </p:nvCxnSpPr>
+        <p:spPr>
+          <a:xfrm flipH="1">
+            <a:off x="7391707" y="2357935"/>
+            <a:ext cx="8313" cy="523220"/>
+          </a:xfrm>
+          <a:prstGeom prst="line">
+            <a:avLst/>
+          </a:prstGeom>
+        </p:spPr>
+        <p:style>
+          <a:lnRef idx="1">
+            <a:schemeClr val="accent1"/>
+          </a:lnRef>
+          <a:fillRef idx="0">
+            <a:schemeClr val="accent1"/>
+          </a:fillRef>
+          <a:effectRef idx="0">
+            <a:schemeClr val="accent1"/>
+          </a:effectRef>
+          <a:fontRef idx="minor">
+            <a:schemeClr val="tx1"/>
+          </a:fontRef>
+        </p:style>
+      </p:cxnSp>
+      <p:sp>
+        <p:nvSpPr>
+          <p:cNvPr id="35" name="Explosion 1 34"/>
+          <p:cNvSpPr/>
+          <p:nvPr/>
+        </p:nvSpPr>
+        <p:spPr>
+          <a:xfrm>
+            <a:off x="6600305" y="2259823"/>
+            <a:ext cx="1550892" cy="1410393"/>
+          </a:xfrm>
+          <a:prstGeom prst="irregularSeal1">
+            <a:avLst/>
+          </a:prstGeom>
+        </p:spPr>
+        <p:style>
+          <a:lnRef idx="2">
+            <a:schemeClr val="accent1">
+              <a:shade val="50000"/>
+            </a:schemeClr>
+          </a:lnRef>
+          <a:fillRef idx="1">
+            <a:schemeClr val="accent1"/>
+          </a:fillRef>
+          <a:effectRef idx="0">
+            <a:schemeClr val="accent1"/>
+          </a:effectRef>
+          <a:fontRef idx="minor">
+            <a:schemeClr val="lt1"/>
+          </a:fontRef>
+        </p:style>
+        <p:txBody>
+          <a:bodyPr rtlCol="0" anchor="ctr"/>
+          <a:lstStyle/>
+          <a:p>
+            <a:pPr algn="ctr"/>
+            <a:r>
+              <a:rPr lang="en-US" sz="1200" b="1" dirty="0" smtClean="0"/>
+              <a:t>New </a:t>
+            </a:r>
+          </a:p>
+          <a:p>
+            <a:pPr algn="ctr"/>
+            <a:r>
+              <a:rPr lang="en-US" sz="1200" b="1" dirty="0" smtClean="0"/>
+              <a:t>Approach</a:t>
+            </a:r>
+            <a:endParaRPr lang="en-US" sz="1200" b="1" dirty="0"/>
+          </a:p>
+        </p:txBody>
+      </p:sp>
+      <p:sp>
+        <p:nvSpPr>
+          <p:cNvPr id="36" name="Explosion 1 35"/>
+          <p:cNvSpPr/>
+          <p:nvPr/>
+        </p:nvSpPr>
+        <p:spPr>
+          <a:xfrm>
+            <a:off x="1802936" y="2975477"/>
+            <a:ext cx="1550892" cy="1410393"/>
+          </a:xfrm>
+          <a:prstGeom prst="irregularSeal1">
+            <a:avLst/>
+          </a:prstGeom>
+          <a:solidFill>
+            <a:schemeClr val="bg2">
+              <a:lumMod val="50000"/>
+            </a:schemeClr>
+          </a:solidFill>
+          <a:ln>
+            <a:noFill/>
+          </a:ln>
+        </p:spPr>
+        <p:style>
+          <a:lnRef idx="2">
+            <a:schemeClr val="accent1">
+              <a:shade val="50000"/>
+            </a:schemeClr>
+          </a:lnRef>
+          <a:fillRef idx="1">
+            <a:schemeClr val="accent1"/>
+          </a:fillRef>
+          <a:effectRef idx="0">
+            <a:schemeClr val="accent1"/>
+          </a:effectRef>
+          <a:fontRef idx="minor">
+            <a:schemeClr val="lt1"/>
+          </a:fontRef>
+        </p:style>
+        <p:txBody>
+          <a:bodyPr rtlCol="0" anchor="ctr"/>
+          <a:lstStyle/>
+          <a:p>
+            <a:pPr algn="ctr"/>
+            <a:r>
+              <a:rPr lang="en-US" sz="1200" b="1" dirty="0" smtClean="0">
+                <a:solidFill>
+                  <a:schemeClr val="bg1"/>
+                </a:solidFill>
+              </a:rPr>
+              <a:t>Regular </a:t>
+            </a:r>
+          </a:p>
+          <a:p>
+            <a:pPr algn="ctr"/>
+            <a:r>
+              <a:rPr lang="en-US" sz="1200" b="1" dirty="0" smtClean="0">
+                <a:solidFill>
+                  <a:schemeClr val="bg1"/>
+                </a:solidFill>
+              </a:rPr>
+              <a:t>Approach</a:t>
+            </a:r>
+            <a:endParaRPr lang="en-US" sz="1200" b="1" dirty="0">
+              <a:solidFill>
+                <a:schemeClr val="bg1"/>
+              </a:solidFill>
+            </a:endParaRPr>
+          </a:p>
+        </p:txBody>
+      </p:sp>
+      <p:sp>
+        <p:nvSpPr>
+          <p:cNvPr id="37" name="TextBox 36"/>
+          <p:cNvSpPr txBox="1"/>
+          <p:nvPr/>
+        </p:nvSpPr>
+        <p:spPr>
+          <a:xfrm>
+            <a:off x="3632299" y="6126472"/>
+            <a:ext cx="2726266" cy="369332"/>
+          </a:xfrm>
+          <a:prstGeom prst="rect">
+            <a:avLst/>
+          </a:prstGeom>
+          <a:noFill/>
+          <a:ln>
+            <a:solidFill>
+              <a:schemeClr val="tx1">
+                <a:lumMod val="65000"/>
+                <a:lumOff val="35000"/>
+              </a:schemeClr>
+            </a:solidFill>
+          </a:ln>
+        </p:spPr>
+        <p:txBody>
+          <a:bodyPr wrap="square" rtlCol="0">
+            <a:spAutoFit/>
+          </a:bodyPr>
+          <a:lstStyle/>
+          <a:p>
+            <a:r>
+              <a:rPr lang="en-US" dirty="0" smtClean="0"/>
+              <a:t>State / Props / API call</a:t>
+            </a:r>
+          </a:p>
+        </p:txBody>
+      </p:sp>
+      <p:cxnSp>
+        <p:nvCxnSpPr>
+          <p:cNvPr id="44" name="Elbow Connector 43"/>
+          <p:cNvCxnSpPr>
+            <a:stCxn id="31" idx="3"/>
+            <a:endCxn id="37" idx="1"/>
+          </p:cNvCxnSpPr>
+          <p:nvPr/>
+        </p:nvCxnSpPr>
+        <p:spPr>
+          <a:xfrm>
+            <a:off x="1860980" y="4583923"/>
+            <a:ext cx="1771319" cy="1727215"/>
+          </a:xfrm>
+          <a:prstGeom prst="bentConnector3">
+            <a:avLst/>
+          </a:prstGeom>
+          <a:ln>
+            <a:tailEnd type="triangle"/>
+          </a:ln>
+        </p:spPr>
+        <p:style>
+          <a:lnRef idx="1">
+            <a:schemeClr val="accent1"/>
+          </a:lnRef>
+          <a:fillRef idx="0">
+            <a:schemeClr val="accent1"/>
+          </a:fillRef>
+          <a:effectRef idx="0">
+            <a:schemeClr val="accent1"/>
+          </a:effectRef>
+          <a:fontRef idx="minor">
+            <a:schemeClr val="tx1"/>
+          </a:fontRef>
+        </p:style>
+      </p:cxnSp>
+      <p:cxnSp>
+        <p:nvCxnSpPr>
+          <p:cNvPr id="46" name="Straight Arrow Connector 45"/>
+          <p:cNvCxnSpPr>
+            <a:stCxn id="37" idx="0"/>
+            <a:endCxn id="6" idx="2"/>
+          </p:cNvCxnSpPr>
+          <p:nvPr/>
+        </p:nvCxnSpPr>
+        <p:spPr>
+          <a:xfrm flipV="1">
+            <a:off x="4995432" y="5773490"/>
+            <a:ext cx="0" cy="352982"/>
+          </a:xfrm>
+          <a:prstGeom prst="straightConnector1">
+            <a:avLst/>
+          </a:prstGeom>
+          <a:ln>
+            <a:tailEnd type="triangle"/>
+          </a:ln>
+        </p:spPr>
+        <p:style>
+          <a:lnRef idx="1">
+            <a:schemeClr val="accent1"/>
+          </a:lnRef>
+          <a:fillRef idx="0">
+            <a:schemeClr val="accent1"/>
+          </a:fillRef>
+          <a:effectRef idx="0">
+            <a:schemeClr val="accent1"/>
+          </a:effectRef>
+          <a:fontRef idx="minor">
+            <a:schemeClr val="tx1"/>
+          </a:fontRef>
+        </p:style>
+      </p:cxnSp>
+      <p:cxnSp>
+        <p:nvCxnSpPr>
+          <p:cNvPr id="48" name="Elbow Connector 47"/>
+          <p:cNvCxnSpPr>
+            <a:stCxn id="24" idx="1"/>
+            <a:endCxn id="37" idx="3"/>
+          </p:cNvCxnSpPr>
+          <p:nvPr/>
+        </p:nvCxnSpPr>
+        <p:spPr>
+          <a:xfrm rot="10800000" flipV="1">
+            <a:off x="6358565" y="4583922"/>
+            <a:ext cx="1638278" cy="1727215"/>
+          </a:xfrm>
+          <a:prstGeom prst="bentConnector3">
+            <a:avLst/>
+          </a:prstGeom>
+          <a:ln>
+            <a:tailEnd type="triangle"/>
+          </a:ln>
+        </p:spPr>
+        <p:style>
+          <a:lnRef idx="1">
+            <a:schemeClr val="accent1"/>
+          </a:lnRef>
+          <a:fillRef idx="0">
+            <a:schemeClr val="accent1"/>
+          </a:fillRef>
+          <a:effectRef idx="0">
+            <a:schemeClr val="accent1"/>
+          </a:effectRef>
+          <a:fontRef idx="minor">
+            <a:schemeClr val="tx1"/>
+          </a:fontRef>
+        </p:style>
+      </p:cxnSp>
+    </p:spTree>
+    <p:extLst>
+      <p:ext uri="{BB962C8B-B14F-4D97-AF65-F5344CB8AC3E}">
+        <p14:creationId xmlns:p14="http://schemas.microsoft.com/office/powerpoint/2010/main" val="1853284130"/>
+      </p:ext>
+    </p:extLst>
+  </p:cSld>
+  <p:clrMapOvr>
+    <a:masterClrMapping/>
+  </p:clrMapOvr>
+</p:sld>
+</file>
+
+<file path=ppt/slides/slide8.xml><?xml version="1.0" encoding="utf-8"?>
+<p:sld xmlns:a="http://schemas.openxmlformats.org/drawingml/2006/main" xmlns:r="http://schemas.openxmlformats.org/officeDocument/2006/relationships" xmlns:p="http://schemas.openxmlformats.org/presentationml/2006/main">
+  <p:cSld>
+    <p:spTree>
+      <p:nvGrpSpPr>
+        <p:cNvPr id="1" name=""/>
+        <p:cNvGrpSpPr/>
+        <p:nvPr/>
+      </p:nvGrpSpPr>
+      <p:grpSpPr>
+        <a:xfrm>
+          <a:off x="0" y="0"/>
+          <a:ext cx="0" cy="0"/>
+          <a:chOff x="0" y="0"/>
+          <a:chExt cx="0" cy="0"/>
+        </a:xfrm>
+      </p:grpSpPr>
+      <p:sp>
+        <p:nvSpPr>
           <p:cNvPr id="2" name="Title 1"/>
           <p:cNvSpPr>
             <a:spLocks noGrp="1"/>
@@ -6478,8 +7398,8 @@
         </p:nvSpPr>
         <p:spPr>
           <a:xfrm>
-            <a:off x="0" y="-199511"/>
-            <a:ext cx="10515600" cy="1325563"/>
+            <a:off x="249381" y="123717"/>
+            <a:ext cx="10374284" cy="548190"/>
           </a:xfrm>
         </p:spPr>
         <p:txBody>
@@ -6490,7 +7410,15 @@
           <a:p>
             <a:r>
               <a:rPr lang="en-US" sz="2200" b="1" dirty="0" smtClean="0"/>
-              <a:t>Notification CMS/Control panel </a:t>
+              <a:t>Notification </a:t>
+            </a:r>
+            <a:r>
+              <a:rPr lang="en-US" sz="2200" b="1" dirty="0" smtClean="0"/>
+              <a:t>Style/UI CMS/Control </a:t>
+            </a:r>
+            <a:r>
+              <a:rPr lang="en-US" sz="2200" b="1" dirty="0" smtClean="0"/>
+              <a:t>panel </a:t>
             </a:r>
             <a:endParaRPr lang="en-US" sz="2200" b="1" dirty="0"/>
           </a:p>
@@ -6512,8 +7440,8 @@
         </p:blipFill>
         <p:spPr>
           <a:xfrm>
-            <a:off x="168956" y="3415516"/>
-            <a:ext cx="5819048" cy="3219048"/>
+            <a:off x="292138" y="3902661"/>
+            <a:ext cx="5290044" cy="2926407"/>
           </a:xfrm>
           <a:prstGeom prst="rect">
             <a:avLst/>
@@ -6536,8 +7464,8 @@
         </p:blipFill>
         <p:spPr>
           <a:xfrm>
-            <a:off x="149909" y="1232230"/>
-            <a:ext cx="5838095" cy="819048"/>
+            <a:off x="273957" y="1610284"/>
+            <a:ext cx="5307359" cy="744589"/>
           </a:xfrm>
           <a:prstGeom prst="rect">
             <a:avLst/>
@@ -6552,8 +7480,8 @@
         </p:nvSpPr>
         <p:spPr>
           <a:xfrm>
-            <a:off x="168956" y="934014"/>
-            <a:ext cx="3177216" cy="369332"/>
+            <a:off x="260397" y="1349649"/>
+            <a:ext cx="3177216" cy="338554"/>
           </a:xfrm>
           <a:prstGeom prst="rect">
             <a:avLst/>
@@ -6566,14 +7494,14 @@
           <a:lstStyle/>
           <a:p>
             <a:r>
-              <a:rPr lang="en-US" dirty="0"/>
+              <a:rPr lang="en-US" sz="1600" dirty="0"/>
               <a:t>Notification </a:t>
             </a:r>
             <a:r>
-              <a:rPr lang="en-US" dirty="0" smtClean="0"/>
-              <a:t>States</a:t>
-            </a:r>
-            <a:endParaRPr lang="en-US" dirty="0"/>
+              <a:rPr lang="en-US" sz="1600" dirty="0" smtClean="0"/>
+              <a:t>States / types</a:t>
+            </a:r>
+            <a:endParaRPr lang="en-US" sz="1600" dirty="0"/>
           </a:p>
         </p:txBody>
       </p:sp>
@@ -6585,8 +7513,8 @@
         </p:nvSpPr>
         <p:spPr>
           <a:xfrm>
-            <a:off x="1330038" y="2207649"/>
-            <a:ext cx="856210" cy="207501"/>
+            <a:off x="1188718" y="2557905"/>
+            <a:ext cx="856210" cy="188637"/>
           </a:xfrm>
           <a:prstGeom prst="rect">
             <a:avLst/>
@@ -6656,8 +7584,8 @@
         </p:nvSpPr>
         <p:spPr>
           <a:xfrm>
-            <a:off x="349134" y="1961368"/>
-            <a:ext cx="980903" cy="1402563"/>
+            <a:off x="207814" y="2365945"/>
+            <a:ext cx="980903" cy="1275057"/>
           </a:xfrm>
           <a:prstGeom prst="rect">
             <a:avLst/>
@@ -6712,8 +7640,8 @@
         </p:nvSpPr>
         <p:spPr>
           <a:xfrm>
-            <a:off x="2374705" y="2207648"/>
-            <a:ext cx="856210" cy="207501"/>
+            <a:off x="2233385" y="2557904"/>
+            <a:ext cx="856210" cy="188637"/>
           </a:xfrm>
           <a:prstGeom prst="rect">
             <a:avLst/>
@@ -6783,8 +7711,8 @@
         </p:nvSpPr>
         <p:spPr>
           <a:xfrm>
-            <a:off x="3419373" y="2207648"/>
-            <a:ext cx="856210" cy="207501"/>
+            <a:off x="3278053" y="2557904"/>
+            <a:ext cx="856210" cy="188637"/>
           </a:xfrm>
           <a:prstGeom prst="rect">
             <a:avLst/>
@@ -6854,8 +7782,8 @@
         </p:nvSpPr>
         <p:spPr>
           <a:xfrm>
-            <a:off x="1330038" y="2703498"/>
-            <a:ext cx="856210" cy="207501"/>
+            <a:off x="1188718" y="3053754"/>
+            <a:ext cx="856210" cy="188637"/>
           </a:xfrm>
           <a:prstGeom prst="rect">
             <a:avLst/>
@@ -6925,8 +7853,8 @@
         </p:nvSpPr>
         <p:spPr>
           <a:xfrm>
-            <a:off x="2374705" y="2702831"/>
-            <a:ext cx="856210" cy="207501"/>
+            <a:off x="2233385" y="3053087"/>
+            <a:ext cx="856210" cy="188637"/>
           </a:xfrm>
           <a:prstGeom prst="rect">
             <a:avLst/>
@@ -6996,8 +7924,8 @@
         </p:nvSpPr>
         <p:spPr>
           <a:xfrm>
-            <a:off x="3431264" y="2702830"/>
-            <a:ext cx="856210" cy="207501"/>
+            <a:off x="3289944" y="3053086"/>
+            <a:ext cx="856210" cy="188637"/>
           </a:xfrm>
           <a:prstGeom prst="rect">
             <a:avLst/>
@@ -7067,8 +7995,8 @@
         </p:nvSpPr>
         <p:spPr>
           <a:xfrm>
-            <a:off x="1332807" y="3121912"/>
-            <a:ext cx="856210" cy="207501"/>
+            <a:off x="1191487" y="3472168"/>
+            <a:ext cx="856210" cy="188637"/>
           </a:xfrm>
           <a:prstGeom prst="rect">
             <a:avLst/>
@@ -7138,8 +8066,8 @@
         </p:nvSpPr>
         <p:spPr>
           <a:xfrm>
-            <a:off x="2377474" y="3121245"/>
-            <a:ext cx="856210" cy="207501"/>
+            <a:off x="2236154" y="3471501"/>
+            <a:ext cx="856210" cy="188637"/>
           </a:xfrm>
           <a:prstGeom prst="rect">
             <a:avLst/>
@@ -7209,8 +8137,8 @@
         </p:nvSpPr>
         <p:spPr>
           <a:xfrm>
-            <a:off x="3434033" y="3121244"/>
-            <a:ext cx="856210" cy="207501"/>
+            <a:off x="3292713" y="3471500"/>
+            <a:ext cx="856210" cy="188637"/>
           </a:xfrm>
           <a:prstGeom prst="rect">
             <a:avLst/>
@@ -7280,8 +8208,8 @@
         </p:nvSpPr>
         <p:spPr>
           <a:xfrm>
-            <a:off x="1236994" y="2017077"/>
-            <a:ext cx="461986" cy="168172"/>
+            <a:off x="1095674" y="2365545"/>
+            <a:ext cx="461986" cy="152884"/>
           </a:xfrm>
           <a:prstGeom prst="rect">
             <a:avLst/>
@@ -7310,8 +8238,8 @@
         </p:nvSpPr>
         <p:spPr>
           <a:xfrm>
-            <a:off x="2298288" y="2003522"/>
-            <a:ext cx="505267" cy="184989"/>
+            <a:off x="2156968" y="2352754"/>
+            <a:ext cx="505267" cy="168172"/>
           </a:xfrm>
           <a:prstGeom prst="rect">
             <a:avLst/>
@@ -7340,8 +8268,8 @@
         </p:nvSpPr>
         <p:spPr>
           <a:xfrm>
-            <a:off x="3321446" y="2011834"/>
-            <a:ext cx="503052" cy="184989"/>
+            <a:off x="3180126" y="2361066"/>
+            <a:ext cx="503052" cy="168172"/>
           </a:xfrm>
           <a:prstGeom prst="rect">
             <a:avLst/>
@@ -7370,8 +8298,8 @@
         </p:nvSpPr>
         <p:spPr>
           <a:xfrm>
-            <a:off x="1231449" y="2510297"/>
-            <a:ext cx="461986" cy="168172"/>
+            <a:off x="1090129" y="2858765"/>
+            <a:ext cx="461986" cy="152884"/>
           </a:xfrm>
           <a:prstGeom prst="rect">
             <a:avLst/>
@@ -7400,8 +8328,8 @@
         </p:nvSpPr>
         <p:spPr>
           <a:xfrm>
-            <a:off x="2292743" y="2496742"/>
-            <a:ext cx="505267" cy="246221"/>
+            <a:off x="2151423" y="2848758"/>
+            <a:ext cx="505267" cy="223837"/>
           </a:xfrm>
           <a:prstGeom prst="rect">
             <a:avLst/>
@@ -7430,8 +8358,8 @@
         </p:nvSpPr>
         <p:spPr>
           <a:xfrm>
-            <a:off x="3332527" y="2505054"/>
-            <a:ext cx="527709" cy="246221"/>
+            <a:off x="3191207" y="2857070"/>
+            <a:ext cx="527709" cy="223837"/>
           </a:xfrm>
           <a:prstGeom prst="rect">
             <a:avLst/>
@@ -7460,8 +8388,8 @@
         </p:nvSpPr>
         <p:spPr>
           <a:xfrm>
-            <a:off x="1225905" y="2945327"/>
-            <a:ext cx="461986" cy="168172"/>
+            <a:off x="1084585" y="3293795"/>
+            <a:ext cx="461986" cy="152884"/>
           </a:xfrm>
           <a:prstGeom prst="rect">
             <a:avLst/>
@@ -7490,8 +8418,8 @@
         </p:nvSpPr>
         <p:spPr>
           <a:xfrm>
-            <a:off x="2287199" y="2931772"/>
-            <a:ext cx="388248" cy="246221"/>
+            <a:off x="2145879" y="3283788"/>
+            <a:ext cx="388248" cy="223837"/>
           </a:xfrm>
           <a:prstGeom prst="rect">
             <a:avLst/>
@@ -7520,8 +8448,8 @@
         </p:nvSpPr>
         <p:spPr>
           <a:xfrm>
-            <a:off x="3326983" y="2940084"/>
-            <a:ext cx="437940" cy="246221"/>
+            <a:off x="3185663" y="3292100"/>
+            <a:ext cx="437940" cy="223837"/>
           </a:xfrm>
           <a:prstGeom prst="rect">
             <a:avLst/>
@@ -7542,6 +8470,285 @@
           </a:p>
         </p:txBody>
       </p:sp>
+      <p:sp>
+        <p:nvSpPr>
+          <p:cNvPr id="3" name="TextBox 2"/>
+          <p:cNvSpPr txBox="1"/>
+          <p:nvPr/>
+        </p:nvSpPr>
+        <p:spPr>
+          <a:xfrm>
+            <a:off x="260397" y="617602"/>
+            <a:ext cx="11402360" cy="523220"/>
+          </a:xfrm>
+          <a:prstGeom prst="rect">
+            <a:avLst/>
+          </a:prstGeom>
+          <a:noFill/>
+        </p:spPr>
+        <p:txBody>
+          <a:bodyPr wrap="square" rtlCol="0">
+            <a:spAutoFit/>
+          </a:bodyPr>
+          <a:lstStyle/>
+          <a:p>
+            <a:r>
+              <a:rPr lang="en-US" sz="1400" dirty="0" smtClean="0"/>
+              <a:t>Will configure UI components will be for specific parent component or type of component (if available), in case of toast will configure every type of toast and in CMS. Will provide type based selection to modify toast style, UI and data.</a:t>
+            </a:r>
+            <a:endParaRPr lang="en-US" sz="1400" dirty="0"/>
+          </a:p>
+        </p:txBody>
+      </p:sp>
+      <p:sp>
+        <p:nvSpPr>
+          <p:cNvPr id="29" name="TextBox 28"/>
+          <p:cNvSpPr txBox="1"/>
+          <p:nvPr/>
+        </p:nvSpPr>
+        <p:spPr>
+          <a:xfrm>
+            <a:off x="8019320" y="2007877"/>
+            <a:ext cx="3079497" cy="1754326"/>
+          </a:xfrm>
+          <a:prstGeom prst="rect">
+            <a:avLst/>
+          </a:prstGeom>
+          <a:solidFill>
+            <a:schemeClr val="accent1">
+              <a:lumMod val="20000"/>
+              <a:lumOff val="80000"/>
+            </a:schemeClr>
+          </a:solidFill>
+        </p:spPr>
+        <p:txBody>
+          <a:bodyPr wrap="none" rtlCol="0">
+            <a:spAutoFit/>
+          </a:bodyPr>
+          <a:lstStyle/>
+          <a:p>
+            <a:pPr marL="285750" indent="-285750">
+              <a:buFont typeface="Arial" panose="020B0604020202020204" pitchFamily="34" charset="0"/>
+              <a:buChar char="•"/>
+            </a:pPr>
+            <a:endParaRPr lang="en-US" dirty="0" smtClean="0"/>
+          </a:p>
+          <a:p>
+            <a:pPr marL="285750" indent="-285750">
+              <a:buFont typeface="Arial" panose="020B0604020202020204" pitchFamily="34" charset="0"/>
+              <a:buChar char="•"/>
+            </a:pPr>
+            <a:r>
+              <a:rPr lang="en-US" dirty="0" smtClean="0"/>
+              <a:t>Style Configuration</a:t>
+            </a:r>
+          </a:p>
+          <a:p>
+            <a:pPr marL="285750" indent="-285750">
+              <a:buFont typeface="Arial" panose="020B0604020202020204" pitchFamily="34" charset="0"/>
+              <a:buChar char="•"/>
+            </a:pPr>
+            <a:r>
+              <a:rPr lang="en-US" dirty="0" smtClean="0"/>
+              <a:t>UI Elements &amp; feature flags </a:t>
+            </a:r>
+          </a:p>
+          <a:p>
+            <a:pPr marL="285750" indent="-285750">
+              <a:buFont typeface="Arial" panose="020B0604020202020204" pitchFamily="34" charset="0"/>
+              <a:buChar char="•"/>
+            </a:pPr>
+            <a:r>
+              <a:rPr lang="en-US" dirty="0" smtClean="0"/>
+              <a:t>Data or data source</a:t>
+            </a:r>
+            <a:br>
+              <a:rPr lang="en-US" dirty="0" smtClean="0"/>
+            </a:br>
+            <a:r>
+              <a:rPr lang="en-US" dirty="0" smtClean="0"/>
+              <a:t> (this will be separate)</a:t>
+            </a:r>
+          </a:p>
+          <a:p>
+            <a:pPr marL="285750" indent="-285750">
+              <a:buFont typeface="Arial" panose="020B0604020202020204" pitchFamily="34" charset="0"/>
+              <a:buChar char="•"/>
+            </a:pPr>
+            <a:endParaRPr lang="en-US" dirty="0"/>
+          </a:p>
+        </p:txBody>
+      </p:sp>
+      <p:cxnSp>
+        <p:nvCxnSpPr>
+          <p:cNvPr id="32" name="Straight Arrow Connector 31"/>
+          <p:cNvCxnSpPr>
+            <a:stCxn id="29" idx="1"/>
+          </p:cNvCxnSpPr>
+          <p:nvPr/>
+        </p:nvCxnSpPr>
+        <p:spPr>
+          <a:xfrm flipH="1">
+            <a:off x="4596938" y="2885040"/>
+            <a:ext cx="3422382" cy="0"/>
+          </a:xfrm>
+          <a:prstGeom prst="straightConnector1">
+            <a:avLst/>
+          </a:prstGeom>
+          <a:ln>
+            <a:tailEnd type="triangle"/>
+          </a:ln>
+        </p:spPr>
+        <p:style>
+          <a:lnRef idx="1">
+            <a:schemeClr val="accent1"/>
+          </a:lnRef>
+          <a:fillRef idx="0">
+            <a:schemeClr val="accent1"/>
+          </a:fillRef>
+          <a:effectRef idx="0">
+            <a:schemeClr val="accent1"/>
+          </a:effectRef>
+          <a:fontRef idx="minor">
+            <a:schemeClr val="tx1"/>
+          </a:fontRef>
+        </p:style>
+      </p:cxnSp>
+      <p:cxnSp>
+        <p:nvCxnSpPr>
+          <p:cNvPr id="34" name="Elbow Connector 33"/>
+          <p:cNvCxnSpPr>
+            <a:stCxn id="11" idx="3"/>
+          </p:cNvCxnSpPr>
+          <p:nvPr/>
+        </p:nvCxnSpPr>
+        <p:spPr>
+          <a:xfrm>
+            <a:off x="4134263" y="2652223"/>
+            <a:ext cx="462675" cy="794456"/>
+          </a:xfrm>
+          <a:prstGeom prst="bentConnector2">
+            <a:avLst/>
+          </a:prstGeom>
+        </p:spPr>
+        <p:style>
+          <a:lnRef idx="1">
+            <a:schemeClr val="accent1"/>
+          </a:lnRef>
+          <a:fillRef idx="0">
+            <a:schemeClr val="accent1"/>
+          </a:fillRef>
+          <a:effectRef idx="0">
+            <a:schemeClr val="accent1"/>
+          </a:effectRef>
+          <a:fontRef idx="minor">
+            <a:schemeClr val="tx1"/>
+          </a:fontRef>
+        </p:style>
+      </p:cxnSp>
+      <p:cxnSp>
+        <p:nvCxnSpPr>
+          <p:cNvPr id="36" name="Elbow Connector 35"/>
+          <p:cNvCxnSpPr>
+            <a:stCxn id="18" idx="3"/>
+          </p:cNvCxnSpPr>
+          <p:nvPr/>
+        </p:nvCxnSpPr>
+        <p:spPr>
+          <a:xfrm flipV="1">
+            <a:off x="4148923" y="2688611"/>
+            <a:ext cx="446488" cy="877208"/>
+          </a:xfrm>
+          <a:prstGeom prst="bentConnector2">
+            <a:avLst/>
+          </a:prstGeom>
+        </p:spPr>
+        <p:style>
+          <a:lnRef idx="1">
+            <a:schemeClr val="accent1"/>
+          </a:lnRef>
+          <a:fillRef idx="0">
+            <a:schemeClr val="accent1"/>
+          </a:fillRef>
+          <a:effectRef idx="0">
+            <a:schemeClr val="accent1"/>
+          </a:effectRef>
+          <a:fontRef idx="minor">
+            <a:schemeClr val="tx1"/>
+          </a:fontRef>
+        </p:style>
+      </p:cxnSp>
+      <p:sp>
+        <p:nvSpPr>
+          <p:cNvPr id="40" name="TextBox 39"/>
+          <p:cNvSpPr txBox="1"/>
+          <p:nvPr/>
+        </p:nvSpPr>
+        <p:spPr>
+          <a:xfrm>
+            <a:off x="8019320" y="4414058"/>
+            <a:ext cx="3139747" cy="1446550"/>
+          </a:xfrm>
+          <a:prstGeom prst="rect">
+            <a:avLst/>
+          </a:prstGeom>
+          <a:noFill/>
+          <a:ln>
+            <a:solidFill>
+              <a:schemeClr val="accent1"/>
+            </a:solidFill>
+            <a:prstDash val="dashDot"/>
+          </a:ln>
+        </p:spPr>
+        <p:txBody>
+          <a:bodyPr wrap="square" rtlCol="0">
+            <a:spAutoFit/>
+          </a:bodyPr>
+          <a:lstStyle/>
+          <a:p>
+            <a:r>
+              <a:rPr lang="en-US" sz="1400" dirty="0" smtClean="0"/>
+              <a:t>Data/text of toast notification will be part of Separate API / Page where user can get/see all the messages or messages for all the use case and edit them.</a:t>
+            </a:r>
+          </a:p>
+          <a:p>
+            <a:endParaRPr lang="en-US" dirty="0" smtClean="0"/>
+          </a:p>
+        </p:txBody>
+      </p:sp>
+      <p:cxnSp>
+        <p:nvCxnSpPr>
+          <p:cNvPr id="42" name="Straight Arrow Connector 41"/>
+          <p:cNvCxnSpPr/>
+          <p:nvPr/>
+        </p:nvCxnSpPr>
+        <p:spPr>
+          <a:xfrm>
+            <a:off x="9615054" y="3370237"/>
+            <a:ext cx="4665" cy="1056136"/>
+          </a:xfrm>
+          <a:prstGeom prst="straightConnector1">
+            <a:avLst/>
+          </a:prstGeom>
+          <a:ln>
+            <a:tailEnd type="triangle"/>
+          </a:ln>
+        </p:spPr>
+        <p:style>
+          <a:lnRef idx="1">
+            <a:schemeClr val="accent1"/>
+          </a:lnRef>
+          <a:fillRef idx="0">
+            <a:schemeClr val="accent1"/>
+          </a:fillRef>
+          <a:effectRef idx="0">
+            <a:schemeClr val="accent1"/>
+          </a:effectRef>
+          <a:fontRef idx="minor">
+            <a:schemeClr val="tx1"/>
+          </a:fontRef>
+        </p:style>
+      </p:cxnSp>
     </p:spTree>
     <p:extLst>
       <p:ext uri="{BB962C8B-B14F-4D97-AF65-F5344CB8AC3E}">
@@ -7559,6 +8766,840 @@
       </p:par>
     </p:tnLst>
   </p:timing>
+</p:sld>
+</file>
+
+<file path=ppt/slides/slide9.xml><?xml version="1.0" encoding="utf-8"?>
+<p:sld xmlns:a="http://schemas.openxmlformats.org/drawingml/2006/main" xmlns:r="http://schemas.openxmlformats.org/officeDocument/2006/relationships" xmlns:p="http://schemas.openxmlformats.org/presentationml/2006/main">
+  <p:cSld>
+    <p:spTree>
+      <p:nvGrpSpPr>
+        <p:cNvPr id="1" name=""/>
+        <p:cNvGrpSpPr/>
+        <p:nvPr/>
+      </p:nvGrpSpPr>
+      <p:grpSpPr>
+        <a:xfrm>
+          <a:off x="0" y="0"/>
+          <a:ext cx="0" cy="0"/>
+          <a:chOff x="0" y="0"/>
+          <a:chExt cx="0" cy="0"/>
+        </a:xfrm>
+      </p:grpSpPr>
+      <p:sp>
+        <p:nvSpPr>
+          <p:cNvPr id="4" name="Title 1"/>
+          <p:cNvSpPr>
+            <a:spLocks noGrp="1"/>
+          </p:cNvSpPr>
+          <p:nvPr>
+            <p:ph type="title"/>
+          </p:nvPr>
+        </p:nvSpPr>
+        <p:spPr>
+          <a:xfrm>
+            <a:off x="249381" y="123717"/>
+            <a:ext cx="10374284" cy="548190"/>
+          </a:xfrm>
+        </p:spPr>
+        <p:txBody>
+          <a:bodyPr>
+            <a:normAutofit/>
+          </a:bodyPr>
+          <a:lstStyle/>
+          <a:p>
+            <a:r>
+              <a:rPr lang="en-US" sz="2200" b="1" dirty="0" smtClean="0"/>
+              <a:t>Notification text (data) </a:t>
+            </a:r>
+            <a:r>
+              <a:rPr lang="en-US" sz="2200" b="1" dirty="0" smtClean="0"/>
+              <a:t>CMS/Control panel </a:t>
+            </a:r>
+            <a:endParaRPr lang="en-US" sz="2200" b="1" dirty="0"/>
+          </a:p>
+        </p:txBody>
+      </p:sp>
+      <p:sp>
+        <p:nvSpPr>
+          <p:cNvPr id="27" name="TextBox 26"/>
+          <p:cNvSpPr txBox="1"/>
+          <p:nvPr/>
+        </p:nvSpPr>
+        <p:spPr>
+          <a:xfrm>
+            <a:off x="260397" y="617602"/>
+            <a:ext cx="11402360" cy="523220"/>
+          </a:xfrm>
+          <a:prstGeom prst="rect">
+            <a:avLst/>
+          </a:prstGeom>
+          <a:noFill/>
+        </p:spPr>
+        <p:txBody>
+          <a:bodyPr wrap="square" rtlCol="0">
+            <a:spAutoFit/>
+          </a:bodyPr>
+          <a:lstStyle/>
+          <a:p>
+            <a:r>
+              <a:rPr lang="en-US" sz="1400" dirty="0" smtClean="0"/>
+              <a:t>Will configure UI components will be for specific parent component or type of component (if available), in case of toast will configure every type of toast and in CMS. Will provide type based selection to modify toast style, UI and data.</a:t>
+            </a:r>
+            <a:endParaRPr lang="en-US" sz="1400" dirty="0"/>
+          </a:p>
+        </p:txBody>
+      </p:sp>
+      <p:sp>
+        <p:nvSpPr>
+          <p:cNvPr id="63" name="TextBox 62"/>
+          <p:cNvSpPr txBox="1"/>
+          <p:nvPr/>
+        </p:nvSpPr>
+        <p:spPr>
+          <a:xfrm>
+            <a:off x="485189" y="2815370"/>
+            <a:ext cx="6260841" cy="369332"/>
+          </a:xfrm>
+          <a:prstGeom prst="rect">
+            <a:avLst/>
+          </a:prstGeom>
+          <a:noFill/>
+        </p:spPr>
+        <p:txBody>
+          <a:bodyPr wrap="square" rtlCol="0">
+            <a:spAutoFit/>
+          </a:bodyPr>
+          <a:lstStyle/>
+          <a:p>
+            <a:r>
+              <a:rPr lang="en-US" dirty="0" smtClean="0"/>
+              <a:t>User case 02:  payment submission Error</a:t>
+            </a:r>
+          </a:p>
+        </p:txBody>
+      </p:sp>
+      <p:sp>
+        <p:nvSpPr>
+          <p:cNvPr id="64" name="TextBox 63"/>
+          <p:cNvSpPr txBox="1"/>
+          <p:nvPr/>
+        </p:nvSpPr>
+        <p:spPr>
+          <a:xfrm>
+            <a:off x="522515" y="4123531"/>
+            <a:ext cx="6260841" cy="369332"/>
+          </a:xfrm>
+          <a:prstGeom prst="rect">
+            <a:avLst/>
+          </a:prstGeom>
+          <a:noFill/>
+        </p:spPr>
+        <p:txBody>
+          <a:bodyPr wrap="square" rtlCol="0">
+            <a:spAutoFit/>
+          </a:bodyPr>
+          <a:lstStyle/>
+          <a:p>
+            <a:r>
+              <a:rPr lang="en-US" dirty="0" smtClean="0"/>
+              <a:t>User case 03:  Validation notification</a:t>
+            </a:r>
+          </a:p>
+        </p:txBody>
+      </p:sp>
+      <p:sp>
+        <p:nvSpPr>
+          <p:cNvPr id="65" name="TextBox 64"/>
+          <p:cNvSpPr txBox="1"/>
+          <p:nvPr/>
+        </p:nvSpPr>
+        <p:spPr>
+          <a:xfrm>
+            <a:off x="497634" y="5247547"/>
+            <a:ext cx="6260841" cy="369332"/>
+          </a:xfrm>
+          <a:prstGeom prst="rect">
+            <a:avLst/>
+          </a:prstGeom>
+          <a:noFill/>
+        </p:spPr>
+        <p:txBody>
+          <a:bodyPr wrap="square" rtlCol="0">
+            <a:spAutoFit/>
+          </a:bodyPr>
+          <a:lstStyle/>
+          <a:p>
+            <a:r>
+              <a:rPr lang="en-US" dirty="0" smtClean="0"/>
+              <a:t>User case 04:  general information</a:t>
+            </a:r>
+          </a:p>
+        </p:txBody>
+      </p:sp>
+      <p:grpSp>
+        <p:nvGrpSpPr>
+          <p:cNvPr id="71" name="Group 70"/>
+          <p:cNvGrpSpPr/>
+          <p:nvPr/>
+        </p:nvGrpSpPr>
+        <p:grpSpPr>
+          <a:xfrm>
+            <a:off x="494520" y="1651521"/>
+            <a:ext cx="6260841" cy="958570"/>
+            <a:chOff x="494520" y="1856792"/>
+            <a:chExt cx="6260841" cy="958570"/>
+          </a:xfrm>
+        </p:grpSpPr>
+        <p:sp>
+          <p:nvSpPr>
+            <p:cNvPr id="34" name="TextBox 33"/>
+            <p:cNvSpPr txBox="1"/>
+            <p:nvPr/>
+          </p:nvSpPr>
+          <p:spPr>
+            <a:xfrm>
+              <a:off x="494520" y="1856792"/>
+              <a:ext cx="6260841" cy="369332"/>
+            </a:xfrm>
+            <a:prstGeom prst="rect">
+              <a:avLst/>
+            </a:prstGeom>
+            <a:noFill/>
+          </p:spPr>
+          <p:txBody>
+            <a:bodyPr wrap="square" rtlCol="0">
+              <a:spAutoFit/>
+            </a:bodyPr>
+            <a:lstStyle/>
+            <a:p>
+              <a:r>
+                <a:rPr lang="en-US" dirty="0" smtClean="0"/>
+                <a:t>User case 01:  payment submission and acceptance</a:t>
+              </a:r>
+            </a:p>
+          </p:txBody>
+        </p:sp>
+        <p:sp>
+          <p:nvSpPr>
+            <p:cNvPr id="66" name="Rectangle 65"/>
+            <p:cNvSpPr/>
+            <p:nvPr/>
+          </p:nvSpPr>
+          <p:spPr>
+            <a:xfrm>
+              <a:off x="573429" y="2465452"/>
+              <a:ext cx="4698365" cy="349910"/>
+            </a:xfrm>
+            <a:prstGeom prst="rect">
+              <a:avLst/>
+            </a:prstGeom>
+            <a:solidFill>
+              <a:schemeClr val="bg1"/>
+            </a:solidFill>
+            <a:ln w="3175">
+              <a:solidFill>
+                <a:schemeClr val="bg1">
+                  <a:lumMod val="65000"/>
+                </a:schemeClr>
+              </a:solidFill>
+            </a:ln>
+          </p:spPr>
+          <p:style>
+            <a:lnRef idx="2">
+              <a:schemeClr val="accent1">
+                <a:shade val="50000"/>
+              </a:schemeClr>
+            </a:lnRef>
+            <a:fillRef idx="1">
+              <a:schemeClr val="accent1"/>
+            </a:fillRef>
+            <a:effectRef idx="0">
+              <a:schemeClr val="accent1"/>
+            </a:effectRef>
+            <a:fontRef idx="minor">
+              <a:schemeClr val="lt1"/>
+            </a:fontRef>
+          </p:style>
+          <p:txBody>
+            <a:bodyPr rtlCol="0" anchor="ctr"/>
+            <a:lstStyle/>
+            <a:p>
+              <a:r>
+                <a:rPr lang="en-US" sz="1000" dirty="0" smtClean="0">
+                  <a:ln w="0">
+                    <a:noFill/>
+                  </a:ln>
+                  <a:solidFill>
+                    <a:schemeClr val="bg2">
+                      <a:lumMod val="10000"/>
+                    </a:schemeClr>
+                  </a:solidFill>
+                </a:rPr>
+                <a:t>Payment has been submitted successfully for A/C no : </a:t>
+              </a:r>
+              <a:r>
+                <a:rPr lang="en-US" sz="1000" b="1" dirty="0" smtClean="0">
+                  <a:ln w="0">
+                    <a:noFill/>
+                  </a:ln>
+                  <a:solidFill>
+                    <a:schemeClr val="bg2">
+                      <a:lumMod val="10000"/>
+                    </a:schemeClr>
+                  </a:solidFill>
+                </a:rPr>
+                <a:t>0000000000</a:t>
+              </a:r>
+              <a:r>
+                <a:rPr lang="en-US" sz="1000" dirty="0" smtClean="0">
+                  <a:ln w="0">
+                    <a:noFill/>
+                  </a:ln>
+                  <a:solidFill>
+                    <a:schemeClr val="bg2">
+                      <a:lumMod val="10000"/>
+                    </a:schemeClr>
+                  </a:solidFill>
+                </a:rPr>
+                <a:t> !</a:t>
+              </a:r>
+              <a:endParaRPr lang="en-US" sz="1000" dirty="0">
+                <a:ln w="0">
+                  <a:noFill/>
+                </a:ln>
+                <a:solidFill>
+                  <a:schemeClr val="bg2">
+                    <a:lumMod val="10000"/>
+                  </a:schemeClr>
+                </a:solidFill>
+              </a:endParaRPr>
+            </a:p>
+          </p:txBody>
+        </p:sp>
+        <p:sp>
+          <p:nvSpPr>
+            <p:cNvPr id="67" name="TextBox 66"/>
+            <p:cNvSpPr txBox="1"/>
+            <p:nvPr/>
+          </p:nvSpPr>
+          <p:spPr>
+            <a:xfrm>
+              <a:off x="494520" y="2221762"/>
+              <a:ext cx="1072730" cy="246221"/>
+            </a:xfrm>
+            <a:prstGeom prst="rect">
+              <a:avLst/>
+            </a:prstGeom>
+            <a:noFill/>
+          </p:spPr>
+          <p:txBody>
+            <a:bodyPr wrap="none" rtlCol="0">
+              <a:spAutoFit/>
+            </a:bodyPr>
+            <a:lstStyle/>
+            <a:p>
+              <a:r>
+                <a:rPr lang="en-US" sz="1000" b="1" dirty="0" smtClean="0"/>
+                <a:t>Text Template :  </a:t>
+              </a:r>
+              <a:endParaRPr lang="en-US" sz="1000" b="1" dirty="0"/>
+            </a:p>
+          </p:txBody>
+        </p:sp>
+      </p:grpSp>
+      <p:grpSp>
+        <p:nvGrpSpPr>
+          <p:cNvPr id="70" name="Group 69"/>
+          <p:cNvGrpSpPr/>
+          <p:nvPr/>
+        </p:nvGrpSpPr>
+        <p:grpSpPr>
+          <a:xfrm>
+            <a:off x="497625" y="3260579"/>
+            <a:ext cx="4795936" cy="565607"/>
+            <a:chOff x="497625" y="3428526"/>
+            <a:chExt cx="4795936" cy="565607"/>
+          </a:xfrm>
+        </p:grpSpPr>
+        <p:sp>
+          <p:nvSpPr>
+            <p:cNvPr id="68" name="Rectangle 67"/>
+            <p:cNvSpPr/>
+            <p:nvPr/>
+          </p:nvSpPr>
+          <p:spPr>
+            <a:xfrm>
+              <a:off x="595196" y="3644223"/>
+              <a:ext cx="4698365" cy="349910"/>
+            </a:xfrm>
+            <a:prstGeom prst="rect">
+              <a:avLst/>
+            </a:prstGeom>
+            <a:solidFill>
+              <a:schemeClr val="bg1"/>
+            </a:solidFill>
+            <a:ln w="3175">
+              <a:solidFill>
+                <a:schemeClr val="bg1">
+                  <a:lumMod val="65000"/>
+                </a:schemeClr>
+              </a:solidFill>
+            </a:ln>
+          </p:spPr>
+          <p:style>
+            <a:lnRef idx="2">
+              <a:schemeClr val="accent1">
+                <a:shade val="50000"/>
+              </a:schemeClr>
+            </a:lnRef>
+            <a:fillRef idx="1">
+              <a:schemeClr val="accent1"/>
+            </a:fillRef>
+            <a:effectRef idx="0">
+              <a:schemeClr val="accent1"/>
+            </a:effectRef>
+            <a:fontRef idx="minor">
+              <a:schemeClr val="lt1"/>
+            </a:fontRef>
+          </p:style>
+          <p:txBody>
+            <a:bodyPr rtlCol="0" anchor="ctr"/>
+            <a:lstStyle/>
+            <a:p>
+              <a:r>
+                <a:rPr lang="en-US" sz="1050" b="1" dirty="0">
+                  <a:solidFill>
+                    <a:schemeClr val="tx1"/>
+                  </a:solidFill>
+                </a:rPr>
+                <a:t>Lorem Ipsum</a:t>
+              </a:r>
+              <a:r>
+                <a:rPr lang="en-US" sz="1050" dirty="0">
+                  <a:solidFill>
+                    <a:schemeClr val="tx1"/>
+                  </a:solidFill>
+                </a:rPr>
+                <a:t> is simply dummy text of the printing and typesetting industry.</a:t>
+              </a:r>
+              <a:endParaRPr lang="en-US" sz="500" dirty="0">
+                <a:ln w="0">
+                  <a:noFill/>
+                </a:ln>
+                <a:solidFill>
+                  <a:schemeClr val="tx1"/>
+                </a:solidFill>
+              </a:endParaRPr>
+            </a:p>
+          </p:txBody>
+        </p:sp>
+        <p:sp>
+          <p:nvSpPr>
+            <p:cNvPr id="69" name="TextBox 68"/>
+            <p:cNvSpPr txBox="1"/>
+            <p:nvPr/>
+          </p:nvSpPr>
+          <p:spPr>
+            <a:xfrm>
+              <a:off x="497625" y="3428526"/>
+              <a:ext cx="1072730" cy="246221"/>
+            </a:xfrm>
+            <a:prstGeom prst="rect">
+              <a:avLst/>
+            </a:prstGeom>
+            <a:noFill/>
+          </p:spPr>
+          <p:txBody>
+            <a:bodyPr wrap="none" rtlCol="0">
+              <a:spAutoFit/>
+            </a:bodyPr>
+            <a:lstStyle/>
+            <a:p>
+              <a:r>
+                <a:rPr lang="en-US" sz="1000" b="1" dirty="0" smtClean="0"/>
+                <a:t>Text Template :  </a:t>
+              </a:r>
+              <a:endParaRPr lang="en-US" sz="1000" b="1" dirty="0"/>
+            </a:p>
+          </p:txBody>
+        </p:sp>
+      </p:grpSp>
+      <p:grpSp>
+        <p:nvGrpSpPr>
+          <p:cNvPr id="72" name="Group 71"/>
+          <p:cNvGrpSpPr/>
+          <p:nvPr/>
+        </p:nvGrpSpPr>
+        <p:grpSpPr>
+          <a:xfrm>
+            <a:off x="524643" y="4494286"/>
+            <a:ext cx="4795936" cy="565607"/>
+            <a:chOff x="497625" y="3428526"/>
+            <a:chExt cx="4795936" cy="565607"/>
+          </a:xfrm>
+        </p:grpSpPr>
+        <p:sp>
+          <p:nvSpPr>
+            <p:cNvPr id="73" name="Rectangle 72"/>
+            <p:cNvSpPr/>
+            <p:nvPr/>
+          </p:nvSpPr>
+          <p:spPr>
+            <a:xfrm>
+              <a:off x="595196" y="3644223"/>
+              <a:ext cx="4698365" cy="349910"/>
+            </a:xfrm>
+            <a:prstGeom prst="rect">
+              <a:avLst/>
+            </a:prstGeom>
+            <a:solidFill>
+              <a:schemeClr val="bg1"/>
+            </a:solidFill>
+            <a:ln w="3175">
+              <a:solidFill>
+                <a:schemeClr val="bg1">
+                  <a:lumMod val="65000"/>
+                </a:schemeClr>
+              </a:solidFill>
+            </a:ln>
+          </p:spPr>
+          <p:style>
+            <a:lnRef idx="2">
+              <a:schemeClr val="accent1">
+                <a:shade val="50000"/>
+              </a:schemeClr>
+            </a:lnRef>
+            <a:fillRef idx="1">
+              <a:schemeClr val="accent1"/>
+            </a:fillRef>
+            <a:effectRef idx="0">
+              <a:schemeClr val="accent1"/>
+            </a:effectRef>
+            <a:fontRef idx="minor">
+              <a:schemeClr val="lt1"/>
+            </a:fontRef>
+          </p:style>
+          <p:txBody>
+            <a:bodyPr rtlCol="0" anchor="ctr"/>
+            <a:lstStyle/>
+            <a:p>
+              <a:r>
+                <a:rPr lang="en-US" sz="1000" b="1" dirty="0">
+                  <a:solidFill>
+                    <a:schemeClr val="tx1"/>
+                  </a:solidFill>
+                </a:rPr>
+                <a:t>Lorem Ipsum</a:t>
+              </a:r>
+              <a:r>
+                <a:rPr lang="en-US" sz="1000" dirty="0">
+                  <a:solidFill>
+                    <a:schemeClr val="tx1"/>
+                  </a:solidFill>
+                </a:rPr>
+                <a:t> is simply dummy text of the printing and typesetting industry.</a:t>
+              </a:r>
+              <a:endParaRPr lang="en-US" sz="400" dirty="0">
+                <a:ln w="0">
+                  <a:noFill/>
+                </a:ln>
+                <a:solidFill>
+                  <a:schemeClr val="tx1"/>
+                </a:solidFill>
+              </a:endParaRPr>
+            </a:p>
+          </p:txBody>
+        </p:sp>
+        <p:sp>
+          <p:nvSpPr>
+            <p:cNvPr id="74" name="TextBox 73"/>
+            <p:cNvSpPr txBox="1"/>
+            <p:nvPr/>
+          </p:nvSpPr>
+          <p:spPr>
+            <a:xfrm>
+              <a:off x="497625" y="3428526"/>
+              <a:ext cx="1072730" cy="246221"/>
+            </a:xfrm>
+            <a:prstGeom prst="rect">
+              <a:avLst/>
+            </a:prstGeom>
+            <a:noFill/>
+          </p:spPr>
+          <p:txBody>
+            <a:bodyPr wrap="none" rtlCol="0">
+              <a:spAutoFit/>
+            </a:bodyPr>
+            <a:lstStyle/>
+            <a:p>
+              <a:r>
+                <a:rPr lang="en-US" sz="1000" b="1" dirty="0" smtClean="0"/>
+                <a:t>Text Template :  </a:t>
+              </a:r>
+              <a:endParaRPr lang="en-US" sz="1000" b="1" dirty="0"/>
+            </a:p>
+          </p:txBody>
+        </p:sp>
+      </p:grpSp>
+      <p:grpSp>
+        <p:nvGrpSpPr>
+          <p:cNvPr id="75" name="Group 74"/>
+          <p:cNvGrpSpPr/>
+          <p:nvPr/>
+        </p:nvGrpSpPr>
+        <p:grpSpPr>
+          <a:xfrm>
+            <a:off x="475858" y="5681074"/>
+            <a:ext cx="4795936" cy="565607"/>
+            <a:chOff x="497625" y="3428526"/>
+            <a:chExt cx="4795936" cy="565607"/>
+          </a:xfrm>
+        </p:grpSpPr>
+        <p:sp>
+          <p:nvSpPr>
+            <p:cNvPr id="76" name="Rectangle 75"/>
+            <p:cNvSpPr/>
+            <p:nvPr/>
+          </p:nvSpPr>
+          <p:spPr>
+            <a:xfrm>
+              <a:off x="595196" y="3644223"/>
+              <a:ext cx="4698365" cy="349910"/>
+            </a:xfrm>
+            <a:prstGeom prst="rect">
+              <a:avLst/>
+            </a:prstGeom>
+            <a:solidFill>
+              <a:schemeClr val="bg1"/>
+            </a:solidFill>
+            <a:ln w="3175">
+              <a:solidFill>
+                <a:schemeClr val="bg1">
+                  <a:lumMod val="65000"/>
+                </a:schemeClr>
+              </a:solidFill>
+            </a:ln>
+          </p:spPr>
+          <p:style>
+            <a:lnRef idx="2">
+              <a:schemeClr val="accent1">
+                <a:shade val="50000"/>
+              </a:schemeClr>
+            </a:lnRef>
+            <a:fillRef idx="1">
+              <a:schemeClr val="accent1"/>
+            </a:fillRef>
+            <a:effectRef idx="0">
+              <a:schemeClr val="accent1"/>
+            </a:effectRef>
+            <a:fontRef idx="minor">
+              <a:schemeClr val="lt1"/>
+            </a:fontRef>
+          </p:style>
+          <p:txBody>
+            <a:bodyPr rtlCol="0" anchor="ctr"/>
+            <a:lstStyle/>
+            <a:p>
+              <a:r>
+                <a:rPr lang="en-US" sz="1000" b="1" dirty="0">
+                  <a:solidFill>
+                    <a:schemeClr val="tx1"/>
+                  </a:solidFill>
+                </a:rPr>
+                <a:t>Lorem Ipsum</a:t>
+              </a:r>
+              <a:r>
+                <a:rPr lang="en-US" sz="1000" dirty="0">
+                  <a:solidFill>
+                    <a:schemeClr val="tx1"/>
+                  </a:solidFill>
+                </a:rPr>
+                <a:t> is simply dummy text of the printing and typesetting industry.</a:t>
+              </a:r>
+              <a:endParaRPr lang="en-US" sz="400" dirty="0">
+                <a:ln w="0">
+                  <a:noFill/>
+                </a:ln>
+                <a:solidFill>
+                  <a:schemeClr val="tx1"/>
+                </a:solidFill>
+              </a:endParaRPr>
+            </a:p>
+          </p:txBody>
+        </p:sp>
+        <p:sp>
+          <p:nvSpPr>
+            <p:cNvPr id="77" name="TextBox 76"/>
+            <p:cNvSpPr txBox="1"/>
+            <p:nvPr/>
+          </p:nvSpPr>
+          <p:spPr>
+            <a:xfrm>
+              <a:off x="497625" y="3428526"/>
+              <a:ext cx="1072730" cy="246221"/>
+            </a:xfrm>
+            <a:prstGeom prst="rect">
+              <a:avLst/>
+            </a:prstGeom>
+            <a:noFill/>
+          </p:spPr>
+          <p:txBody>
+            <a:bodyPr wrap="none" rtlCol="0">
+              <a:spAutoFit/>
+            </a:bodyPr>
+            <a:lstStyle/>
+            <a:p>
+              <a:r>
+                <a:rPr lang="en-US" sz="1000" b="1" dirty="0" smtClean="0"/>
+                <a:t>Text Template :  </a:t>
+              </a:r>
+              <a:endParaRPr lang="en-US" sz="1000" b="1" dirty="0"/>
+            </a:p>
+          </p:txBody>
+        </p:sp>
+      </p:grpSp>
+      <p:sp>
+        <p:nvSpPr>
+          <p:cNvPr id="79" name="TextBox 78"/>
+          <p:cNvSpPr txBox="1"/>
+          <p:nvPr/>
+        </p:nvSpPr>
+        <p:spPr>
+          <a:xfrm>
+            <a:off x="8420537" y="2923202"/>
+            <a:ext cx="2099806" cy="1200329"/>
+          </a:xfrm>
+          <a:prstGeom prst="rect">
+            <a:avLst/>
+          </a:prstGeom>
+          <a:solidFill>
+            <a:schemeClr val="accent1">
+              <a:lumMod val="20000"/>
+              <a:lumOff val="80000"/>
+            </a:schemeClr>
+          </a:solidFill>
+        </p:spPr>
+        <p:txBody>
+          <a:bodyPr wrap="none" rtlCol="0">
+            <a:spAutoFit/>
+          </a:bodyPr>
+          <a:lstStyle/>
+          <a:p>
+            <a:endParaRPr lang="en-US" dirty="0" smtClean="0"/>
+          </a:p>
+          <a:p>
+            <a:r>
+              <a:rPr lang="en-US" dirty="0" smtClean="0"/>
+              <a:t>Data or data source</a:t>
+            </a:r>
+            <a:br>
+              <a:rPr lang="en-US" dirty="0" smtClean="0"/>
+            </a:br>
+            <a:r>
+              <a:rPr lang="en-US" dirty="0" smtClean="0"/>
+              <a:t> for notification</a:t>
+            </a:r>
+          </a:p>
+          <a:p>
+            <a:pPr marL="285750" indent="-285750">
+              <a:buFont typeface="Arial" panose="020B0604020202020204" pitchFamily="34" charset="0"/>
+              <a:buChar char="•"/>
+            </a:pPr>
+            <a:endParaRPr lang="en-US" dirty="0"/>
+          </a:p>
+        </p:txBody>
+      </p:sp>
+      <p:sp>
+        <p:nvSpPr>
+          <p:cNvPr id="80" name="Rectangle 79"/>
+          <p:cNvSpPr/>
+          <p:nvPr/>
+        </p:nvSpPr>
+        <p:spPr>
+          <a:xfrm>
+            <a:off x="260397" y="1460461"/>
+            <a:ext cx="5356632" cy="5192268"/>
+          </a:xfrm>
+          <a:prstGeom prst="rect">
+            <a:avLst/>
+          </a:prstGeom>
+          <a:noFill/>
+          <a:ln>
+            <a:prstDash val="dash"/>
+          </a:ln>
+        </p:spPr>
+        <p:style>
+          <a:lnRef idx="2">
+            <a:schemeClr val="accent1">
+              <a:shade val="50000"/>
+            </a:schemeClr>
+          </a:lnRef>
+          <a:fillRef idx="1">
+            <a:schemeClr val="accent1"/>
+          </a:fillRef>
+          <a:effectRef idx="0">
+            <a:schemeClr val="accent1"/>
+          </a:effectRef>
+          <a:fontRef idx="minor">
+            <a:schemeClr val="lt1"/>
+          </a:fontRef>
+        </p:style>
+        <p:txBody>
+          <a:bodyPr rtlCol="0" anchor="ctr"/>
+          <a:lstStyle/>
+          <a:p>
+            <a:pPr algn="ctr"/>
+            <a:endParaRPr lang="en-US"/>
+          </a:p>
+        </p:txBody>
+      </p:sp>
+      <p:cxnSp>
+        <p:nvCxnSpPr>
+          <p:cNvPr id="82" name="Straight Arrow Connector 81"/>
+          <p:cNvCxnSpPr>
+            <a:stCxn id="79" idx="1"/>
+          </p:cNvCxnSpPr>
+          <p:nvPr/>
+        </p:nvCxnSpPr>
+        <p:spPr>
+          <a:xfrm flipH="1">
+            <a:off x="5617029" y="3523367"/>
+            <a:ext cx="2803508" cy="30393"/>
+          </a:xfrm>
+          <a:prstGeom prst="straightConnector1">
+            <a:avLst/>
+          </a:prstGeom>
+          <a:ln>
+            <a:prstDash val="dash"/>
+            <a:tailEnd type="triangle"/>
+          </a:ln>
+        </p:spPr>
+        <p:style>
+          <a:lnRef idx="1">
+            <a:schemeClr val="accent1"/>
+          </a:lnRef>
+          <a:fillRef idx="0">
+            <a:schemeClr val="accent1"/>
+          </a:fillRef>
+          <a:effectRef idx="0">
+            <a:schemeClr val="accent1"/>
+          </a:effectRef>
+          <a:fontRef idx="minor">
+            <a:schemeClr val="tx1"/>
+          </a:fontRef>
+        </p:style>
+      </p:cxnSp>
+    </p:spTree>
+    <p:extLst>
+      <p:ext uri="{BB962C8B-B14F-4D97-AF65-F5344CB8AC3E}">
+        <p14:creationId xmlns:p14="http://schemas.microsoft.com/office/powerpoint/2010/main" val="1544489679"/>
+      </p:ext>
+    </p:extLst>
+  </p:cSld>
+  <p:clrMapOvr>
+    <a:masterClrMapping/>
+  </p:clrMapOvr>
 </p:sld>
 </file>
 

--- a/docs/MultiTenant App.pptx
+++ b/docs/MultiTenant App.pptx
@@ -251,7 +251,7 @@
           <a:p>
             <a:fld id="{AC34FC56-4831-496C-8AE9-E150C117C0CE}" type="datetimeFigureOut">
               <a:rPr lang="en-US" smtClean="0"/>
-              <a:t>9/19/2018</a:t>
+              <a:t>9/20/2018</a:t>
             </a:fld>
             <a:endParaRPr lang="en-US"/>
           </a:p>
@@ -421,7 +421,7 @@
           <a:p>
             <a:fld id="{AC34FC56-4831-496C-8AE9-E150C117C0CE}" type="datetimeFigureOut">
               <a:rPr lang="en-US" smtClean="0"/>
-              <a:t>9/19/2018</a:t>
+              <a:t>9/20/2018</a:t>
             </a:fld>
             <a:endParaRPr lang="en-US"/>
           </a:p>
@@ -601,7 +601,7 @@
           <a:p>
             <a:fld id="{AC34FC56-4831-496C-8AE9-E150C117C0CE}" type="datetimeFigureOut">
               <a:rPr lang="en-US" smtClean="0"/>
-              <a:t>9/19/2018</a:t>
+              <a:t>9/20/2018</a:t>
             </a:fld>
             <a:endParaRPr lang="en-US"/>
           </a:p>
@@ -771,7 +771,7 @@
           <a:p>
             <a:fld id="{AC34FC56-4831-496C-8AE9-E150C117C0CE}" type="datetimeFigureOut">
               <a:rPr lang="en-US" smtClean="0"/>
-              <a:t>9/19/2018</a:t>
+              <a:t>9/20/2018</a:t>
             </a:fld>
             <a:endParaRPr lang="en-US"/>
           </a:p>
@@ -1017,7 +1017,7 @@
           <a:p>
             <a:fld id="{AC34FC56-4831-496C-8AE9-E150C117C0CE}" type="datetimeFigureOut">
               <a:rPr lang="en-US" smtClean="0"/>
-              <a:t>9/19/2018</a:t>
+              <a:t>9/20/2018</a:t>
             </a:fld>
             <a:endParaRPr lang="en-US"/>
           </a:p>
@@ -1249,7 +1249,7 @@
           <a:p>
             <a:fld id="{AC34FC56-4831-496C-8AE9-E150C117C0CE}" type="datetimeFigureOut">
               <a:rPr lang="en-US" smtClean="0"/>
-              <a:t>9/19/2018</a:t>
+              <a:t>9/20/2018</a:t>
             </a:fld>
             <a:endParaRPr lang="en-US"/>
           </a:p>
@@ -1616,7 +1616,7 @@
           <a:p>
             <a:fld id="{AC34FC56-4831-496C-8AE9-E150C117C0CE}" type="datetimeFigureOut">
               <a:rPr lang="en-US" smtClean="0"/>
-              <a:t>9/19/2018</a:t>
+              <a:t>9/20/2018</a:t>
             </a:fld>
             <a:endParaRPr lang="en-US"/>
           </a:p>
@@ -1734,7 +1734,7 @@
           <a:p>
             <a:fld id="{AC34FC56-4831-496C-8AE9-E150C117C0CE}" type="datetimeFigureOut">
               <a:rPr lang="en-US" smtClean="0"/>
-              <a:t>9/19/2018</a:t>
+              <a:t>9/20/2018</a:t>
             </a:fld>
             <a:endParaRPr lang="en-US"/>
           </a:p>
@@ -1829,7 +1829,7 @@
           <a:p>
             <a:fld id="{AC34FC56-4831-496C-8AE9-E150C117C0CE}" type="datetimeFigureOut">
               <a:rPr lang="en-US" smtClean="0"/>
-              <a:t>9/19/2018</a:t>
+              <a:t>9/20/2018</a:t>
             </a:fld>
             <a:endParaRPr lang="en-US"/>
           </a:p>
@@ -2106,7 +2106,7 @@
           <a:p>
             <a:fld id="{AC34FC56-4831-496C-8AE9-E150C117C0CE}" type="datetimeFigureOut">
               <a:rPr lang="en-US" smtClean="0"/>
-              <a:t>9/19/2018</a:t>
+              <a:t>9/20/2018</a:t>
             </a:fld>
             <a:endParaRPr lang="en-US"/>
           </a:p>
@@ -2359,7 +2359,7 @@
           <a:p>
             <a:fld id="{AC34FC56-4831-496C-8AE9-E150C117C0CE}" type="datetimeFigureOut">
               <a:rPr lang="en-US" smtClean="0"/>
-              <a:t>9/19/2018</a:t>
+              <a:t>9/20/2018</a:t>
             </a:fld>
             <a:endParaRPr lang="en-US"/>
           </a:p>
@@ -2572,7 +2572,7 @@
           <a:p>
             <a:fld id="{AC34FC56-4831-496C-8AE9-E150C117C0CE}" type="datetimeFigureOut">
               <a:rPr lang="en-US" smtClean="0"/>
-              <a:t>9/19/2018</a:t>
+              <a:t>9/20/2018</a:t>
             </a:fld>
             <a:endParaRPr lang="en-US"/>
           </a:p>
@@ -6484,7 +6484,11 @@
           <a:p>
             <a:r>
               <a:rPr lang="en-US" sz="2200" b="1" dirty="0" smtClean="0"/>
-              <a:t>UI Component approach for Multi-tenant</a:t>
+              <a:t>UI Component approach for </a:t>
+            </a:r>
+            <a:r>
+              <a:rPr lang="en-US" sz="2200" b="1" dirty="0" smtClean="0"/>
+              <a:t>Multi-tenant App</a:t>
             </a:r>
             <a:endParaRPr lang="en-US" sz="2200" dirty="0"/>
           </a:p>
@@ -7410,15 +7414,7 @@
           <a:p>
             <a:r>
               <a:rPr lang="en-US" sz="2200" b="1" dirty="0" smtClean="0"/>
-              <a:t>Notification </a:t>
-            </a:r>
-            <a:r>
-              <a:rPr lang="en-US" sz="2200" b="1" dirty="0" smtClean="0"/>
-              <a:t>Style/UI CMS/Control </a:t>
-            </a:r>
-            <a:r>
-              <a:rPr lang="en-US" sz="2200" b="1" dirty="0" smtClean="0"/>
-              <a:t>panel </a:t>
+              <a:t>Notification Style/UI CMS/Control panel </a:t>
             </a:r>
             <a:endParaRPr lang="en-US" sz="2200" b="1" dirty="0"/>
           </a:p>
@@ -8649,14 +8645,12 @@
       <p:cxnSp>
         <p:nvCxnSpPr>
           <p:cNvPr id="36" name="Elbow Connector 35"/>
-          <p:cNvCxnSpPr>
-            <a:stCxn id="18" idx="3"/>
-          </p:cNvCxnSpPr>
+          <p:cNvCxnSpPr/>
           <p:nvPr/>
         </p:nvCxnSpPr>
         <p:spPr>
           <a:xfrm flipV="1">
-            <a:off x="4148923" y="2688611"/>
+            <a:off x="4157976" y="2688611"/>
             <a:ext cx="446488" cy="877208"/>
           </a:xfrm>
           <a:prstGeom prst="bentConnector2">
@@ -8810,11 +8804,7 @@
           <a:p>
             <a:r>
               <a:rPr lang="en-US" sz="2200" b="1" dirty="0" smtClean="0"/>
-              <a:t>Notification text (data) </a:t>
-            </a:r>
-            <a:r>
-              <a:rPr lang="en-US" sz="2200" b="1" dirty="0" smtClean="0"/>
-              <a:t>CMS/Control panel </a:t>
+              <a:t>Notification text (data) CMS/Control panel </a:t>
             </a:r>
             <a:endParaRPr lang="en-US" sz="2200" b="1" dirty="0"/>
           </a:p>

--- a/docs/MultiTenant App.pptx
+++ b/docs/MultiTenant App.pptx
@@ -7047,6 +7047,13 @@
           <a:prstGeom prst="line">
             <a:avLst/>
           </a:prstGeom>
+          <a:ln>
+            <a:solidFill>
+              <a:schemeClr val="bg1">
+                <a:lumMod val="75000"/>
+              </a:schemeClr>
+            </a:solidFill>
+          </a:ln>
         </p:spPr>
         <p:style>
           <a:lnRef idx="1">
@@ -7077,6 +7084,13 @@
           <a:prstGeom prst="line">
             <a:avLst/>
           </a:prstGeom>
+          <a:ln>
+            <a:solidFill>
+              <a:schemeClr val="bg1">
+                <a:lumMod val="75000"/>
+              </a:schemeClr>
+            </a:solidFill>
+          </a:ln>
         </p:spPr>
         <p:style>
           <a:lnRef idx="1">
